--- a/ppts/555-ch10.pptx
+++ b/ppts/555-ch10.pptx
@@ -183,7 +183,7 @@
   </p:defaultTextStyle>
   <p:extLst>
     <p:ext uri="{EFAFB233-063F-42B5-8137-9DF3F51BA10A}">
-      <p15:sldGuideLst xmlns="" xmlns:p15="http://schemas.microsoft.com/office/powerpoint/2012/main">
+      <p15:sldGuideLst xmlns:p15="http://schemas.microsoft.com/office/powerpoint/2012/main">
         <p15:guide id="1" orient="horz" pos="2160">
           <p15:clr>
             <a:srgbClr val="A4A3A4"/>
@@ -197,7 +197,7 @@
       </p15:sldGuideLst>
     </p:ext>
     <p:ext uri="{2D200454-40CA-4A62-9FC3-DE9A4176ACB9}">
-      <p15:notesGuideLst xmlns="" xmlns:p15="http://schemas.microsoft.com/office/powerpoint/2012/main">
+      <p15:notesGuideLst xmlns:p15="http://schemas.microsoft.com/office/powerpoint/2012/main">
         <p15:guide id="1" orient="horz" pos="2880">
           <p15:clr>
             <a:srgbClr val="A4A3A4"/>
@@ -606,7 +606,7 @@
           </a:ln>
           <a:extLst>
             <a:ext uri="{909E8E84-426E-40dd-AFC4-6F175D3DCCD1}">
-              <a14:hiddenFill xmlns:a14="http://schemas.microsoft.com/office/drawing/2010/main">
+              <a14:hiddenFill xmlns:a14="http://schemas.microsoft.com/office/drawing/2010/main" xmlns="">
                 <a:solidFill>
                   <a:srgbClr val="FFFFFF"/>
                 </a:solidFill>
@@ -652,35 +652,35 @@
           <a:p>
             <a:pPr lvl="0"/>
             <a:r>
-              <a:rPr lang="en-US" noProof="0" smtClean="0"/>
+              <a:rPr lang="en-US" noProof="0"/>
               <a:t>Click to edit Master text styles</a:t>
             </a:r>
           </a:p>
           <a:p>
             <a:pPr lvl="1"/>
             <a:r>
-              <a:rPr lang="en-US" noProof="0" smtClean="0"/>
+              <a:rPr lang="en-US" noProof="0"/>
               <a:t>Second level</a:t>
             </a:r>
           </a:p>
           <a:p>
             <a:pPr lvl="2"/>
             <a:r>
-              <a:rPr lang="en-US" noProof="0" smtClean="0"/>
+              <a:rPr lang="en-US" noProof="0"/>
               <a:t>Third level</a:t>
             </a:r>
           </a:p>
           <a:p>
             <a:pPr lvl="3"/>
             <a:r>
-              <a:rPr lang="en-US" noProof="0" smtClean="0"/>
+              <a:rPr lang="en-US" noProof="0"/>
               <a:t>Fourth level</a:t>
             </a:r>
           </a:p>
           <a:p>
             <a:pPr lvl="4"/>
             <a:r>
-              <a:rPr lang="en-US" noProof="0" smtClean="0"/>
+              <a:rPr lang="en-US" noProof="0"/>
               <a:t>Fifth level</a:t>
             </a:r>
           </a:p>
@@ -971,7 +971,7 @@
               <a:defRPr/>
             </a:pPr>
             <a:r>
-              <a:rPr lang="en-US" altLang="en-US" dirty="0" smtClean="0"/>
+              <a:rPr lang="en-US" altLang="en-US" dirty="0"/>
               <a:t>Types of Mobile Devices</a:t>
             </a:r>
           </a:p>
@@ -979,7 +979,7 @@
             <a:pPr>
               <a:defRPr/>
             </a:pPr>
-            <a:endParaRPr lang="en-US" dirty="0" smtClean="0"/>
+            <a:endParaRPr lang="en-US" dirty="0"/>
           </a:p>
           <a:p>
             <a:pPr marL="171450" indent="-171450">
@@ -988,7 +988,7 @@
               <a:defRPr/>
             </a:pPr>
             <a:r>
-              <a:rPr lang="en-US" altLang="en-US" dirty="0" smtClean="0"/>
+              <a:rPr lang="en-US" altLang="en-US" dirty="0"/>
               <a:t>Characteristics of mobile devices:</a:t>
             </a:r>
           </a:p>
@@ -999,7 +999,7 @@
               <a:defRPr/>
             </a:pPr>
             <a:r>
-              <a:rPr lang="en-US" altLang="en-US" dirty="0" smtClean="0"/>
+              <a:rPr lang="en-US" altLang="en-US" dirty="0"/>
               <a:t>Small form factor</a:t>
             </a:r>
           </a:p>
@@ -1010,7 +1010,7 @@
               <a:defRPr/>
             </a:pPr>
             <a:r>
-              <a:rPr lang="en-US" altLang="en-US" dirty="0" smtClean="0"/>
+              <a:rPr lang="en-US" altLang="en-US" dirty="0"/>
               <a:t>Wireless data NIC for accessing the Internet</a:t>
             </a:r>
           </a:p>
@@ -1021,7 +1021,7 @@
               <a:defRPr/>
             </a:pPr>
             <a:r>
-              <a:rPr lang="en-US" altLang="en-US" dirty="0" smtClean="0"/>
+              <a:rPr lang="en-US" altLang="en-US" dirty="0"/>
               <a:t>Mobile OS</a:t>
             </a:r>
           </a:p>
@@ -1032,7 +1032,7 @@
               <a:defRPr/>
             </a:pPr>
             <a:r>
-              <a:rPr lang="en-US" altLang="en-US" dirty="0" smtClean="0"/>
+              <a:rPr lang="en-US" altLang="en-US" dirty="0"/>
               <a:t>Apps that can be acquired through different means, such as downloaded from the Web or provided by the wireless data carrier</a:t>
             </a:r>
           </a:p>
@@ -1043,7 +1043,7 @@
               <a:defRPr/>
             </a:pPr>
             <a:r>
-              <a:rPr lang="en-US" altLang="en-US" dirty="0" smtClean="0"/>
+              <a:rPr lang="en-US" altLang="en-US" dirty="0"/>
               <a:t>Data synchronization capabilities with a separate computer or remote servers</a:t>
             </a:r>
           </a:p>
@@ -1054,7 +1054,7 @@
               <a:defRPr/>
             </a:pPr>
             <a:r>
-              <a:rPr lang="en-US" altLang="en-US" dirty="0" smtClean="0"/>
+              <a:rPr lang="en-US" altLang="en-US" dirty="0"/>
               <a:t>Local nonremovable data storage</a:t>
             </a:r>
           </a:p>
@@ -1081,14 +1081,14 @@
           <a:ln/>
           <a:extLst>
             <a:ext uri="{909E8E84-426E-40dd-AFC4-6F175D3DCCD1}">
-              <a14:hiddenFill xmlns:a14="http://schemas.microsoft.com/office/drawing/2010/main">
+              <a14:hiddenFill xmlns:a14="http://schemas.microsoft.com/office/drawing/2010/main" xmlns="">
                 <a:solidFill>
                   <a:srgbClr val="FFFFFF"/>
                 </a:solidFill>
               </a14:hiddenFill>
             </a:ext>
             <a:ext uri="{91240B29-F687-4f45-9708-019B960494DF}">
-              <a14:hiddenLine xmlns:a14="http://schemas.microsoft.com/office/drawing/2010/main" w="9525">
+              <a14:hiddenLine xmlns:a14="http://schemas.microsoft.com/office/drawing/2010/main" xmlns="" w="9525">
                 <a:solidFill>
                   <a:srgbClr val="000000"/>
                 </a:solidFill>
@@ -1276,14 +1276,14 @@
           <a:ln/>
           <a:extLst>
             <a:ext uri="{909E8E84-426E-40dd-AFC4-6F175D3DCCD1}">
-              <a14:hiddenFill xmlns:a14="http://schemas.microsoft.com/office/drawing/2010/main">
+              <a14:hiddenFill xmlns:a14="http://schemas.microsoft.com/office/drawing/2010/main" xmlns="">
                 <a:solidFill>
                   <a:srgbClr val="FFFFFF"/>
                 </a:solidFill>
               </a14:hiddenFill>
             </a:ext>
             <a:ext uri="{91240B29-F687-4f45-9708-019B960494DF}">
-              <a14:hiddenLine xmlns:a14="http://schemas.microsoft.com/office/drawing/2010/main" w="9525">
+              <a14:hiddenLine xmlns:a14="http://schemas.microsoft.com/office/drawing/2010/main" xmlns="" w="9525">
                 <a:solidFill>
                   <a:srgbClr val="000000"/>
                 </a:solidFill>
@@ -1299,16 +1299,16 @@
           <a:lstStyle/>
           <a:p>
             <a:r>
-              <a:rPr lang="en-US" altLang="en-US" smtClean="0"/>
+              <a:rPr lang="en-US" altLang="en-US"/>
               <a:t>Smartphones</a:t>
             </a:r>
           </a:p>
           <a:p>
-            <a:endParaRPr lang="en-US" altLang="en-US" smtClean="0"/>
-          </a:p>
-          <a:p>
-            <a:r>
-              <a:rPr lang="en-US" altLang="en-US" smtClean="0"/>
+            <a:endParaRPr lang="en-US" altLang="en-US"/>
+          </a:p>
+          <a:p>
+            <a:r>
+              <a:rPr lang="en-US" altLang="en-US"/>
               <a:t>Table 10-2  Smartphone vs. feature phone worldwide market share</a:t>
             </a:r>
           </a:p>
@@ -1329,14 +1329,14 @@
           <a:ln/>
           <a:extLst>
             <a:ext uri="{909E8E84-426E-40dd-AFC4-6F175D3DCCD1}">
-              <a14:hiddenFill xmlns:a14="http://schemas.microsoft.com/office/drawing/2010/main">
+              <a14:hiddenFill xmlns:a14="http://schemas.microsoft.com/office/drawing/2010/main" xmlns="">
                 <a:solidFill>
                   <a:srgbClr val="FFFFFF"/>
                 </a:solidFill>
               </a14:hiddenFill>
             </a:ext>
             <a:ext uri="{91240B29-F687-4f45-9708-019B960494DF}">
-              <a14:hiddenLine xmlns:a14="http://schemas.microsoft.com/office/drawing/2010/main" w="9525">
+              <a14:hiddenLine xmlns:a14="http://schemas.microsoft.com/office/drawing/2010/main" xmlns="" w="9525">
                 <a:solidFill>
                   <a:srgbClr val="000000"/>
                 </a:solidFill>
@@ -1528,7 +1528,7 @@
               <a:defRPr/>
             </a:pPr>
             <a:r>
-              <a:rPr lang="en-US" altLang="en-US" dirty="0" smtClean="0"/>
+              <a:rPr lang="en-US" altLang="en-US" dirty="0"/>
               <a:t>Wearable Technology</a:t>
             </a:r>
           </a:p>
@@ -1538,7 +1538,7 @@
               <a:buChar char="•"/>
               <a:defRPr/>
             </a:pPr>
-            <a:endParaRPr lang="en-US" dirty="0" smtClean="0"/>
+            <a:endParaRPr lang="en-US" dirty="0"/>
           </a:p>
           <a:p>
             <a:pPr marL="171450" indent="-171450">
@@ -1547,7 +1547,7 @@
               <a:defRPr/>
             </a:pPr>
             <a:r>
-              <a:rPr lang="en-US" altLang="en-US" dirty="0" smtClean="0"/>
+              <a:rPr lang="en-US" altLang="en-US" dirty="0"/>
               <a:t>Wearable technology</a:t>
             </a:r>
           </a:p>
@@ -1558,7 +1558,7 @@
               <a:defRPr/>
             </a:pPr>
             <a:r>
-              <a:rPr lang="en-US" altLang="en-US" dirty="0" smtClean="0"/>
+              <a:rPr lang="en-US" altLang="en-US" dirty="0"/>
               <a:t>Devices that can be worn by the user instead of carried</a:t>
             </a:r>
           </a:p>
@@ -1569,7 +1569,7 @@
               <a:defRPr/>
             </a:pPr>
             <a:r>
-              <a:rPr lang="en-US" altLang="en-US" dirty="0" smtClean="0"/>
+              <a:rPr lang="en-US" altLang="en-US" dirty="0"/>
               <a:t>Examples of wearable technology:</a:t>
             </a:r>
           </a:p>
@@ -1580,7 +1580,7 @@
               <a:defRPr/>
             </a:pPr>
             <a:r>
-              <a:rPr lang="en-US" altLang="en-US" dirty="0" smtClean="0"/>
+              <a:rPr lang="en-US" altLang="en-US" dirty="0"/>
               <a:t>Optical head-mounted display</a:t>
             </a:r>
           </a:p>
@@ -1591,7 +1591,7 @@
               <a:defRPr/>
             </a:pPr>
             <a:r>
-              <a:rPr lang="en-US" altLang="en-US" dirty="0" smtClean="0"/>
+              <a:rPr lang="en-US" altLang="en-US" dirty="0"/>
               <a:t>“Google Glass” can be activated in response to a user’s voice commands</a:t>
             </a:r>
           </a:p>
@@ -1602,7 +1602,7 @@
               <a:defRPr/>
             </a:pPr>
             <a:r>
-              <a:rPr lang="en-US" altLang="en-US" dirty="0" smtClean="0"/>
+              <a:rPr lang="en-US" altLang="en-US" dirty="0"/>
               <a:t>Smart watch</a:t>
             </a:r>
           </a:p>
@@ -1613,7 +1613,7 @@
               <a:defRPr/>
             </a:pPr>
             <a:r>
-              <a:rPr lang="en-US" altLang="en-US" dirty="0" smtClean="0"/>
+              <a:rPr lang="en-US" altLang="en-US" dirty="0"/>
               <a:t>Can serve as an accessory to a smartphone to view messages</a:t>
             </a:r>
           </a:p>
@@ -1640,14 +1640,14 @@
           <a:ln/>
           <a:extLst>
             <a:ext uri="{909E8E84-426E-40dd-AFC4-6F175D3DCCD1}">
-              <a14:hiddenFill xmlns:a14="http://schemas.microsoft.com/office/drawing/2010/main">
+              <a14:hiddenFill xmlns:a14="http://schemas.microsoft.com/office/drawing/2010/main" xmlns="">
                 <a:solidFill>
                   <a:srgbClr val="FFFFFF"/>
                 </a:solidFill>
               </a14:hiddenFill>
             </a:ext>
             <a:ext uri="{91240B29-F687-4f45-9708-019B960494DF}">
-              <a14:hiddenLine xmlns:a14="http://schemas.microsoft.com/office/drawing/2010/main" w="9525">
+              <a14:hiddenLine xmlns:a14="http://schemas.microsoft.com/office/drawing/2010/main" xmlns="" w="9525">
                 <a:solidFill>
                   <a:srgbClr val="000000"/>
                 </a:solidFill>
@@ -1835,14 +1835,14 @@
           <a:ln/>
           <a:extLst>
             <a:ext uri="{909E8E84-426E-40dd-AFC4-6F175D3DCCD1}">
-              <a14:hiddenFill xmlns:a14="http://schemas.microsoft.com/office/drawing/2010/main">
+              <a14:hiddenFill xmlns:a14="http://schemas.microsoft.com/office/drawing/2010/main" xmlns="">
                 <a:solidFill>
                   <a:srgbClr val="FFFFFF"/>
                 </a:solidFill>
               </a14:hiddenFill>
             </a:ext>
             <a:ext uri="{91240B29-F687-4f45-9708-019B960494DF}">
-              <a14:hiddenLine xmlns:a14="http://schemas.microsoft.com/office/drawing/2010/main" w="9525">
+              <a14:hiddenLine xmlns:a14="http://schemas.microsoft.com/office/drawing/2010/main" xmlns="" w="9525">
                 <a:solidFill>
                   <a:srgbClr val="000000"/>
                 </a:solidFill>
@@ -1858,16 +1858,16 @@
           <a:lstStyle/>
           <a:p>
             <a:r>
-              <a:rPr lang="en-US" altLang="en-US" smtClean="0"/>
+              <a:rPr lang="en-US" altLang="en-US"/>
               <a:t>Wearable Technology</a:t>
             </a:r>
           </a:p>
           <a:p>
-            <a:endParaRPr lang="en-US" altLang="en-US" smtClean="0"/>
-          </a:p>
-          <a:p>
-            <a:r>
-              <a:rPr lang="en-US" altLang="en-US" smtClean="0"/>
+            <a:endParaRPr lang="en-US" altLang="en-US"/>
+          </a:p>
+          <a:p>
+            <a:r>
+              <a:rPr lang="en-US" altLang="en-US"/>
               <a:t>Figure 10-3  Google Glass</a:t>
             </a:r>
           </a:p>
@@ -1888,14 +1888,14 @@
           <a:ln/>
           <a:extLst>
             <a:ext uri="{909E8E84-426E-40dd-AFC4-6F175D3DCCD1}">
-              <a14:hiddenFill xmlns:a14="http://schemas.microsoft.com/office/drawing/2010/main">
+              <a14:hiddenFill xmlns:a14="http://schemas.microsoft.com/office/drawing/2010/main" xmlns="">
                 <a:solidFill>
                   <a:srgbClr val="FFFFFF"/>
                 </a:solidFill>
               </a14:hiddenFill>
             </a:ext>
             <a:ext uri="{91240B29-F687-4f45-9708-019B960494DF}">
-              <a14:hiddenLine xmlns:a14="http://schemas.microsoft.com/office/drawing/2010/main" w="9525">
+              <a14:hiddenLine xmlns:a14="http://schemas.microsoft.com/office/drawing/2010/main" xmlns="" w="9525">
                 <a:solidFill>
                   <a:srgbClr val="000000"/>
                 </a:solidFill>
@@ -2087,7 +2087,7 @@
               <a:defRPr/>
             </a:pPr>
             <a:r>
-              <a:rPr lang="en-US" altLang="en-US" dirty="0" smtClean="0"/>
+              <a:rPr lang="en-US" altLang="en-US" dirty="0"/>
               <a:t>Legacy Devices</a:t>
             </a:r>
           </a:p>
@@ -2097,7 +2097,7 @@
               <a:buChar char="•"/>
               <a:defRPr/>
             </a:pPr>
-            <a:endParaRPr lang="en-US" dirty="0" smtClean="0"/>
+            <a:endParaRPr lang="en-US" dirty="0"/>
           </a:p>
           <a:p>
             <a:pPr marL="171450" indent="-171450">
@@ -2106,7 +2106,7 @@
               <a:defRPr/>
             </a:pPr>
             <a:r>
-              <a:rPr lang="en-US" altLang="en-US" dirty="0" smtClean="0"/>
+              <a:rPr lang="en-US" altLang="en-US" dirty="0"/>
               <a:t>Several mobile devices are no longer widely in use</a:t>
             </a:r>
           </a:p>
@@ -2117,7 +2117,7 @@
               <a:defRPr/>
             </a:pPr>
             <a:r>
-              <a:rPr lang="en-US" altLang="en-US" dirty="0" smtClean="0"/>
+              <a:rPr lang="en-US" altLang="en-US" dirty="0"/>
               <a:t>Personal digital assistant (PDA)</a:t>
             </a:r>
           </a:p>
@@ -2128,7 +2128,7 @@
               <a:defRPr/>
             </a:pPr>
             <a:r>
-              <a:rPr lang="en-US" altLang="en-US" dirty="0" smtClean="0"/>
+              <a:rPr lang="en-US" altLang="en-US" dirty="0"/>
               <a:t>Intended to replace paper systems</a:t>
             </a:r>
           </a:p>
@@ -2139,7 +2139,7 @@
               <a:defRPr/>
             </a:pPr>
             <a:r>
-              <a:rPr lang="en-US" altLang="en-US" dirty="0" smtClean="0"/>
+              <a:rPr lang="en-US" altLang="en-US" dirty="0"/>
               <a:t>Often included an appointment calendar, address book, “to-do” list, calculator, and notepad</a:t>
             </a:r>
           </a:p>
@@ -2150,7 +2150,7 @@
               <a:defRPr/>
             </a:pPr>
             <a:r>
-              <a:rPr lang="en-US" altLang="en-US" dirty="0" smtClean="0"/>
+              <a:rPr lang="en-US" altLang="en-US" dirty="0"/>
               <a:t>Fell out of favor as smartphones gained in popularity</a:t>
             </a:r>
           </a:p>
@@ -2161,7 +2161,7 @@
               <a:defRPr/>
             </a:pPr>
             <a:r>
-              <a:rPr lang="en-US" altLang="en-US" dirty="0" smtClean="0"/>
+              <a:rPr lang="en-US" altLang="en-US" dirty="0"/>
               <a:t>Netbook</a:t>
             </a:r>
           </a:p>
@@ -2172,7 +2172,7 @@
               <a:defRPr/>
             </a:pPr>
             <a:r>
-              <a:rPr lang="en-US" altLang="en-US" dirty="0" smtClean="0"/>
+              <a:rPr lang="en-US" altLang="en-US" dirty="0"/>
               <a:t>A small, inexpensive, and lightweight computer</a:t>
             </a:r>
           </a:p>
@@ -2183,7 +2183,7 @@
               <a:defRPr/>
             </a:pPr>
             <a:r>
-              <a:rPr lang="en-US" altLang="en-US" dirty="0" smtClean="0"/>
+              <a:rPr lang="en-US" altLang="en-US" dirty="0"/>
               <a:t>Featured small screens and could not be upgraded</a:t>
             </a:r>
           </a:p>
@@ -2194,7 +2194,7 @@
               <a:defRPr/>
             </a:pPr>
             <a:r>
-              <a:rPr lang="en-US" altLang="en-US" dirty="0" smtClean="0"/>
+              <a:rPr lang="en-US" altLang="en-US" dirty="0"/>
               <a:t>Lost popularity with introduction of tablet computers</a:t>
             </a:r>
           </a:p>
@@ -2221,14 +2221,14 @@
           <a:ln/>
           <a:extLst>
             <a:ext uri="{909E8E84-426E-40dd-AFC4-6F175D3DCCD1}">
-              <a14:hiddenFill xmlns:a14="http://schemas.microsoft.com/office/drawing/2010/main">
+              <a14:hiddenFill xmlns:a14="http://schemas.microsoft.com/office/drawing/2010/main" xmlns="">
                 <a:solidFill>
                   <a:srgbClr val="FFFFFF"/>
                 </a:solidFill>
               </a14:hiddenFill>
             </a:ext>
             <a:ext uri="{91240B29-F687-4f45-9708-019B960494DF}">
-              <a14:hiddenLine xmlns:a14="http://schemas.microsoft.com/office/drawing/2010/main" w="9525">
+              <a14:hiddenLine xmlns:a14="http://schemas.microsoft.com/office/drawing/2010/main" xmlns="" w="9525">
                 <a:solidFill>
                   <a:srgbClr val="000000"/>
                 </a:solidFill>
@@ -2420,7 +2420,7 @@
               <a:defRPr/>
             </a:pPr>
             <a:r>
-              <a:rPr lang="en-US" altLang="en-US" dirty="0" smtClean="0"/>
+              <a:rPr lang="en-US" altLang="en-US" dirty="0"/>
               <a:t>Mobile Device Removable Storage</a:t>
             </a:r>
           </a:p>
@@ -2430,7 +2430,7 @@
               <a:buChar char="•"/>
               <a:defRPr/>
             </a:pPr>
-            <a:endParaRPr lang="en-US" dirty="0" smtClean="0"/>
+            <a:endParaRPr lang="en-US" dirty="0"/>
           </a:p>
           <a:p>
             <a:pPr marL="171450" indent="-171450">
@@ -2439,7 +2439,7 @@
               <a:defRPr/>
             </a:pPr>
             <a:r>
-              <a:rPr lang="en-US" altLang="en-US" dirty="0" smtClean="0"/>
+              <a:rPr lang="en-US" altLang="en-US" dirty="0"/>
               <a:t>Mobile devices</a:t>
             </a:r>
           </a:p>
@@ -2450,7 +2450,7 @@
               <a:defRPr/>
             </a:pPr>
             <a:r>
-              <a:rPr lang="en-US" altLang="en-US" dirty="0" smtClean="0"/>
+              <a:rPr lang="en-US" altLang="en-US" dirty="0"/>
               <a:t>Use flash memory for storage</a:t>
             </a:r>
           </a:p>
@@ -2461,7 +2461,7 @@
               <a:defRPr/>
             </a:pPr>
             <a:r>
-              <a:rPr lang="en-US" altLang="en-US" dirty="0" smtClean="0"/>
+              <a:rPr lang="en-US" altLang="en-US" dirty="0"/>
               <a:t>Can be electrically erased and reused</a:t>
             </a:r>
           </a:p>
@@ -2472,7 +2472,7 @@
               <a:defRPr/>
             </a:pPr>
             <a:r>
-              <a:rPr lang="en-US" altLang="en-US" dirty="0" smtClean="0"/>
+              <a:rPr lang="en-US" altLang="en-US" dirty="0"/>
               <a:t>Most devices also support removable data storage, which includes:</a:t>
             </a:r>
           </a:p>
@@ -2483,7 +2483,7 @@
               <a:defRPr/>
             </a:pPr>
             <a:r>
-              <a:rPr lang="en-US" altLang="en-US" dirty="0" smtClean="0"/>
+              <a:rPr lang="en-US" altLang="en-US" dirty="0"/>
               <a:t>Large form factor and small form factor storage</a:t>
             </a:r>
           </a:p>
@@ -2494,7 +2494,7 @@
               <a:defRPr/>
             </a:pPr>
             <a:r>
-              <a:rPr lang="en-US" altLang="en-US" dirty="0" smtClean="0"/>
+              <a:rPr lang="en-US" altLang="en-US" dirty="0"/>
               <a:t>Large Form Factor Storage</a:t>
             </a:r>
           </a:p>
@@ -2505,7 +2505,7 @@
               <a:defRPr/>
             </a:pPr>
             <a:r>
-              <a:rPr lang="en-US" altLang="en-US" dirty="0" smtClean="0"/>
+              <a:rPr lang="en-US" altLang="en-US" dirty="0"/>
               <a:t>A credit card-sized peripheral that slides into a slot on a laptop computer</a:t>
             </a:r>
           </a:p>
@@ -2516,11 +2516,11 @@
               <a:defRPr/>
             </a:pPr>
             <a:r>
-              <a:rPr lang="en-US" altLang="en-US" dirty="0" smtClean="0"/>
+              <a:rPr lang="en-US" altLang="en-US" dirty="0"/>
               <a:t>Originally known as PCMCIA cards and later name was changed to </a:t>
             </a:r>
             <a:r>
-              <a:rPr lang="en-US" altLang="en-US" i="1" dirty="0" smtClean="0"/>
+              <a:rPr lang="en-US" altLang="en-US" i="1" dirty="0"/>
               <a:t>PC Card</a:t>
             </a:r>
           </a:p>
@@ -2547,14 +2547,14 @@
           <a:ln/>
           <a:extLst>
             <a:ext uri="{909E8E84-426E-40dd-AFC4-6F175D3DCCD1}">
-              <a14:hiddenFill xmlns:a14="http://schemas.microsoft.com/office/drawing/2010/main">
+              <a14:hiddenFill xmlns:a14="http://schemas.microsoft.com/office/drawing/2010/main" xmlns="">
                 <a:solidFill>
                   <a:srgbClr val="FFFFFF"/>
                 </a:solidFill>
               </a14:hiddenFill>
             </a:ext>
             <a:ext uri="{91240B29-F687-4f45-9708-019B960494DF}">
-              <a14:hiddenLine xmlns:a14="http://schemas.microsoft.com/office/drawing/2010/main" w="9525">
+              <a14:hiddenLine xmlns:a14="http://schemas.microsoft.com/office/drawing/2010/main" xmlns="" w="9525">
                 <a:solidFill>
                   <a:srgbClr val="000000"/>
                 </a:solidFill>
@@ -2746,7 +2746,7 @@
               <a:defRPr/>
             </a:pPr>
             <a:r>
-              <a:rPr lang="en-US" altLang="en-US" dirty="0" smtClean="0"/>
+              <a:rPr lang="en-US" altLang="en-US" dirty="0"/>
               <a:t>Mobile Device Removable Storage</a:t>
             </a:r>
           </a:p>
@@ -2756,7 +2756,7 @@
               <a:buChar char="•"/>
               <a:defRPr/>
             </a:pPr>
-            <a:endParaRPr lang="en-US" dirty="0" smtClean="0"/>
+            <a:endParaRPr lang="en-US" dirty="0"/>
           </a:p>
           <a:p>
             <a:pPr marL="171450" indent="-171450">
@@ -2765,7 +2765,7 @@
               <a:defRPr/>
             </a:pPr>
             <a:r>
-              <a:rPr lang="en-US" altLang="en-US" dirty="0" smtClean="0"/>
+              <a:rPr lang="en-US" altLang="en-US" dirty="0"/>
               <a:t>The PC Card standard defines three form factors for three types of PC Cards</a:t>
             </a:r>
           </a:p>
@@ -2776,7 +2776,7 @@
               <a:defRPr/>
             </a:pPr>
             <a:r>
-              <a:rPr lang="en-US" altLang="en-US" dirty="0" smtClean="0"/>
+              <a:rPr lang="en-US" altLang="en-US" dirty="0"/>
               <a:t>Cards differ only in their thickness</a:t>
             </a:r>
           </a:p>
@@ -2787,7 +2787,7 @@
               <a:defRPr/>
             </a:pPr>
             <a:r>
-              <a:rPr lang="en-US" altLang="en-US" dirty="0" smtClean="0"/>
+              <a:rPr lang="en-US" altLang="en-US" dirty="0"/>
               <a:t>See Table 10-3 for comparisons of the three types</a:t>
             </a:r>
           </a:p>
@@ -2798,7 +2798,7 @@
               <a:defRPr/>
             </a:pPr>
             <a:r>
-              <a:rPr lang="en-US" altLang="en-US" dirty="0" smtClean="0"/>
+              <a:rPr lang="en-US" altLang="en-US" dirty="0"/>
               <a:t>CardBus</a:t>
             </a:r>
           </a:p>
@@ -2809,7 +2809,7 @@
               <a:defRPr/>
             </a:pPr>
             <a:r>
-              <a:rPr lang="en-US" altLang="en-US" dirty="0" smtClean="0"/>
+              <a:rPr lang="en-US" altLang="en-US" dirty="0"/>
               <a:t>An enhanced type of PC Card that includes a bus mastering feature</a:t>
             </a:r>
           </a:p>
@@ -2820,15 +2820,15 @@
               <a:defRPr/>
             </a:pPr>
             <a:r>
-              <a:rPr lang="en-US" altLang="en-US" dirty="0" smtClean="0"/>
+              <a:rPr lang="en-US" altLang="en-US" dirty="0"/>
               <a:t>PC Card and CardBus are being replaced by </a:t>
             </a:r>
             <a:r>
-              <a:rPr lang="en-US" altLang="en-US" i="1" dirty="0" smtClean="0"/>
+              <a:rPr lang="en-US" altLang="en-US" i="1" dirty="0"/>
               <a:t>ExpressCard </a:t>
             </a:r>
             <a:r>
-              <a:rPr lang="en-US" altLang="en-US" dirty="0" smtClean="0"/>
+              <a:rPr lang="en-US" altLang="en-US" dirty="0"/>
               <a:t>technology</a:t>
             </a:r>
           </a:p>
@@ -2839,7 +2839,7 @@
               <a:defRPr/>
             </a:pPr>
             <a:r>
-              <a:rPr lang="en-US" altLang="en-US" dirty="0" smtClean="0"/>
+              <a:rPr lang="en-US" altLang="en-US" dirty="0"/>
               <a:t>Delivers higher-performance modular expansion in a smaller size</a:t>
             </a:r>
           </a:p>
@@ -2866,14 +2866,14 @@
           <a:ln/>
           <a:extLst>
             <a:ext uri="{909E8E84-426E-40dd-AFC4-6F175D3DCCD1}">
-              <a14:hiddenFill xmlns:a14="http://schemas.microsoft.com/office/drawing/2010/main">
+              <a14:hiddenFill xmlns:a14="http://schemas.microsoft.com/office/drawing/2010/main" xmlns="">
                 <a:solidFill>
                   <a:srgbClr val="FFFFFF"/>
                 </a:solidFill>
               </a14:hiddenFill>
             </a:ext>
             <a:ext uri="{91240B29-F687-4f45-9708-019B960494DF}">
-              <a14:hiddenLine xmlns:a14="http://schemas.microsoft.com/office/drawing/2010/main" w="9525">
+              <a14:hiddenLine xmlns:a14="http://schemas.microsoft.com/office/drawing/2010/main" xmlns="" w="9525">
                 <a:solidFill>
                   <a:srgbClr val="000000"/>
                 </a:solidFill>
@@ -3065,7 +3065,7 @@
               <a:defRPr/>
             </a:pPr>
             <a:r>
-              <a:rPr lang="en-US" altLang="en-US" dirty="0" smtClean="0"/>
+              <a:rPr lang="en-US" altLang="en-US" dirty="0"/>
               <a:t>Mobile Device Removable Storage</a:t>
             </a:r>
           </a:p>
@@ -3073,7 +3073,7 @@
             <a:pPr>
               <a:defRPr/>
             </a:pPr>
-            <a:endParaRPr lang="en-US" dirty="0" smtClean="0"/>
+            <a:endParaRPr lang="en-US" dirty="0"/>
           </a:p>
           <a:p>
             <a:pPr marL="171450" indent="-171450">
@@ -3082,7 +3082,7 @@
               <a:defRPr/>
             </a:pPr>
             <a:r>
-              <a:rPr lang="en-US" altLang="en-US" dirty="0" smtClean="0"/>
+              <a:rPr lang="en-US" altLang="en-US" dirty="0"/>
               <a:t>Small Form Factor Storage</a:t>
             </a:r>
           </a:p>
@@ -3093,7 +3093,7 @@
               <a:defRPr/>
             </a:pPr>
             <a:r>
-              <a:rPr lang="en-US" altLang="en-US" dirty="0" smtClean="0"/>
+              <a:rPr lang="en-US" altLang="en-US" dirty="0"/>
               <a:t>CompactFlash(CF) generally used as a mass storage device</a:t>
             </a:r>
           </a:p>
@@ -3104,7 +3104,7 @@
               <a:defRPr/>
             </a:pPr>
             <a:r>
-              <a:rPr lang="en-US" altLang="en-US" dirty="0" smtClean="0"/>
+              <a:rPr lang="en-US" altLang="en-US" dirty="0"/>
               <a:t>Secure Digital (SD) card includes four card “families” available in three different form factors with different speed ratings</a:t>
             </a:r>
           </a:p>
@@ -3115,7 +3115,7 @@
               <a:defRPr/>
             </a:pPr>
             <a:r>
-              <a:rPr lang="en-US" altLang="en-US" dirty="0" smtClean="0"/>
+              <a:rPr lang="en-US" altLang="en-US" dirty="0"/>
               <a:t>Standard-Capacity (SDSC)</a:t>
             </a:r>
           </a:p>
@@ -3126,7 +3126,7 @@
               <a:defRPr/>
             </a:pPr>
             <a:r>
-              <a:rPr lang="en-US" altLang="en-US" dirty="0" smtClean="0"/>
+              <a:rPr lang="en-US" altLang="en-US" dirty="0"/>
               <a:t>High-Capacity (SDHC)</a:t>
             </a:r>
           </a:p>
@@ -3137,7 +3137,7 @@
               <a:defRPr/>
             </a:pPr>
             <a:r>
-              <a:rPr lang="en-US" altLang="en-US" dirty="0" smtClean="0"/>
+              <a:rPr lang="en-US" altLang="en-US" dirty="0"/>
               <a:t>eXtended-Capacity (SDXC)</a:t>
             </a:r>
           </a:p>
@@ -3148,7 +3148,7 @@
               <a:defRPr/>
             </a:pPr>
             <a:r>
-              <a:rPr lang="en-US" altLang="en-US" dirty="0" smtClean="0"/>
+              <a:rPr lang="en-US" altLang="en-US" dirty="0"/>
               <a:t>Secure Digital Input Output (SDIO)</a:t>
             </a:r>
           </a:p>
@@ -3175,14 +3175,14 @@
           <a:ln/>
           <a:extLst>
             <a:ext uri="{909E8E84-426E-40dd-AFC4-6F175D3DCCD1}">
-              <a14:hiddenFill xmlns:a14="http://schemas.microsoft.com/office/drawing/2010/main">
+              <a14:hiddenFill xmlns:a14="http://schemas.microsoft.com/office/drawing/2010/main" xmlns="">
                 <a:solidFill>
                   <a:srgbClr val="FFFFFF"/>
                 </a:solidFill>
               </a14:hiddenFill>
             </a:ext>
             <a:ext uri="{91240B29-F687-4f45-9708-019B960494DF}">
-              <a14:hiddenLine xmlns:a14="http://schemas.microsoft.com/office/drawing/2010/main" w="9525">
+              <a14:hiddenLine xmlns:a14="http://schemas.microsoft.com/office/drawing/2010/main" xmlns="" w="9525">
                 <a:solidFill>
                   <a:srgbClr val="000000"/>
                 </a:solidFill>
@@ -3374,7 +3374,7 @@
               <a:defRPr/>
             </a:pPr>
             <a:r>
-              <a:rPr lang="en-US" altLang="en-US" dirty="0" smtClean="0"/>
+              <a:rPr lang="en-US" altLang="en-US" dirty="0"/>
               <a:t>Mobile Device Removable Storage</a:t>
             </a:r>
           </a:p>
@@ -3384,7 +3384,7 @@
               <a:buChar char="•"/>
               <a:defRPr/>
             </a:pPr>
-            <a:endParaRPr lang="en-US" dirty="0" smtClean="0"/>
+            <a:endParaRPr lang="en-US" dirty="0"/>
           </a:p>
           <a:p>
             <a:pPr marL="171450" indent="-171450">
@@ -3393,7 +3393,7 @@
               <a:defRPr/>
             </a:pPr>
             <a:r>
-              <a:rPr lang="en-US" altLang="en-US" dirty="0" smtClean="0"/>
+              <a:rPr lang="en-US" altLang="en-US" dirty="0"/>
               <a:t>Three sizes of SD cards:</a:t>
             </a:r>
           </a:p>
@@ -3404,7 +3404,7 @@
               <a:defRPr/>
             </a:pPr>
             <a:r>
-              <a:rPr lang="en-US" altLang="en-US" dirty="0" smtClean="0"/>
+              <a:rPr lang="en-US" altLang="en-US" dirty="0"/>
               <a:t>Full SD - typically used in PCs, video cameras, digital cameras, other large electronic devices</a:t>
             </a:r>
           </a:p>
@@ -3415,7 +3415,7 @@
               <a:defRPr/>
             </a:pPr>
             <a:r>
-              <a:rPr lang="en-US" altLang="en-US" dirty="0" smtClean="0"/>
+              <a:rPr lang="en-US" altLang="en-US" dirty="0"/>
               <a:t>miniSD and microSD - commonly used in smaller devices like smartphones and tablets</a:t>
             </a:r>
           </a:p>
@@ -3426,7 +3426,7 @@
               <a:defRPr/>
             </a:pPr>
             <a:r>
-              <a:rPr lang="en-US" altLang="en-US" dirty="0" smtClean="0"/>
+              <a:rPr lang="en-US" altLang="en-US" dirty="0"/>
               <a:t>SD speed classes were designed to support video recording</a:t>
             </a:r>
           </a:p>
@@ -3437,7 +3437,7 @@
               <a:defRPr/>
             </a:pPr>
             <a:r>
-              <a:rPr lang="en-US" altLang="en-US" dirty="0" smtClean="0"/>
+              <a:rPr lang="en-US" altLang="en-US" dirty="0"/>
               <a:t>There are two types of speed classes:</a:t>
             </a:r>
           </a:p>
@@ -3448,7 +3448,7 @@
               <a:defRPr/>
             </a:pPr>
             <a:r>
-              <a:rPr lang="en-US" altLang="en-US" dirty="0" smtClean="0"/>
+              <a:rPr lang="en-US" altLang="en-US" dirty="0"/>
               <a:t>Standard and ultra high speed (UHS)</a:t>
             </a:r>
           </a:p>
@@ -3475,14 +3475,14 @@
           <a:ln/>
           <a:extLst>
             <a:ext uri="{909E8E84-426E-40dd-AFC4-6F175D3DCCD1}">
-              <a14:hiddenFill xmlns:a14="http://schemas.microsoft.com/office/drawing/2010/main">
+              <a14:hiddenFill xmlns:a14="http://schemas.microsoft.com/office/drawing/2010/main" xmlns="">
                 <a:solidFill>
                   <a:srgbClr val="FFFFFF"/>
                 </a:solidFill>
               </a14:hiddenFill>
             </a:ext>
             <a:ext uri="{91240B29-F687-4f45-9708-019B960494DF}">
-              <a14:hiddenLine xmlns:a14="http://schemas.microsoft.com/office/drawing/2010/main" w="9525">
+              <a14:hiddenLine xmlns:a14="http://schemas.microsoft.com/office/drawing/2010/main" xmlns="" w="9525">
                 <a:solidFill>
                   <a:srgbClr val="000000"/>
                 </a:solidFill>
@@ -3674,7 +3674,7 @@
               <a:defRPr/>
             </a:pPr>
             <a:r>
-              <a:rPr lang="en-US" altLang="en-US" dirty="0" smtClean="0"/>
+              <a:rPr lang="en-US" altLang="en-US" dirty="0"/>
               <a:t>Mobile Device Risks</a:t>
             </a:r>
           </a:p>
@@ -3684,7 +3684,7 @@
               <a:buChar char="•"/>
               <a:defRPr/>
             </a:pPr>
-            <a:endParaRPr lang="en-US" dirty="0" smtClean="0"/>
+            <a:endParaRPr lang="en-US" dirty="0"/>
           </a:p>
           <a:p>
             <a:pPr marL="171450" indent="-171450">
@@ -3693,7 +3693,7 @@
               <a:defRPr/>
             </a:pPr>
             <a:r>
-              <a:rPr lang="en-US" altLang="en-US" dirty="0" smtClean="0"/>
+              <a:rPr lang="en-US" altLang="en-US" dirty="0"/>
               <a:t>Mobile device security risks:</a:t>
             </a:r>
           </a:p>
@@ -3704,7 +3704,7 @@
               <a:defRPr/>
             </a:pPr>
             <a:r>
-              <a:rPr lang="en-US" altLang="en-US" dirty="0" smtClean="0"/>
+              <a:rPr lang="en-US" altLang="en-US" dirty="0"/>
               <a:t>Limited physical security</a:t>
             </a:r>
           </a:p>
@@ -3715,7 +3715,7 @@
               <a:defRPr/>
             </a:pPr>
             <a:r>
-              <a:rPr lang="en-US" altLang="en-US" dirty="0" smtClean="0"/>
+              <a:rPr lang="en-US" altLang="en-US" dirty="0"/>
               <a:t>Connecting to public networks</a:t>
             </a:r>
           </a:p>
@@ -3726,7 +3726,7 @@
               <a:defRPr/>
             </a:pPr>
             <a:r>
-              <a:rPr lang="en-US" altLang="en-US" dirty="0" smtClean="0"/>
+              <a:rPr lang="en-US" altLang="en-US" dirty="0"/>
               <a:t>Location tracking</a:t>
             </a:r>
           </a:p>
@@ -3737,7 +3737,7 @@
               <a:defRPr/>
             </a:pPr>
             <a:r>
-              <a:rPr lang="en-US" altLang="en-US" dirty="0" smtClean="0"/>
+              <a:rPr lang="en-US" altLang="en-US" dirty="0"/>
               <a:t>Installing unsecured applications</a:t>
             </a:r>
           </a:p>
@@ -3748,7 +3748,7 @@
               <a:defRPr/>
             </a:pPr>
             <a:r>
-              <a:rPr lang="en-US" altLang="en-US" dirty="0" smtClean="0"/>
+              <a:rPr lang="en-US" altLang="en-US" dirty="0"/>
               <a:t>Accessing untrusted content</a:t>
             </a:r>
           </a:p>
@@ -3759,7 +3759,7 @@
               <a:defRPr/>
             </a:pPr>
             <a:r>
-              <a:rPr lang="en-US" altLang="en-US" dirty="0" smtClean="0"/>
+              <a:rPr lang="en-US" altLang="en-US" dirty="0"/>
               <a:t>Bring your own device (BYOD) risks</a:t>
             </a:r>
           </a:p>
@@ -3786,14 +3786,14 @@
           <a:ln/>
           <a:extLst>
             <a:ext uri="{909E8E84-426E-40dd-AFC4-6F175D3DCCD1}">
-              <a14:hiddenFill xmlns:a14="http://schemas.microsoft.com/office/drawing/2010/main">
+              <a14:hiddenFill xmlns:a14="http://schemas.microsoft.com/office/drawing/2010/main" xmlns="">
                 <a:solidFill>
                   <a:srgbClr val="FFFFFF"/>
                 </a:solidFill>
               </a14:hiddenFill>
             </a:ext>
             <a:ext uri="{91240B29-F687-4f45-9708-019B960494DF}">
-              <a14:hiddenLine xmlns:a14="http://schemas.microsoft.com/office/drawing/2010/main" w="9525">
+              <a14:hiddenLine xmlns:a14="http://schemas.microsoft.com/office/drawing/2010/main" xmlns="" w="9525">
                 <a:solidFill>
                   <a:srgbClr val="000000"/>
                 </a:solidFill>
@@ -3985,7 +3985,7 @@
               <a:defRPr/>
             </a:pPr>
             <a:r>
-              <a:rPr lang="en-US" altLang="en-US" dirty="0" smtClean="0"/>
+              <a:rPr lang="en-US" altLang="en-US" dirty="0"/>
               <a:t>Limited Physical Security</a:t>
             </a:r>
           </a:p>
@@ -3995,7 +3995,7 @@
               <a:buChar char="•"/>
               <a:defRPr/>
             </a:pPr>
-            <a:endParaRPr lang="en-US" dirty="0" smtClean="0"/>
+            <a:endParaRPr lang="en-US" dirty="0"/>
           </a:p>
           <a:p>
             <a:pPr marL="171450" indent="-171450">
@@ -4004,7 +4004,7 @@
               <a:defRPr/>
             </a:pPr>
             <a:r>
-              <a:rPr lang="en-US" altLang="en-US" dirty="0" smtClean="0"/>
+              <a:rPr lang="en-US" altLang="en-US" dirty="0"/>
               <a:t>A mobile device is stolen on average once every 50 seconds</a:t>
             </a:r>
           </a:p>
@@ -4015,7 +4015,7 @@
               <a:defRPr/>
             </a:pPr>
             <a:r>
-              <a:rPr lang="en-US" altLang="en-US" dirty="0" smtClean="0"/>
+              <a:rPr lang="en-US" altLang="en-US" dirty="0"/>
               <a:t>One-third of all laptops stolen in the U.S. go missing from public schools</a:t>
             </a:r>
           </a:p>
@@ -4026,7 +4026,7 @@
               <a:defRPr/>
             </a:pPr>
             <a:r>
-              <a:rPr lang="en-US" altLang="en-US" dirty="0" smtClean="0"/>
+              <a:rPr lang="en-US" altLang="en-US" dirty="0"/>
               <a:t>Consumer-owned laptops are most often in August and September and November and December</a:t>
             </a:r>
           </a:p>
@@ -4037,7 +4037,7 @@
               <a:defRPr/>
             </a:pPr>
             <a:r>
-              <a:rPr lang="en-US" altLang="en-US" dirty="0" smtClean="0"/>
+              <a:rPr lang="en-US" altLang="en-US" dirty="0"/>
               <a:t>Laptop theft is prevalent at airports</a:t>
             </a:r>
           </a:p>
@@ -4048,7 +4048,7 @@
               <a:defRPr/>
             </a:pPr>
             <a:r>
-              <a:rPr lang="en-US" altLang="en-US" dirty="0" smtClean="0"/>
+              <a:rPr lang="en-US" altLang="en-US" dirty="0"/>
               <a:t>Users must guard against shoulder surfing</a:t>
             </a:r>
           </a:p>
@@ -4059,7 +4059,7 @@
               <a:defRPr/>
             </a:pPr>
             <a:r>
-              <a:rPr lang="en-US" altLang="en-US" dirty="0" smtClean="0"/>
+              <a:rPr lang="en-US" altLang="en-US" dirty="0"/>
               <a:t>Strangers who want to view sensitive information</a:t>
             </a:r>
           </a:p>
@@ -4086,14 +4086,14 @@
           <a:ln/>
           <a:extLst>
             <a:ext uri="{909E8E84-426E-40dd-AFC4-6F175D3DCCD1}">
-              <a14:hiddenFill xmlns:a14="http://schemas.microsoft.com/office/drawing/2010/main">
+              <a14:hiddenFill xmlns:a14="http://schemas.microsoft.com/office/drawing/2010/main" xmlns="">
                 <a:solidFill>
                   <a:srgbClr val="FFFFFF"/>
                 </a:solidFill>
               </a14:hiddenFill>
             </a:ext>
             <a:ext uri="{91240B29-F687-4f45-9708-019B960494DF}">
-              <a14:hiddenLine xmlns:a14="http://schemas.microsoft.com/office/drawing/2010/main" w="9525">
+              <a14:hiddenLine xmlns:a14="http://schemas.microsoft.com/office/drawing/2010/main" xmlns="" w="9525">
                 <a:solidFill>
                   <a:srgbClr val="000000"/>
                 </a:solidFill>
@@ -4285,7 +4285,7 @@
               <a:defRPr/>
             </a:pPr>
             <a:r>
-              <a:rPr lang="en-US" altLang="en-US" dirty="0" smtClean="0"/>
+              <a:rPr lang="en-US" altLang="en-US" dirty="0"/>
               <a:t>Types of Mobile Devices</a:t>
             </a:r>
           </a:p>
@@ -4295,7 +4295,7 @@
               <a:buChar char="•"/>
               <a:defRPr/>
             </a:pPr>
-            <a:endParaRPr lang="en-US" dirty="0" smtClean="0"/>
+            <a:endParaRPr lang="en-US" dirty="0"/>
           </a:p>
           <a:p>
             <a:pPr marL="171450" indent="-171450">
@@ -4304,7 +4304,7 @@
               <a:defRPr/>
             </a:pPr>
             <a:r>
-              <a:rPr lang="en-US" altLang="en-US" dirty="0" smtClean="0"/>
+              <a:rPr lang="en-US" altLang="en-US" dirty="0"/>
               <a:t>Optional features that may be found on mobile devices:</a:t>
             </a:r>
           </a:p>
@@ -4315,7 +4315,7 @@
               <a:defRPr/>
             </a:pPr>
             <a:r>
-              <a:rPr lang="en-US" altLang="en-US" dirty="0" smtClean="0"/>
+              <a:rPr lang="en-US" altLang="en-US" dirty="0"/>
               <a:t>Digital camera(s)</a:t>
             </a:r>
           </a:p>
@@ -4326,7 +4326,7 @@
               <a:defRPr/>
             </a:pPr>
             <a:r>
-              <a:rPr lang="en-US" altLang="en-US" dirty="0" smtClean="0"/>
+              <a:rPr lang="en-US" altLang="en-US" dirty="0"/>
               <a:t>Global Positioning System (GPS)</a:t>
             </a:r>
           </a:p>
@@ -4337,7 +4337,7 @@
               <a:defRPr/>
             </a:pPr>
             <a:r>
-              <a:rPr lang="en-US" altLang="en-US" dirty="0" smtClean="0"/>
+              <a:rPr lang="en-US" altLang="en-US" dirty="0"/>
               <a:t>Microphone</a:t>
             </a:r>
           </a:p>
@@ -4348,7 +4348,7 @@
               <a:defRPr/>
             </a:pPr>
             <a:r>
-              <a:rPr lang="en-US" altLang="en-US" dirty="0" smtClean="0"/>
+              <a:rPr lang="en-US" altLang="en-US" dirty="0"/>
               <a:t>Removable storage media</a:t>
             </a:r>
           </a:p>
@@ -4359,7 +4359,7 @@
               <a:defRPr/>
             </a:pPr>
             <a:r>
-              <a:rPr lang="en-US" altLang="en-US" dirty="0" smtClean="0"/>
+              <a:rPr lang="en-US" altLang="en-US" dirty="0"/>
               <a:t>Support for using the device itself as removable storage for another computing device</a:t>
             </a:r>
           </a:p>
@@ -4370,7 +4370,7 @@
               <a:defRPr/>
             </a:pPr>
             <a:r>
-              <a:rPr lang="en-US" altLang="en-US" dirty="0" smtClean="0"/>
+              <a:rPr lang="en-US" altLang="en-US" dirty="0"/>
               <a:t>Wireless cellular connection</a:t>
             </a:r>
           </a:p>
@@ -4381,7 +4381,7 @@
               <a:defRPr/>
             </a:pPr>
             <a:r>
-              <a:rPr lang="en-US" altLang="en-US" dirty="0" smtClean="0"/>
+              <a:rPr lang="en-US" altLang="en-US" dirty="0"/>
               <a:t>Wireless personal area network interfaces like Bluetooth or near field communications</a:t>
             </a:r>
           </a:p>
@@ -4408,14 +4408,14 @@
           <a:ln/>
           <a:extLst>
             <a:ext uri="{909E8E84-426E-40dd-AFC4-6F175D3DCCD1}">
-              <a14:hiddenFill xmlns:a14="http://schemas.microsoft.com/office/drawing/2010/main">
+              <a14:hiddenFill xmlns:a14="http://schemas.microsoft.com/office/drawing/2010/main" xmlns="">
                 <a:solidFill>
                   <a:srgbClr val="FFFFFF"/>
                 </a:solidFill>
               </a14:hiddenFill>
             </a:ext>
             <a:ext uri="{91240B29-F687-4f45-9708-019B960494DF}">
-              <a14:hiddenLine xmlns:a14="http://schemas.microsoft.com/office/drawing/2010/main" w="9525">
+              <a14:hiddenLine xmlns:a14="http://schemas.microsoft.com/office/drawing/2010/main" xmlns="" w="9525">
                 <a:solidFill>
                   <a:srgbClr val="000000"/>
                 </a:solidFill>
@@ -4603,14 +4603,14 @@
           <a:ln/>
           <a:extLst>
             <a:ext uri="{909E8E84-426E-40dd-AFC4-6F175D3DCCD1}">
-              <a14:hiddenFill xmlns:a14="http://schemas.microsoft.com/office/drawing/2010/main">
+              <a14:hiddenFill xmlns:a14="http://schemas.microsoft.com/office/drawing/2010/main" xmlns="">
                 <a:solidFill>
                   <a:srgbClr val="FFFFFF"/>
                 </a:solidFill>
               </a14:hiddenFill>
             </a:ext>
             <a:ext uri="{91240B29-F687-4f45-9708-019B960494DF}">
-              <a14:hiddenLine xmlns:a14="http://schemas.microsoft.com/office/drawing/2010/main" w="9525">
+              <a14:hiddenLine xmlns:a14="http://schemas.microsoft.com/office/drawing/2010/main" xmlns="" w="9525">
                 <a:solidFill>
                   <a:srgbClr val="000000"/>
                 </a:solidFill>
@@ -4626,16 +4626,16 @@
           <a:lstStyle/>
           <a:p>
             <a:r>
-              <a:rPr lang="en-US" altLang="en-US" smtClean="0"/>
+              <a:rPr lang="en-US" altLang="en-US"/>
               <a:t>Limited Physical Security</a:t>
             </a:r>
           </a:p>
           <a:p>
-            <a:endParaRPr lang="en-US" altLang="en-US" smtClean="0"/>
-          </a:p>
-          <a:p>
-            <a:r>
-              <a:rPr lang="en-US" altLang="en-US" smtClean="0"/>
+            <a:endParaRPr lang="en-US" altLang="en-US"/>
+          </a:p>
+          <a:p>
+            <a:r>
+              <a:rPr lang="en-US" altLang="en-US"/>
               <a:t>Table 10-5  Top five areas for airport laptop theft</a:t>
             </a:r>
           </a:p>
@@ -4656,14 +4656,14 @@
           <a:ln/>
           <a:extLst>
             <a:ext uri="{909E8E84-426E-40dd-AFC4-6F175D3DCCD1}">
-              <a14:hiddenFill xmlns:a14="http://schemas.microsoft.com/office/drawing/2010/main">
+              <a14:hiddenFill xmlns:a14="http://schemas.microsoft.com/office/drawing/2010/main" xmlns="">
                 <a:solidFill>
                   <a:srgbClr val="FFFFFF"/>
                 </a:solidFill>
               </a14:hiddenFill>
             </a:ext>
             <a:ext uri="{91240B29-F687-4f45-9708-019B960494DF}">
-              <a14:hiddenLine xmlns:a14="http://schemas.microsoft.com/office/drawing/2010/main" w="9525">
+              <a14:hiddenLine xmlns:a14="http://schemas.microsoft.com/office/drawing/2010/main" xmlns="" w="9525">
                 <a:solidFill>
                   <a:srgbClr val="000000"/>
                 </a:solidFill>
@@ -4855,7 +4855,7 @@
               <a:defRPr/>
             </a:pPr>
             <a:r>
-              <a:rPr lang="en-US" altLang="en-US" dirty="0" smtClean="0"/>
+              <a:rPr lang="en-US" altLang="en-US" dirty="0"/>
               <a:t>Connecting to Public Networks</a:t>
             </a:r>
           </a:p>
@@ -4865,7 +4865,7 @@
               <a:buChar char="•"/>
               <a:defRPr/>
             </a:pPr>
-            <a:endParaRPr lang="en-US" dirty="0" smtClean="0"/>
+            <a:endParaRPr lang="en-US" dirty="0"/>
           </a:p>
           <a:p>
             <a:pPr marL="171450" indent="-171450">
@@ -4874,7 +4874,7 @@
               <a:defRPr/>
             </a:pPr>
             <a:r>
-              <a:rPr lang="en-US" altLang="en-US" dirty="0" smtClean="0"/>
+              <a:rPr lang="en-US" altLang="en-US" dirty="0"/>
               <a:t>Many mobile devices use public external networks for Internet access</a:t>
             </a:r>
           </a:p>
@@ -4885,7 +4885,7 @@
               <a:defRPr/>
             </a:pPr>
             <a:r>
-              <a:rPr lang="en-US" altLang="en-US" dirty="0" smtClean="0"/>
+              <a:rPr lang="en-US" altLang="en-US" dirty="0"/>
               <a:t>Attackers can eavesdrop on the data transmissions and view sensitive information</a:t>
             </a:r>
           </a:p>
@@ -4896,7 +4896,7 @@
               <a:defRPr/>
             </a:pPr>
             <a:r>
-              <a:rPr lang="en-US" altLang="en-US" dirty="0" smtClean="0"/>
+              <a:rPr lang="en-US" altLang="en-US" dirty="0"/>
               <a:t>Open networks may be susceptible to man-in-the-middle or replay attacks</a:t>
             </a:r>
           </a:p>
@@ -4923,14 +4923,14 @@
           <a:ln/>
           <a:extLst>
             <a:ext uri="{909E8E84-426E-40dd-AFC4-6F175D3DCCD1}">
-              <a14:hiddenFill xmlns:a14="http://schemas.microsoft.com/office/drawing/2010/main">
+              <a14:hiddenFill xmlns:a14="http://schemas.microsoft.com/office/drawing/2010/main" xmlns="">
                 <a:solidFill>
                   <a:srgbClr val="FFFFFF"/>
                 </a:solidFill>
               </a14:hiddenFill>
             </a:ext>
             <a:ext uri="{91240B29-F687-4f45-9708-019B960494DF}">
-              <a14:hiddenLine xmlns:a14="http://schemas.microsoft.com/office/drawing/2010/main" w="9525">
+              <a14:hiddenLine xmlns:a14="http://schemas.microsoft.com/office/drawing/2010/main" xmlns="" w="9525">
                 <a:solidFill>
                   <a:srgbClr val="000000"/>
                 </a:solidFill>
@@ -5122,7 +5122,7 @@
               <a:defRPr/>
             </a:pPr>
             <a:r>
-              <a:rPr lang="en-US" altLang="en-US" dirty="0" smtClean="0"/>
+              <a:rPr lang="en-US" altLang="en-US" dirty="0"/>
               <a:t>Location Tracking</a:t>
             </a:r>
           </a:p>
@@ -5132,7 +5132,7 @@
               <a:buChar char="•"/>
               <a:defRPr/>
             </a:pPr>
-            <a:endParaRPr lang="en-US" dirty="0" smtClean="0"/>
+            <a:endParaRPr lang="en-US" dirty="0"/>
           </a:p>
           <a:p>
             <a:pPr marL="171450" indent="-171450">
@@ -5141,7 +5141,7 @@
               <a:defRPr/>
             </a:pPr>
             <a:r>
-              <a:rPr lang="en-US" altLang="en-US" dirty="0" smtClean="0"/>
+              <a:rPr lang="en-US" altLang="en-US" dirty="0"/>
               <a:t>Location services</a:t>
             </a:r>
           </a:p>
@@ -5152,7 +5152,7 @@
               <a:defRPr/>
             </a:pPr>
             <a:r>
-              <a:rPr lang="en-US" altLang="en-US" dirty="0" smtClean="0"/>
+              <a:rPr lang="en-US" altLang="en-US" dirty="0"/>
               <a:t>Can identify the location of a person carrying a mobile device</a:t>
             </a:r>
           </a:p>
@@ -5163,7 +5163,7 @@
               <a:defRPr/>
             </a:pPr>
             <a:r>
-              <a:rPr lang="en-US" altLang="en-US" dirty="0" smtClean="0"/>
+              <a:rPr lang="en-US" altLang="en-US" dirty="0"/>
               <a:t>Used extensively by social media, navigation systems, weather systems, and other mobile-aware applications</a:t>
             </a:r>
           </a:p>
@@ -5174,7 +5174,7 @@
               <a:defRPr/>
             </a:pPr>
             <a:r>
-              <a:rPr lang="en-US" altLang="en-US" dirty="0" smtClean="0"/>
+              <a:rPr lang="en-US" altLang="en-US" dirty="0"/>
               <a:t>Mobile devices using location services are at risk of targeted physical attacks</a:t>
             </a:r>
           </a:p>
@@ -5185,7 +5185,7 @@
               <a:defRPr/>
             </a:pPr>
             <a:r>
-              <a:rPr lang="en-US" altLang="en-US" dirty="0" smtClean="0"/>
+              <a:rPr lang="en-US" altLang="en-US" dirty="0"/>
               <a:t>Attacker can follow user in order to steal the device or inflict harm upon the person</a:t>
             </a:r>
           </a:p>
@@ -5212,14 +5212,14 @@
           <a:ln/>
           <a:extLst>
             <a:ext uri="{909E8E84-426E-40dd-AFC4-6F175D3DCCD1}">
-              <a14:hiddenFill xmlns:a14="http://schemas.microsoft.com/office/drawing/2010/main">
+              <a14:hiddenFill xmlns:a14="http://schemas.microsoft.com/office/drawing/2010/main" xmlns="">
                 <a:solidFill>
                   <a:srgbClr val="FFFFFF"/>
                 </a:solidFill>
               </a14:hiddenFill>
             </a:ext>
             <a:ext uri="{91240B29-F687-4f45-9708-019B960494DF}">
-              <a14:hiddenLine xmlns:a14="http://schemas.microsoft.com/office/drawing/2010/main" w="9525">
+              <a14:hiddenLine xmlns:a14="http://schemas.microsoft.com/office/drawing/2010/main" xmlns="" w="9525">
                 <a:solidFill>
                   <a:srgbClr val="000000"/>
                 </a:solidFill>
@@ -5411,7 +5411,7 @@
               <a:defRPr/>
             </a:pPr>
             <a:r>
-              <a:rPr lang="en-US" altLang="en-US" dirty="0" smtClean="0"/>
+              <a:rPr lang="en-US" altLang="en-US" dirty="0"/>
               <a:t>Installing Unsecured Applications</a:t>
             </a:r>
           </a:p>
@@ -5421,7 +5421,7 @@
               <a:buChar char="•"/>
               <a:defRPr/>
             </a:pPr>
-            <a:endParaRPr lang="en-US" dirty="0" smtClean="0"/>
+            <a:endParaRPr lang="en-US" dirty="0"/>
           </a:p>
           <a:p>
             <a:pPr marL="171450" indent="-171450">
@@ -5430,7 +5430,7 @@
               <a:defRPr/>
             </a:pPr>
             <a:r>
-              <a:rPr lang="en-US" altLang="en-US" dirty="0" smtClean="0"/>
+              <a:rPr lang="en-US" altLang="en-US" dirty="0"/>
               <a:t>Mobile devices are designed to easily locate, acquire, and install apps from a variety of sources</a:t>
             </a:r>
           </a:p>
@@ -5441,7 +5441,7 @@
               <a:defRPr/>
             </a:pPr>
             <a:r>
-              <a:rPr lang="en-US" altLang="en-US" dirty="0" smtClean="0"/>
+              <a:rPr lang="en-US" altLang="en-US" dirty="0"/>
               <a:t>Many apps do not include security features</a:t>
             </a:r>
           </a:p>
@@ -5452,7 +5452,7 @@
               <a:defRPr/>
             </a:pPr>
             <a:r>
-              <a:rPr lang="en-US" altLang="en-US" dirty="0" smtClean="0"/>
+              <a:rPr lang="en-US" altLang="en-US" dirty="0"/>
               <a:t>Mobile OSs have different levels of security</a:t>
             </a:r>
           </a:p>
@@ -5463,7 +5463,7 @@
               <a:defRPr/>
             </a:pPr>
             <a:r>
-              <a:rPr lang="en-US" altLang="en-US" dirty="0" smtClean="0"/>
+              <a:rPr lang="en-US" altLang="en-US" dirty="0"/>
               <a:t>Apple iOS</a:t>
             </a:r>
           </a:p>
@@ -5474,7 +5474,7 @@
               <a:defRPr/>
             </a:pPr>
             <a:r>
-              <a:rPr lang="en-US" altLang="en-US" dirty="0" smtClean="0"/>
+              <a:rPr lang="en-US" altLang="en-US" dirty="0"/>
               <a:t>A closed and proprietary architecture</a:t>
             </a:r>
           </a:p>
@@ -5485,7 +5485,7 @@
               <a:defRPr/>
             </a:pPr>
             <a:r>
-              <a:rPr lang="en-US" altLang="en-US" dirty="0" smtClean="0"/>
+              <a:rPr lang="en-US" altLang="en-US" dirty="0"/>
               <a:t>More difficult for attackers to create an app that could compromise it</a:t>
             </a:r>
           </a:p>
@@ -5496,7 +5496,7 @@
               <a:defRPr/>
             </a:pPr>
             <a:r>
-              <a:rPr lang="en-US" altLang="en-US" dirty="0" smtClean="0"/>
+              <a:rPr lang="en-US" altLang="en-US" dirty="0"/>
               <a:t>Uses its App Store as the sole source for distributing apps</a:t>
             </a:r>
           </a:p>
@@ -5523,14 +5523,14 @@
           <a:ln/>
           <a:extLst>
             <a:ext uri="{909E8E84-426E-40dd-AFC4-6F175D3DCCD1}">
-              <a14:hiddenFill xmlns:a14="http://schemas.microsoft.com/office/drawing/2010/main">
+              <a14:hiddenFill xmlns:a14="http://schemas.microsoft.com/office/drawing/2010/main" xmlns="">
                 <a:solidFill>
                   <a:srgbClr val="FFFFFF"/>
                 </a:solidFill>
               </a14:hiddenFill>
             </a:ext>
             <a:ext uri="{91240B29-F687-4f45-9708-019B960494DF}">
-              <a14:hiddenLine xmlns:a14="http://schemas.microsoft.com/office/drawing/2010/main" w="9525">
+              <a14:hiddenLine xmlns:a14="http://schemas.microsoft.com/office/drawing/2010/main" xmlns="" w="9525">
                 <a:solidFill>
                   <a:srgbClr val="000000"/>
                 </a:solidFill>
@@ -5718,14 +5718,14 @@
           <a:ln/>
           <a:extLst>
             <a:ext uri="{909E8E84-426E-40dd-AFC4-6F175D3DCCD1}">
-              <a14:hiddenFill xmlns:a14="http://schemas.microsoft.com/office/drawing/2010/main">
+              <a14:hiddenFill xmlns:a14="http://schemas.microsoft.com/office/drawing/2010/main" xmlns="">
                 <a:solidFill>
                   <a:srgbClr val="FFFFFF"/>
                 </a:solidFill>
               </a14:hiddenFill>
             </a:ext>
             <a:ext uri="{91240B29-F687-4f45-9708-019B960494DF}">
-              <a14:hiddenLine xmlns:a14="http://schemas.microsoft.com/office/drawing/2010/main" w="9525">
+              <a14:hiddenLine xmlns:a14="http://schemas.microsoft.com/office/drawing/2010/main" xmlns="" w="9525">
                 <a:solidFill>
                   <a:srgbClr val="000000"/>
                 </a:solidFill>
@@ -5741,39 +5741,39 @@
           <a:lstStyle/>
           <a:p>
             <a:r>
-              <a:rPr lang="en-US" altLang="en-US" smtClean="0"/>
+              <a:rPr lang="en-US" altLang="en-US"/>
               <a:t>Installing Unsecured Applications</a:t>
             </a:r>
           </a:p>
           <a:p>
-            <a:endParaRPr lang="en-US" altLang="en-US" smtClean="0"/>
-          </a:p>
-          <a:p>
-            <a:r>
-              <a:rPr lang="en-US" altLang="en-US" smtClean="0"/>
+            <a:endParaRPr lang="en-US" altLang="en-US"/>
+          </a:p>
+          <a:p>
+            <a:r>
+              <a:rPr lang="en-US" altLang="en-US"/>
               <a:t>Apple iOS (cont’d)</a:t>
             </a:r>
           </a:p>
           <a:p>
             <a:pPr lvl="1"/>
             <a:r>
-              <a:rPr lang="en-US" altLang="en-US" smtClean="0"/>
+              <a:rPr lang="en-US" altLang="en-US"/>
               <a:t>A recent study compared the top 200 iOS and Android apps</a:t>
             </a:r>
           </a:p>
           <a:p>
             <a:pPr lvl="2"/>
             <a:r>
-              <a:rPr lang="en-US" altLang="en-US" smtClean="0"/>
+              <a:rPr lang="en-US" altLang="en-US"/>
               <a:t>Found that iOS apps exhibited a greater percentage of risky behaviors than Android apps</a:t>
             </a:r>
           </a:p>
           <a:p>
-            <a:endParaRPr lang="en-US" altLang="en-US" smtClean="0"/>
-          </a:p>
-          <a:p>
-            <a:r>
-              <a:rPr lang="en-US" altLang="en-US" smtClean="0"/>
+            <a:endParaRPr lang="en-US" altLang="en-US"/>
+          </a:p>
+          <a:p>
+            <a:r>
+              <a:rPr lang="en-US" altLang="en-US"/>
               <a:t>Table 10-6  Apple iOS apps risky behavior</a:t>
             </a:r>
           </a:p>
@@ -5794,14 +5794,14 @@
           <a:ln/>
           <a:extLst>
             <a:ext uri="{909E8E84-426E-40dd-AFC4-6F175D3DCCD1}">
-              <a14:hiddenFill xmlns:a14="http://schemas.microsoft.com/office/drawing/2010/main">
+              <a14:hiddenFill xmlns:a14="http://schemas.microsoft.com/office/drawing/2010/main" xmlns="">
                 <a:solidFill>
                   <a:srgbClr val="FFFFFF"/>
                 </a:solidFill>
               </a14:hiddenFill>
             </a:ext>
             <a:ext uri="{91240B29-F687-4f45-9708-019B960494DF}">
-              <a14:hiddenLine xmlns:a14="http://schemas.microsoft.com/office/drawing/2010/main" w="9525">
+              <a14:hiddenLine xmlns:a14="http://schemas.microsoft.com/office/drawing/2010/main" xmlns="" w="9525">
                 <a:solidFill>
                   <a:srgbClr val="000000"/>
                 </a:solidFill>
@@ -5993,7 +5993,7 @@
               <a:defRPr/>
             </a:pPr>
             <a:r>
-              <a:rPr lang="en-US" altLang="en-US" smtClean="0"/>
+              <a:rPr lang="en-US" altLang="en-US"/>
               <a:t>11/2  1PM </a:t>
             </a:r>
           </a:p>
@@ -6002,7 +6002,7 @@
               <a:defRPr/>
             </a:pPr>
             <a:r>
-              <a:rPr lang="en-US" altLang="en-US" dirty="0" smtClean="0"/>
+              <a:rPr lang="en-US" altLang="en-US" dirty="0"/>
               <a:t>Installing Unsecured Applications</a:t>
             </a:r>
           </a:p>
@@ -6012,7 +6012,7 @@
               <a:buChar char="•"/>
               <a:defRPr/>
             </a:pPr>
-            <a:endParaRPr lang="en-US" dirty="0" smtClean="0"/>
+            <a:endParaRPr lang="en-US" dirty="0"/>
           </a:p>
           <a:p>
             <a:pPr marL="171450" indent="-171450">
@@ -6021,7 +6021,7 @@
               <a:defRPr/>
             </a:pPr>
             <a:r>
-              <a:rPr lang="en-US" altLang="en-US" dirty="0" smtClean="0"/>
+              <a:rPr lang="en-US" altLang="en-US" dirty="0"/>
               <a:t>Google Android</a:t>
             </a:r>
           </a:p>
@@ -6032,7 +6032,7 @@
               <a:defRPr/>
             </a:pPr>
             <a:r>
-              <a:rPr lang="en-US" altLang="en-US" dirty="0" smtClean="0"/>
+              <a:rPr lang="en-US" altLang="en-US" dirty="0"/>
               <a:t>Not proprietary and open for anyone to use or modify</a:t>
             </a:r>
           </a:p>
@@ -6043,7 +6043,7 @@
               <a:defRPr/>
             </a:pPr>
             <a:r>
-              <a:rPr lang="en-US" altLang="en-US" dirty="0" smtClean="0"/>
+              <a:rPr lang="en-US" altLang="en-US" dirty="0"/>
               <a:t>Apps can be downloaded from the Google Play store or from an unofficial third-party website (sideloading)</a:t>
             </a:r>
           </a:p>
@@ -6054,7 +6054,7 @@
               <a:defRPr/>
             </a:pPr>
             <a:r>
-              <a:rPr lang="en-US" altLang="en-US" dirty="0" smtClean="0"/>
+              <a:rPr lang="en-US" altLang="en-US" dirty="0"/>
               <a:t>This makes Android apps highly risky</a:t>
             </a:r>
           </a:p>
@@ -6065,7 +6065,7 @@
               <a:defRPr/>
             </a:pPr>
             <a:r>
-              <a:rPr lang="en-US" altLang="en-US" dirty="0" smtClean="0"/>
+              <a:rPr lang="en-US" altLang="en-US" dirty="0"/>
               <a:t>Most malicious apps are designed to trick users into downloading costly services or may steal user data</a:t>
             </a:r>
           </a:p>
@@ -6092,14 +6092,14 @@
           <a:ln/>
           <a:extLst>
             <a:ext uri="{909E8E84-426E-40dd-AFC4-6F175D3DCCD1}">
-              <a14:hiddenFill xmlns:a14="http://schemas.microsoft.com/office/drawing/2010/main">
+              <a14:hiddenFill xmlns:a14="http://schemas.microsoft.com/office/drawing/2010/main" xmlns="">
                 <a:solidFill>
                   <a:srgbClr val="FFFFFF"/>
                 </a:solidFill>
               </a14:hiddenFill>
             </a:ext>
             <a:ext uri="{91240B29-F687-4f45-9708-019B960494DF}">
-              <a14:hiddenLine xmlns:a14="http://schemas.microsoft.com/office/drawing/2010/main" w="9525">
+              <a14:hiddenLine xmlns:a14="http://schemas.microsoft.com/office/drawing/2010/main" xmlns="" w="9525">
                 <a:solidFill>
                   <a:srgbClr val="000000"/>
                 </a:solidFill>
@@ -6291,7 +6291,7 @@
               <a:defRPr/>
             </a:pPr>
             <a:r>
-              <a:rPr lang="en-US" altLang="en-US" dirty="0" smtClean="0"/>
+              <a:rPr lang="en-US" altLang="en-US" dirty="0"/>
               <a:t>End of class 10 AM 3/15/17</a:t>
             </a:r>
           </a:p>
@@ -6299,18 +6299,18 @@
             <a:pPr>
               <a:defRPr/>
             </a:pPr>
-            <a:endParaRPr lang="en-US" altLang="en-US" smtClean="0"/>
+            <a:endParaRPr lang="en-US" altLang="en-US"/>
           </a:p>
           <a:p>
             <a:pPr>
               <a:defRPr/>
             </a:pPr>
             <a:r>
-              <a:rPr lang="en-US" altLang="en-US" smtClean="0"/>
+              <a:rPr lang="en-US" altLang="en-US"/>
               <a:t>Accessing </a:t>
             </a:r>
             <a:r>
-              <a:rPr lang="en-US" altLang="en-US" dirty="0" smtClean="0"/>
+              <a:rPr lang="en-US" altLang="en-US" dirty="0"/>
               <a:t>Untrusted Content</a:t>
             </a:r>
           </a:p>
@@ -6320,7 +6320,7 @@
               <a:buChar char="•"/>
               <a:defRPr/>
             </a:pPr>
-            <a:endParaRPr lang="en-US" dirty="0" smtClean="0"/>
+            <a:endParaRPr lang="en-US" dirty="0"/>
           </a:p>
           <a:p>
             <a:pPr marL="171450" indent="-171450">
@@ -6329,7 +6329,7 @@
               <a:defRPr/>
             </a:pPr>
             <a:r>
-              <a:rPr lang="en-US" altLang="en-US" dirty="0" smtClean="0"/>
+              <a:rPr lang="en-US" altLang="en-US" dirty="0"/>
               <a:t>Quick Response (QR) codes</a:t>
             </a:r>
           </a:p>
@@ -6340,7 +6340,7 @@
               <a:defRPr/>
             </a:pPr>
             <a:r>
-              <a:rPr lang="en-US" altLang="en-US" dirty="0" smtClean="0"/>
+              <a:rPr lang="en-US" altLang="en-US" dirty="0"/>
               <a:t>A matrix or two-dimensional barcode which can be read by an imaging device</a:t>
             </a:r>
           </a:p>
@@ -6351,7 +6351,7 @@
               <a:defRPr/>
             </a:pPr>
             <a:r>
-              <a:rPr lang="en-US" altLang="en-US" dirty="0" smtClean="0"/>
+              <a:rPr lang="en-US" altLang="en-US" dirty="0"/>
               <a:t>Applications for these codes include:</a:t>
             </a:r>
           </a:p>
@@ -6362,7 +6362,7 @@
               <a:defRPr/>
             </a:pPr>
             <a:r>
-              <a:rPr lang="en-US" altLang="en-US" dirty="0" smtClean="0"/>
+              <a:rPr lang="en-US" altLang="en-US" dirty="0"/>
               <a:t>Product tracking, item identification, time tracking, document management, and general marketing</a:t>
             </a:r>
           </a:p>
@@ -6373,7 +6373,7 @@
               <a:defRPr/>
             </a:pPr>
             <a:r>
-              <a:rPr lang="en-US" altLang="en-US" dirty="0" smtClean="0"/>
+              <a:rPr lang="en-US" altLang="en-US" dirty="0"/>
               <a:t>An attacker can create an advertisement listing a reputable website but include a QR code that contains a malicious URL</a:t>
             </a:r>
           </a:p>
@@ -6384,7 +6384,7 @@
               <a:defRPr/>
             </a:pPr>
             <a:r>
-              <a:rPr lang="en-US" altLang="en-US" dirty="0" smtClean="0"/>
+              <a:rPr lang="en-US" altLang="en-US" dirty="0"/>
               <a:t>Code directs a user’s browser to the attacker’s imposter website or to a site that downloads malware</a:t>
             </a:r>
           </a:p>
@@ -6394,7 +6394,7 @@
               <a:buChar char="•"/>
               <a:defRPr/>
             </a:pPr>
-            <a:endParaRPr lang="en-US" altLang="en-US" dirty="0" smtClean="0"/>
+            <a:endParaRPr lang="en-US" altLang="en-US" dirty="0"/>
           </a:p>
           <a:p>
             <a:pPr>
@@ -6419,14 +6419,14 @@
           <a:ln/>
           <a:extLst>
             <a:ext uri="{909E8E84-426E-40dd-AFC4-6F175D3DCCD1}">
-              <a14:hiddenFill xmlns:a14="http://schemas.microsoft.com/office/drawing/2010/main">
+              <a14:hiddenFill xmlns:a14="http://schemas.microsoft.com/office/drawing/2010/main" xmlns="">
                 <a:solidFill>
                   <a:srgbClr val="FFFFFF"/>
                 </a:solidFill>
               </a14:hiddenFill>
             </a:ext>
             <a:ext uri="{91240B29-F687-4f45-9708-019B960494DF}">
-              <a14:hiddenLine xmlns:a14="http://schemas.microsoft.com/office/drawing/2010/main" w="9525">
+              <a14:hiddenLine xmlns:a14="http://schemas.microsoft.com/office/drawing/2010/main" xmlns="" w="9525">
                 <a:solidFill>
                   <a:srgbClr val="000000"/>
                 </a:solidFill>
@@ -6618,21 +6618,21 @@
               <a:defRPr/>
             </a:pPr>
             <a:r>
-              <a:rPr lang="en-US" altLang="en-US" dirty="0" smtClean="0"/>
+              <a:rPr lang="en-US" altLang="en-US" dirty="0"/>
               <a:t>End of class</a:t>
             </a:r>
             <a:r>
-              <a:rPr lang="en-US" altLang="en-US" baseline="0" dirty="0" smtClean="0"/>
+              <a:rPr lang="en-US" altLang="en-US" baseline="0" dirty="0"/>
               <a:t> 11 AM 11/2</a:t>
             </a:r>
-            <a:endParaRPr lang="en-US" altLang="en-US" dirty="0" smtClean="0"/>
+            <a:endParaRPr lang="en-US" altLang="en-US" dirty="0"/>
           </a:p>
           <a:p>
             <a:pPr>
               <a:defRPr/>
             </a:pPr>
             <a:r>
-              <a:rPr lang="en-US" altLang="en-US" dirty="0" smtClean="0"/>
+              <a:rPr lang="en-US" altLang="en-US" dirty="0"/>
               <a:t>Bring Your Own Device (BYOD) Risks</a:t>
             </a:r>
           </a:p>
@@ -6640,7 +6640,7 @@
             <a:pPr>
               <a:defRPr/>
             </a:pPr>
-            <a:endParaRPr lang="en-US" dirty="0" smtClean="0"/>
+            <a:endParaRPr lang="en-US" dirty="0"/>
           </a:p>
           <a:p>
             <a:pPr marL="171450" indent="-171450">
@@ -6649,7 +6649,7 @@
               <a:defRPr/>
             </a:pPr>
             <a:r>
-              <a:rPr lang="en-US" altLang="en-US" dirty="0" smtClean="0"/>
+              <a:rPr lang="en-US" altLang="en-US" dirty="0"/>
               <a:t>Bring Your Own Device (BYOD) policy</a:t>
             </a:r>
           </a:p>
@@ -6660,7 +6660,7 @@
               <a:defRPr/>
             </a:pPr>
             <a:r>
-              <a:rPr lang="en-US" altLang="en-US" dirty="0" smtClean="0"/>
+              <a:rPr lang="en-US" altLang="en-US" dirty="0"/>
               <a:t>Allows users to use their own personal mobile device for business or organizational purposes</a:t>
             </a:r>
           </a:p>
@@ -6671,7 +6671,7 @@
               <a:defRPr/>
             </a:pPr>
             <a:r>
-              <a:rPr lang="en-US" altLang="en-US" dirty="0" smtClean="0"/>
+              <a:rPr lang="en-US" altLang="en-US" dirty="0"/>
               <a:t>Risks associated with BYOD:</a:t>
             </a:r>
           </a:p>
@@ -6682,7 +6682,7 @@
               <a:defRPr/>
             </a:pPr>
             <a:r>
-              <a:rPr lang="en-US" altLang="en-US" dirty="0" smtClean="0"/>
+              <a:rPr lang="en-US" altLang="en-US" dirty="0"/>
               <a:t>Users may erase the installed built-in limitations on their smartphone</a:t>
             </a:r>
           </a:p>
@@ -6693,7 +6693,7 @@
               <a:defRPr/>
             </a:pPr>
             <a:r>
-              <a:rPr lang="en-US" altLang="en-US" dirty="0" smtClean="0"/>
+              <a:rPr lang="en-US" altLang="en-US" dirty="0"/>
               <a:t>Often shared with family members and friends</a:t>
             </a:r>
           </a:p>
@@ -6704,7 +6704,7 @@
               <a:defRPr/>
             </a:pPr>
             <a:r>
-              <a:rPr lang="en-US" altLang="en-US" dirty="0" smtClean="0"/>
+              <a:rPr lang="en-US" altLang="en-US" dirty="0"/>
               <a:t>Technical support staff may have to support hundreds of different mobile devices</a:t>
             </a:r>
           </a:p>
@@ -6715,7 +6715,7 @@
               <a:defRPr/>
             </a:pPr>
             <a:r>
-              <a:rPr lang="en-US" altLang="en-US" dirty="0" smtClean="0"/>
+              <a:rPr lang="en-US" altLang="en-US" dirty="0"/>
               <a:t>If an employee is let go, it may be difficult to erase any corporate data from personal mobile device</a:t>
             </a:r>
           </a:p>
@@ -6742,14 +6742,14 @@
           <a:ln/>
           <a:extLst>
             <a:ext uri="{909E8E84-426E-40dd-AFC4-6F175D3DCCD1}">
-              <a14:hiddenFill xmlns:a14="http://schemas.microsoft.com/office/drawing/2010/main">
+              <a14:hiddenFill xmlns:a14="http://schemas.microsoft.com/office/drawing/2010/main" xmlns="">
                 <a:solidFill>
                   <a:srgbClr val="FFFFFF"/>
                 </a:solidFill>
               </a14:hiddenFill>
             </a:ext>
             <a:ext uri="{91240B29-F687-4f45-9708-019B960494DF}">
-              <a14:hiddenLine xmlns:a14="http://schemas.microsoft.com/office/drawing/2010/main" w="9525">
+              <a14:hiddenLine xmlns:a14="http://schemas.microsoft.com/office/drawing/2010/main" xmlns="" w="9525">
                 <a:solidFill>
                   <a:srgbClr val="000000"/>
                 </a:solidFill>
@@ -6941,7 +6941,7 @@
               <a:defRPr/>
             </a:pPr>
             <a:r>
-              <a:rPr lang="en-US" altLang="en-US" dirty="0" smtClean="0"/>
+              <a:rPr lang="en-US" altLang="en-US" dirty="0"/>
               <a:t>Securing Mobile Devices</a:t>
             </a:r>
           </a:p>
@@ -6951,7 +6951,7 @@
               <a:buChar char="•"/>
               <a:defRPr/>
             </a:pPr>
-            <a:endParaRPr lang="en-US" dirty="0" smtClean="0"/>
+            <a:endParaRPr lang="en-US" dirty="0"/>
           </a:p>
           <a:p>
             <a:pPr marL="171450" indent="-171450">
@@ -6960,7 +6960,7 @@
               <a:defRPr/>
             </a:pPr>
             <a:r>
-              <a:rPr lang="en-US" altLang="en-US" dirty="0" smtClean="0"/>
+              <a:rPr lang="en-US" altLang="en-US" dirty="0"/>
               <a:t>Steps to securing mobile devices:</a:t>
             </a:r>
           </a:p>
@@ -6971,7 +6971,7 @@
               <a:defRPr/>
             </a:pPr>
             <a:r>
-              <a:rPr lang="en-US" altLang="en-US" dirty="0" smtClean="0"/>
+              <a:rPr lang="en-US" altLang="en-US" dirty="0"/>
               <a:t>Initial setup of the device</a:t>
             </a:r>
           </a:p>
@@ -6982,7 +6982,7 @@
               <a:defRPr/>
             </a:pPr>
             <a:r>
-              <a:rPr lang="en-US" altLang="en-US" dirty="0" smtClean="0"/>
+              <a:rPr lang="en-US" altLang="en-US" dirty="0"/>
               <a:t>Its ongoing management</a:t>
             </a:r>
           </a:p>
@@ -6993,7 +6993,7 @@
               <a:defRPr/>
             </a:pPr>
             <a:r>
-              <a:rPr lang="en-US" altLang="en-US" dirty="0" smtClean="0"/>
+              <a:rPr lang="en-US" altLang="en-US" dirty="0"/>
               <a:t>Deal with theft or loss of the device</a:t>
             </a:r>
           </a:p>
@@ -7020,14 +7020,14 @@
           <a:ln/>
           <a:extLst>
             <a:ext uri="{909E8E84-426E-40dd-AFC4-6F175D3DCCD1}">
-              <a14:hiddenFill xmlns:a14="http://schemas.microsoft.com/office/drawing/2010/main">
+              <a14:hiddenFill xmlns:a14="http://schemas.microsoft.com/office/drawing/2010/main" xmlns="">
                 <a:solidFill>
                   <a:srgbClr val="FFFFFF"/>
                 </a:solidFill>
               </a14:hiddenFill>
             </a:ext>
             <a:ext uri="{91240B29-F687-4f45-9708-019B960494DF}">
-              <a14:hiddenLine xmlns:a14="http://schemas.microsoft.com/office/drawing/2010/main" w="9525">
+              <a14:hiddenLine xmlns:a14="http://schemas.microsoft.com/office/drawing/2010/main" xmlns="" w="9525">
                 <a:solidFill>
                   <a:srgbClr val="000000"/>
                 </a:solidFill>
@@ -7219,7 +7219,7 @@
               <a:defRPr/>
             </a:pPr>
             <a:r>
-              <a:rPr lang="en-US" altLang="en-US" dirty="0" smtClean="0"/>
+              <a:rPr lang="en-US" altLang="en-US" dirty="0"/>
               <a:t>Device Setup</a:t>
             </a:r>
           </a:p>
@@ -7229,7 +7229,7 @@
               <a:buChar char="•"/>
               <a:defRPr/>
             </a:pPr>
-            <a:endParaRPr lang="en-US" dirty="0" smtClean="0"/>
+            <a:endParaRPr lang="en-US" dirty="0"/>
           </a:p>
           <a:p>
             <a:pPr marL="171450" indent="-171450">
@@ -7238,7 +7238,7 @@
               <a:defRPr/>
             </a:pPr>
             <a:r>
-              <a:rPr lang="en-US" altLang="en-US" dirty="0" smtClean="0"/>
+              <a:rPr lang="en-US" altLang="en-US" dirty="0"/>
               <a:t>Disable Unused Features</a:t>
             </a:r>
           </a:p>
@@ -7249,7 +7249,7 @@
               <a:defRPr/>
             </a:pPr>
             <a:r>
-              <a:rPr lang="en-US" altLang="en-US" dirty="0" smtClean="0"/>
+              <a:rPr lang="en-US" altLang="en-US" dirty="0"/>
               <a:t>It is important to disable unused features and turn off those that do not support the business use of the phone</a:t>
             </a:r>
           </a:p>
@@ -7260,7 +7260,7 @@
               <a:defRPr/>
             </a:pPr>
             <a:r>
-              <a:rPr lang="en-US" altLang="en-US" dirty="0" smtClean="0"/>
+              <a:rPr lang="en-US" altLang="en-US" dirty="0"/>
               <a:t>Should disable Bluetooth wireless data communication</a:t>
             </a:r>
           </a:p>
@@ -7271,7 +7271,7 @@
               <a:defRPr/>
             </a:pPr>
             <a:r>
-              <a:rPr lang="en-US" altLang="en-US" dirty="0" smtClean="0"/>
+              <a:rPr lang="en-US" altLang="en-US" dirty="0"/>
               <a:t>In order to prevent bluejacking and bluesnarfing</a:t>
             </a:r>
           </a:p>
@@ -7282,7 +7282,7 @@
               <a:defRPr/>
             </a:pPr>
             <a:r>
-              <a:rPr lang="en-US" altLang="en-US" dirty="0" smtClean="0"/>
+              <a:rPr lang="en-US" altLang="en-US" dirty="0"/>
               <a:t>Enable Lock Screen</a:t>
             </a:r>
           </a:p>
@@ -7293,7 +7293,7 @@
               <a:defRPr/>
             </a:pPr>
             <a:r>
-              <a:rPr lang="en-US" altLang="en-US" dirty="0" smtClean="0"/>
+              <a:rPr lang="en-US" altLang="en-US" dirty="0"/>
               <a:t>Lock screen prevents device from being used until the user enters the correct passcode</a:t>
             </a:r>
           </a:p>
@@ -7304,7 +7304,7 @@
               <a:defRPr/>
             </a:pPr>
             <a:r>
-              <a:rPr lang="en-US" altLang="en-US" dirty="0" smtClean="0"/>
+              <a:rPr lang="en-US" altLang="en-US" dirty="0"/>
               <a:t>Set screen to lock after a period of inactivity</a:t>
             </a:r>
           </a:p>
@@ -7331,14 +7331,14 @@
           <a:ln/>
           <a:extLst>
             <a:ext uri="{909E8E84-426E-40dd-AFC4-6F175D3DCCD1}">
-              <a14:hiddenFill xmlns:a14="http://schemas.microsoft.com/office/drawing/2010/main">
+              <a14:hiddenFill xmlns:a14="http://schemas.microsoft.com/office/drawing/2010/main" xmlns="">
                 <a:solidFill>
                   <a:srgbClr val="FFFFFF"/>
                 </a:solidFill>
               </a14:hiddenFill>
             </a:ext>
             <a:ext uri="{91240B29-F687-4f45-9708-019B960494DF}">
-              <a14:hiddenLine xmlns:a14="http://schemas.microsoft.com/office/drawing/2010/main" w="9525">
+              <a14:hiddenLine xmlns:a14="http://schemas.microsoft.com/office/drawing/2010/main" xmlns="" w="9525">
                 <a:solidFill>
                   <a:srgbClr val="000000"/>
                 </a:solidFill>
@@ -7530,7 +7530,7 @@
               <a:defRPr/>
             </a:pPr>
             <a:r>
-              <a:rPr lang="en-US" altLang="en-US" dirty="0" smtClean="0"/>
+              <a:rPr lang="en-US" altLang="en-US" dirty="0"/>
               <a:t>Portable Computers</a:t>
             </a:r>
           </a:p>
@@ -7538,7 +7538,7 @@
             <a:pPr>
               <a:defRPr/>
             </a:pPr>
-            <a:endParaRPr lang="en-US" dirty="0" smtClean="0"/>
+            <a:endParaRPr lang="en-US" dirty="0"/>
           </a:p>
           <a:p>
             <a:pPr marL="171450" indent="-171450">
@@ -7547,7 +7547,7 @@
               <a:defRPr/>
             </a:pPr>
             <a:r>
-              <a:rPr lang="en-US" altLang="en-US" dirty="0" smtClean="0"/>
+              <a:rPr lang="en-US" altLang="en-US" dirty="0"/>
               <a:t>Portable computers</a:t>
             </a:r>
           </a:p>
@@ -7558,7 +7558,7 @@
               <a:defRPr/>
             </a:pPr>
             <a:r>
-              <a:rPr lang="en-US" altLang="en-US" dirty="0" smtClean="0"/>
+              <a:rPr lang="en-US" altLang="en-US" dirty="0"/>
               <a:t>Have similar hardware and run the same OS and application software found on a desktop computer</a:t>
             </a:r>
           </a:p>
@@ -7569,7 +7569,7 @@
               <a:defRPr/>
             </a:pPr>
             <a:r>
-              <a:rPr lang="en-US" altLang="en-US" dirty="0" smtClean="0"/>
+              <a:rPr lang="en-US" altLang="en-US" dirty="0"/>
               <a:t>Primary difference</a:t>
             </a:r>
           </a:p>
@@ -7580,7 +7580,7 @@
               <a:defRPr/>
             </a:pPr>
             <a:r>
-              <a:rPr lang="en-US" altLang="en-US" dirty="0" smtClean="0"/>
+              <a:rPr lang="en-US" altLang="en-US" dirty="0"/>
               <a:t>Portable computers are smaller self-contained devices that can easily be transported from one location to another while operating on battery power</a:t>
             </a:r>
           </a:p>
@@ -7591,7 +7591,7 @@
               <a:defRPr/>
             </a:pPr>
             <a:r>
-              <a:rPr lang="en-US" altLang="en-US" dirty="0" smtClean="0"/>
+              <a:rPr lang="en-US" altLang="en-US" dirty="0"/>
               <a:t>Laptop</a:t>
             </a:r>
           </a:p>
@@ -7602,7 +7602,7 @@
               <a:defRPr/>
             </a:pPr>
             <a:r>
-              <a:rPr lang="en-US" altLang="en-US" dirty="0" smtClean="0"/>
+              <a:rPr lang="en-US" altLang="en-US" dirty="0"/>
               <a:t>Regarded as the earliest portable computer</a:t>
             </a:r>
           </a:p>
@@ -7613,7 +7613,7 @@
               <a:defRPr/>
             </a:pPr>
             <a:r>
-              <a:rPr lang="en-US" altLang="en-US" dirty="0" smtClean="0"/>
+              <a:rPr lang="en-US" altLang="en-US" dirty="0"/>
               <a:t>Have multiple hardware ports and may accommodate limited hardware upgrades</a:t>
             </a:r>
           </a:p>
@@ -7640,14 +7640,14 @@
           <a:ln/>
           <a:extLst>
             <a:ext uri="{909E8E84-426E-40dd-AFC4-6F175D3DCCD1}">
-              <a14:hiddenFill xmlns:a14="http://schemas.microsoft.com/office/drawing/2010/main">
+              <a14:hiddenFill xmlns:a14="http://schemas.microsoft.com/office/drawing/2010/main" xmlns="">
                 <a:solidFill>
                   <a:srgbClr val="FFFFFF"/>
                 </a:solidFill>
               </a14:hiddenFill>
             </a:ext>
             <a:ext uri="{91240B29-F687-4f45-9708-019B960494DF}">
-              <a14:hiddenLine xmlns:a14="http://schemas.microsoft.com/office/drawing/2010/main" w="9525">
+              <a14:hiddenLine xmlns:a14="http://schemas.microsoft.com/office/drawing/2010/main" xmlns="" w="9525">
                 <a:solidFill>
                   <a:srgbClr val="000000"/>
                 </a:solidFill>
@@ -7839,7 +7839,7 @@
               <a:defRPr/>
             </a:pPr>
             <a:r>
-              <a:rPr lang="en-US" altLang="en-US" dirty="0" smtClean="0"/>
+              <a:rPr lang="en-US" altLang="en-US" dirty="0"/>
               <a:t>Device Setup</a:t>
             </a:r>
           </a:p>
@@ -7849,7 +7849,7 @@
               <a:buChar char="•"/>
               <a:defRPr/>
             </a:pPr>
-            <a:endParaRPr lang="en-US" dirty="0" smtClean="0"/>
+            <a:endParaRPr lang="en-US" dirty="0"/>
           </a:p>
           <a:p>
             <a:pPr marL="171450" indent="-171450">
@@ -7858,7 +7858,7 @@
               <a:defRPr/>
             </a:pPr>
             <a:r>
-              <a:rPr lang="en-US" altLang="en-US" dirty="0" smtClean="0"/>
+              <a:rPr lang="en-US" altLang="en-US" dirty="0"/>
               <a:t>Enable Lock Screen (cont’d)</a:t>
             </a:r>
           </a:p>
@@ -7869,7 +7869,7 @@
               <a:defRPr/>
             </a:pPr>
             <a:r>
-              <a:rPr lang="en-US" altLang="en-US" dirty="0" smtClean="0"/>
+              <a:rPr lang="en-US" altLang="en-US" dirty="0"/>
               <a:t>After a specific number of failed attempts to enter a passcode, additional security protections will occur:</a:t>
             </a:r>
           </a:p>
@@ -7880,7 +7880,7 @@
               <a:defRPr/>
             </a:pPr>
             <a:r>
-              <a:rPr lang="en-US" altLang="en-US" dirty="0" smtClean="0"/>
+              <a:rPr lang="en-US" altLang="en-US" dirty="0"/>
               <a:t>Extend lockout period</a:t>
             </a:r>
           </a:p>
@@ -7891,7 +7891,7 @@
               <a:defRPr/>
             </a:pPr>
             <a:r>
-              <a:rPr lang="en-US" altLang="en-US" dirty="0" smtClean="0"/>
+              <a:rPr lang="en-US" altLang="en-US" dirty="0"/>
               <a:t>Reset to factory settings</a:t>
             </a:r>
           </a:p>
@@ -7902,7 +7902,7 @@
               <a:defRPr/>
             </a:pPr>
             <a:r>
-              <a:rPr lang="en-US" altLang="en-US" dirty="0" smtClean="0"/>
+              <a:rPr lang="en-US" altLang="en-US" dirty="0"/>
               <a:t>Most devices have different options for the type of passcode</a:t>
             </a:r>
           </a:p>
@@ -7913,7 +7913,7 @@
               <a:defRPr/>
             </a:pPr>
             <a:r>
-              <a:rPr lang="en-US" altLang="en-US" dirty="0" smtClean="0"/>
+              <a:rPr lang="en-US" altLang="en-US" dirty="0"/>
               <a:t>A popular option is to draw or swipe a specific pattern connecting dots</a:t>
             </a:r>
           </a:p>
@@ -7924,7 +7924,7 @@
               <a:defRPr/>
             </a:pPr>
             <a:r>
-              <a:rPr lang="en-US" altLang="en-US" dirty="0" smtClean="0"/>
+              <a:rPr lang="en-US" altLang="en-US" dirty="0"/>
               <a:t>Least effective code is a short PIN</a:t>
             </a:r>
           </a:p>
@@ -7951,14 +7951,14 @@
           <a:ln/>
           <a:extLst>
             <a:ext uri="{909E8E84-426E-40dd-AFC4-6F175D3DCCD1}">
-              <a14:hiddenFill xmlns:a14="http://schemas.microsoft.com/office/drawing/2010/main">
+              <a14:hiddenFill xmlns:a14="http://schemas.microsoft.com/office/drawing/2010/main" xmlns="">
                 <a:solidFill>
                   <a:srgbClr val="FFFFFF"/>
                 </a:solidFill>
               </a14:hiddenFill>
             </a:ext>
             <a:ext uri="{91240B29-F687-4f45-9708-019B960494DF}">
-              <a14:hiddenLine xmlns:a14="http://schemas.microsoft.com/office/drawing/2010/main" w="9525">
+              <a14:hiddenLine xmlns:a14="http://schemas.microsoft.com/office/drawing/2010/main" xmlns="" w="9525">
                 <a:solidFill>
                   <a:srgbClr val="000000"/>
                 </a:solidFill>
@@ -8146,14 +8146,14 @@
           <a:ln/>
           <a:extLst>
             <a:ext uri="{909E8E84-426E-40dd-AFC4-6F175D3DCCD1}">
-              <a14:hiddenFill xmlns:a14="http://schemas.microsoft.com/office/drawing/2010/main">
+              <a14:hiddenFill xmlns:a14="http://schemas.microsoft.com/office/drawing/2010/main" xmlns="">
                 <a:solidFill>
                   <a:srgbClr val="FFFFFF"/>
                 </a:solidFill>
               </a14:hiddenFill>
             </a:ext>
             <a:ext uri="{91240B29-F687-4f45-9708-019B960494DF}">
-              <a14:hiddenLine xmlns:a14="http://schemas.microsoft.com/office/drawing/2010/main" w="9525">
+              <a14:hiddenLine xmlns:a14="http://schemas.microsoft.com/office/drawing/2010/main" xmlns="" w="9525">
                 <a:solidFill>
                   <a:srgbClr val="000000"/>
                 </a:solidFill>
@@ -8169,16 +8169,16 @@
           <a:lstStyle/>
           <a:p>
             <a:r>
-              <a:rPr lang="en-US" altLang="en-US" smtClean="0"/>
+              <a:rPr lang="en-US" altLang="en-US"/>
               <a:t>Device Setup</a:t>
             </a:r>
           </a:p>
           <a:p>
-            <a:endParaRPr lang="en-US" altLang="en-US" smtClean="0"/>
-          </a:p>
-          <a:p>
-            <a:r>
-              <a:rPr lang="en-US" altLang="en-US" smtClean="0"/>
+            <a:endParaRPr lang="en-US" altLang="en-US"/>
+          </a:p>
+          <a:p>
+            <a:r>
+              <a:rPr lang="en-US" altLang="en-US"/>
               <a:t>Table 10-7  Most Common PINs</a:t>
             </a:r>
           </a:p>
@@ -8199,14 +8199,14 @@
           <a:ln/>
           <a:extLst>
             <a:ext uri="{909E8E84-426E-40dd-AFC4-6F175D3DCCD1}">
-              <a14:hiddenFill xmlns:a14="http://schemas.microsoft.com/office/drawing/2010/main">
+              <a14:hiddenFill xmlns:a14="http://schemas.microsoft.com/office/drawing/2010/main" xmlns="">
                 <a:solidFill>
                   <a:srgbClr val="FFFFFF"/>
                 </a:solidFill>
               </a14:hiddenFill>
             </a:ext>
             <a:ext uri="{91240B29-F687-4f45-9708-019B960494DF}">
-              <a14:hiddenLine xmlns:a14="http://schemas.microsoft.com/office/drawing/2010/main" w="9525">
+              <a14:hiddenLine xmlns:a14="http://schemas.microsoft.com/office/drawing/2010/main" xmlns="" w="9525">
                 <a:solidFill>
                   <a:srgbClr val="000000"/>
                 </a:solidFill>
@@ -8398,7 +8398,7 @@
               <a:defRPr/>
             </a:pPr>
             <a:r>
-              <a:rPr lang="en-US" altLang="en-US" dirty="0" smtClean="0"/>
+              <a:rPr lang="en-US" altLang="en-US" dirty="0"/>
               <a:t>Device Setup</a:t>
             </a:r>
           </a:p>
@@ -8408,7 +8408,7 @@
               <a:buChar char="•"/>
               <a:defRPr/>
             </a:pPr>
-            <a:endParaRPr lang="en-US" dirty="0" smtClean="0"/>
+            <a:endParaRPr lang="en-US" dirty="0"/>
           </a:p>
           <a:p>
             <a:pPr marL="171450" indent="-171450">
@@ -8417,7 +8417,7 @@
               <a:defRPr/>
             </a:pPr>
             <a:r>
-              <a:rPr lang="en-US" altLang="en-US" dirty="0" smtClean="0"/>
+              <a:rPr lang="en-US" altLang="en-US" dirty="0"/>
               <a:t>Use Encryption</a:t>
             </a:r>
           </a:p>
@@ -8428,7 +8428,7 @@
               <a:defRPr/>
             </a:pPr>
             <a:r>
-              <a:rPr lang="en-US" altLang="en-US" dirty="0" smtClean="0"/>
+              <a:rPr lang="en-US" altLang="en-US" dirty="0"/>
               <a:t>Neither iOS or Android provide native cryptography, so third-party apps must be installed to provide encryption</a:t>
             </a:r>
           </a:p>
@@ -8439,7 +8439,7 @@
               <a:defRPr/>
             </a:pPr>
             <a:r>
-              <a:rPr lang="en-US" altLang="en-US" dirty="0" smtClean="0"/>
+              <a:rPr lang="en-US" altLang="en-US" dirty="0"/>
               <a:t>Two encryption options:</a:t>
             </a:r>
           </a:p>
@@ -8450,7 +8450,7 @@
               <a:defRPr/>
             </a:pPr>
             <a:r>
-              <a:rPr lang="en-US" altLang="en-US" dirty="0" smtClean="0"/>
+              <a:rPr lang="en-US" altLang="en-US" dirty="0"/>
               <a:t>Full device encryption</a:t>
             </a:r>
           </a:p>
@@ -8461,7 +8461,7 @@
               <a:defRPr/>
             </a:pPr>
             <a:r>
-              <a:rPr lang="en-US" altLang="en-US" dirty="0" smtClean="0"/>
+              <a:rPr lang="en-US" altLang="en-US" dirty="0"/>
               <a:t>Separating data storage into containers and encrypt only the sensitive data</a:t>
             </a:r>
           </a:p>
@@ -8469,7 +8469,7 @@
             <a:pPr>
               <a:defRPr/>
             </a:pPr>
-            <a:endParaRPr lang="en-US" dirty="0" smtClean="0"/>
+            <a:endParaRPr lang="en-US" dirty="0"/>
           </a:p>
         </p:txBody>
       </p:sp>
@@ -8488,14 +8488,14 @@
           <a:ln/>
           <a:extLst>
             <a:ext uri="{909E8E84-426E-40dd-AFC4-6F175D3DCCD1}">
-              <a14:hiddenFill xmlns:a14="http://schemas.microsoft.com/office/drawing/2010/main">
+              <a14:hiddenFill xmlns:a14="http://schemas.microsoft.com/office/drawing/2010/main" xmlns="">
                 <a:solidFill>
                   <a:srgbClr val="FFFFFF"/>
                 </a:solidFill>
               </a14:hiddenFill>
             </a:ext>
             <a:ext uri="{91240B29-F687-4f45-9708-019B960494DF}">
-              <a14:hiddenLine xmlns:a14="http://schemas.microsoft.com/office/drawing/2010/main" w="9525">
+              <a14:hiddenLine xmlns:a14="http://schemas.microsoft.com/office/drawing/2010/main" xmlns="" w="9525">
                 <a:solidFill>
                   <a:srgbClr val="000000"/>
                 </a:solidFill>
@@ -8687,7 +8687,7 @@
               <a:defRPr/>
             </a:pPr>
             <a:r>
-              <a:rPr lang="en-US" altLang="en-US" dirty="0" smtClean="0"/>
+              <a:rPr lang="en-US" altLang="en-US" dirty="0"/>
               <a:t>End of class 11/2/16  10 AM</a:t>
             </a:r>
           </a:p>
@@ -8695,7 +8695,7 @@
             <a:pPr>
               <a:defRPr/>
             </a:pPr>
-            <a:endParaRPr lang="en-US" dirty="0" smtClean="0"/>
+            <a:endParaRPr lang="en-US" dirty="0"/>
           </a:p>
           <a:p>
             <a:pPr marL="171450" indent="-171450">
@@ -8704,7 +8704,7 @@
               <a:defRPr/>
             </a:pPr>
             <a:r>
-              <a:rPr lang="en-US" altLang="en-US" dirty="0" smtClean="0"/>
+              <a:rPr lang="en-US" altLang="en-US" dirty="0"/>
               <a:t>Control Access</a:t>
             </a:r>
           </a:p>
@@ -8715,7 +8715,7 @@
               <a:defRPr/>
             </a:pPr>
             <a:r>
-              <a:rPr lang="en-US" altLang="en-US" dirty="0" smtClean="0"/>
+              <a:rPr lang="en-US" altLang="en-US" dirty="0"/>
               <a:t>A key to securing mobile devices is to control access to the device and its data by limiting who is authorized to use the information</a:t>
             </a:r>
           </a:p>
@@ -8726,7 +8726,7 @@
               <a:defRPr/>
             </a:pPr>
             <a:r>
-              <a:rPr lang="en-US" altLang="en-US" dirty="0" smtClean="0"/>
+              <a:rPr lang="en-US" altLang="en-US" dirty="0"/>
               <a:t>At a higher corporate level decisions must be made on who can access the data before it is downloaded onto a mobile device</a:t>
             </a:r>
           </a:p>
@@ -8737,23 +8737,23 @@
               <a:defRPr/>
             </a:pPr>
             <a:r>
-              <a:rPr lang="en-US" altLang="en-US" dirty="0" smtClean="0"/>
+              <a:rPr lang="en-US" altLang="en-US" dirty="0"/>
               <a:t>Many organizations are beginning to focus their efforts on the </a:t>
             </a:r>
             <a:r>
-              <a:rPr lang="en-US" altLang="en-US" i="1" dirty="0" smtClean="0"/>
+              <a:rPr lang="en-US" altLang="en-US" i="1" dirty="0"/>
               <a:t>data</a:t>
             </a:r>
             <a:r>
-              <a:rPr lang="en-US" altLang="en-US" dirty="0" smtClean="0"/>
+              <a:rPr lang="en-US" altLang="en-US" dirty="0"/>
               <a:t> instead of just the </a:t>
             </a:r>
             <a:r>
-              <a:rPr lang="en-US" altLang="en-US" i="1" dirty="0" smtClean="0"/>
+              <a:rPr lang="en-US" altLang="en-US" i="1" dirty="0"/>
               <a:t>device </a:t>
             </a:r>
             <a:r>
-              <a:rPr lang="en-US" altLang="en-US" dirty="0" smtClean="0"/>
+              <a:rPr lang="en-US" altLang="en-US" dirty="0"/>
               <a:t>by extending data loss prevention to mobile devices</a:t>
             </a:r>
           </a:p>
@@ -8780,14 +8780,14 @@
           <a:ln/>
           <a:extLst>
             <a:ext uri="{909E8E84-426E-40dd-AFC4-6F175D3DCCD1}">
-              <a14:hiddenFill xmlns:a14="http://schemas.microsoft.com/office/drawing/2010/main">
+              <a14:hiddenFill xmlns:a14="http://schemas.microsoft.com/office/drawing/2010/main" xmlns="">
                 <a:solidFill>
                   <a:srgbClr val="FFFFFF"/>
                 </a:solidFill>
               </a14:hiddenFill>
             </a:ext>
             <a:ext uri="{91240B29-F687-4f45-9708-019B960494DF}">
-              <a14:hiddenLine xmlns:a14="http://schemas.microsoft.com/office/drawing/2010/main" w="9525">
+              <a14:hiddenLine xmlns:a14="http://schemas.microsoft.com/office/drawing/2010/main" xmlns="" w="9525">
                 <a:solidFill>
                   <a:srgbClr val="000000"/>
                 </a:solidFill>
@@ -8979,7 +8979,7 @@
               <a:defRPr/>
             </a:pPr>
             <a:r>
-              <a:rPr lang="en-US" altLang="en-US" dirty="0" smtClean="0"/>
+              <a:rPr lang="en-US" altLang="en-US" dirty="0"/>
               <a:t>Device and App Management</a:t>
             </a:r>
           </a:p>
@@ -8987,7 +8987,7 @@
             <a:pPr>
               <a:defRPr/>
             </a:pPr>
-            <a:endParaRPr lang="en-US" dirty="0" smtClean="0"/>
+            <a:endParaRPr lang="en-US" dirty="0"/>
           </a:p>
           <a:p>
             <a:pPr marL="171450" indent="-171450">
@@ -8996,7 +8996,7 @@
               <a:defRPr/>
             </a:pPr>
             <a:r>
-              <a:rPr lang="en-US" altLang="en-US" dirty="0" smtClean="0"/>
+              <a:rPr lang="en-US" altLang="en-US" dirty="0"/>
               <a:t>Mobile Device Management (MDM)</a:t>
             </a:r>
           </a:p>
@@ -9007,7 +9007,7 @@
               <a:defRPr/>
             </a:pPr>
             <a:r>
-              <a:rPr lang="en-US" altLang="en-US" dirty="0" smtClean="0"/>
+              <a:rPr lang="en-US" altLang="en-US" dirty="0"/>
               <a:t>Tools that allow a device to be managed remotely by an organization</a:t>
             </a:r>
           </a:p>
@@ -9018,7 +9018,7 @@
               <a:defRPr/>
             </a:pPr>
             <a:r>
-              <a:rPr lang="en-US" altLang="en-US" dirty="0" smtClean="0"/>
+              <a:rPr lang="en-US" altLang="en-US" dirty="0"/>
               <a:t>Usually involve:</a:t>
             </a:r>
           </a:p>
@@ -9029,7 +9029,7 @@
               <a:defRPr/>
             </a:pPr>
             <a:r>
-              <a:rPr lang="en-US" altLang="en-US" dirty="0" smtClean="0"/>
+              <a:rPr lang="en-US" altLang="en-US" dirty="0"/>
               <a:t>A server component that sends out management commands to mobile devices</a:t>
             </a:r>
           </a:p>
@@ -9040,7 +9040,7 @@
               <a:defRPr/>
             </a:pPr>
             <a:r>
-              <a:rPr lang="en-US" altLang="en-US" dirty="0" smtClean="0"/>
+              <a:rPr lang="en-US" altLang="en-US" dirty="0"/>
               <a:t>A client component to receive and implement the management commands</a:t>
             </a:r>
           </a:p>
@@ -9051,7 +9051,7 @@
               <a:defRPr/>
             </a:pPr>
             <a:r>
-              <a:rPr lang="en-US" altLang="en-US" dirty="0" smtClean="0"/>
+              <a:rPr lang="en-US" altLang="en-US" dirty="0"/>
               <a:t>An administrator can perform over the air (OTA) updates or configuration changes to one device</a:t>
             </a:r>
           </a:p>
@@ -9080,14 +9080,14 @@
           <a:ln/>
           <a:extLst>
             <a:ext uri="{909E8E84-426E-40dd-AFC4-6F175D3DCCD1}">
-              <a14:hiddenFill xmlns:a14="http://schemas.microsoft.com/office/drawing/2010/main">
+              <a14:hiddenFill xmlns:a14="http://schemas.microsoft.com/office/drawing/2010/main" xmlns="">
                 <a:solidFill>
                   <a:srgbClr val="FFFFFF"/>
                 </a:solidFill>
               </a14:hiddenFill>
             </a:ext>
             <a:ext uri="{91240B29-F687-4f45-9708-019B960494DF}">
-              <a14:hiddenLine xmlns:a14="http://schemas.microsoft.com/office/drawing/2010/main" w="9525">
+              <a14:hiddenLine xmlns:a14="http://schemas.microsoft.com/office/drawing/2010/main" xmlns="" w="9525">
                 <a:solidFill>
                   <a:srgbClr val="000000"/>
                 </a:solidFill>
@@ -9279,7 +9279,7 @@
               <a:defRPr/>
             </a:pPr>
             <a:r>
-              <a:rPr lang="en-US" altLang="en-US" dirty="0" smtClean="0"/>
+              <a:rPr lang="en-US" altLang="en-US" dirty="0"/>
               <a:t>Device and App Management</a:t>
             </a:r>
           </a:p>
@@ -9289,7 +9289,7 @@
               <a:buChar char="•"/>
               <a:defRPr/>
             </a:pPr>
-            <a:endParaRPr lang="en-US" dirty="0" smtClean="0"/>
+            <a:endParaRPr lang="en-US" dirty="0"/>
           </a:p>
           <a:p>
             <a:pPr marL="171450" indent="-171450">
@@ -9298,7 +9298,7 @@
               <a:defRPr/>
             </a:pPr>
             <a:r>
-              <a:rPr lang="en-US" altLang="en-US" dirty="0" smtClean="0"/>
+              <a:rPr lang="en-US" altLang="en-US" dirty="0"/>
               <a:t>Some features that MDM tools provide:</a:t>
             </a:r>
           </a:p>
@@ -9309,7 +9309,7 @@
               <a:defRPr/>
             </a:pPr>
             <a:r>
-              <a:rPr lang="en-US" altLang="en-US" dirty="0" smtClean="0"/>
+              <a:rPr lang="en-US" altLang="en-US" dirty="0"/>
               <a:t>Rapidly enroll new mobile devices (on-boarding) and quickly remove devices (off-boarding)</a:t>
             </a:r>
           </a:p>
@@ -9320,7 +9320,7 @@
               <a:defRPr/>
             </a:pPr>
             <a:r>
-              <a:rPr lang="en-US" altLang="en-US" dirty="0" smtClean="0"/>
+              <a:rPr lang="en-US" altLang="en-US" dirty="0"/>
               <a:t>Apply or modify default device settings</a:t>
             </a:r>
           </a:p>
@@ -9331,7 +9331,7 @@
               <a:defRPr/>
             </a:pPr>
             <a:r>
-              <a:rPr lang="en-US" altLang="en-US" dirty="0" smtClean="0"/>
+              <a:rPr lang="en-US" altLang="en-US" dirty="0"/>
               <a:t>Enforce encryption settings, antivirus updates, and patch management</a:t>
             </a:r>
           </a:p>
@@ -9342,7 +9342,7 @@
               <a:defRPr/>
             </a:pPr>
             <a:r>
-              <a:rPr lang="en-US" altLang="en-US" dirty="0" smtClean="0"/>
+              <a:rPr lang="en-US" altLang="en-US" dirty="0"/>
               <a:t>Display an acceptable use policy that requires consent before allowing access</a:t>
             </a:r>
           </a:p>
@@ -9353,7 +9353,7 @@
               <a:defRPr/>
             </a:pPr>
             <a:r>
-              <a:rPr lang="en-US" altLang="en-US" dirty="0" smtClean="0"/>
+              <a:rPr lang="en-US" altLang="en-US" dirty="0"/>
               <a:t>Configure email, calendar, contacts, Wi-Fi, and VPN profiles OTA</a:t>
             </a:r>
           </a:p>
@@ -9364,7 +9364,7 @@
               <a:defRPr/>
             </a:pPr>
             <a:r>
-              <a:rPr lang="en-US" altLang="en-US" dirty="0" smtClean="0"/>
+              <a:rPr lang="en-US" altLang="en-US" dirty="0"/>
               <a:t>Discover devices accessing enterprise systems</a:t>
             </a:r>
           </a:p>
@@ -9391,14 +9391,14 @@
           <a:ln/>
           <a:extLst>
             <a:ext uri="{909E8E84-426E-40dd-AFC4-6F175D3DCCD1}">
-              <a14:hiddenFill xmlns:a14="http://schemas.microsoft.com/office/drawing/2010/main">
+              <a14:hiddenFill xmlns:a14="http://schemas.microsoft.com/office/drawing/2010/main" xmlns="">
                 <a:solidFill>
                   <a:srgbClr val="FFFFFF"/>
                 </a:solidFill>
               </a14:hiddenFill>
             </a:ext>
             <a:ext uri="{91240B29-F687-4f45-9708-019B960494DF}">
-              <a14:hiddenLine xmlns:a14="http://schemas.microsoft.com/office/drawing/2010/main" w="9525">
+              <a14:hiddenLine xmlns:a14="http://schemas.microsoft.com/office/drawing/2010/main" xmlns="" w="9525">
                 <a:solidFill>
                   <a:srgbClr val="000000"/>
                 </a:solidFill>
@@ -9590,7 +9590,7 @@
               <a:defRPr/>
             </a:pPr>
             <a:r>
-              <a:rPr lang="en-US" altLang="en-US" dirty="0" smtClean="0"/>
+              <a:rPr lang="en-US" altLang="en-US" dirty="0"/>
               <a:t>Device and App Management</a:t>
             </a:r>
           </a:p>
@@ -9598,7 +9598,7 @@
             <a:pPr>
               <a:defRPr/>
             </a:pPr>
-            <a:endParaRPr lang="en-US" dirty="0" smtClean="0"/>
+            <a:endParaRPr lang="en-US" dirty="0"/>
           </a:p>
           <a:p>
             <a:pPr marL="171450" indent="-171450">
@@ -9607,7 +9607,7 @@
               <a:defRPr/>
             </a:pPr>
             <a:r>
-              <a:rPr lang="en-US" altLang="en-US" dirty="0" smtClean="0"/>
+              <a:rPr lang="en-US" altLang="en-US" dirty="0"/>
               <a:t>Some features that MDM tools provide (cont’d):</a:t>
             </a:r>
           </a:p>
@@ -9618,7 +9618,7 @@
               <a:defRPr/>
             </a:pPr>
             <a:r>
-              <a:rPr lang="en-US" altLang="en-US" dirty="0" smtClean="0"/>
+              <a:rPr lang="en-US" altLang="en-US" dirty="0"/>
               <a:t>Approve or quarantine new mobile devices</a:t>
             </a:r>
           </a:p>
@@ -9629,7 +9629,7 @@
               <a:defRPr/>
             </a:pPr>
             <a:r>
-              <a:rPr lang="en-US" altLang="en-US" dirty="0" smtClean="0"/>
+              <a:rPr lang="en-US" altLang="en-US" dirty="0"/>
               <a:t>Distribute and manage public and corporate apps</a:t>
             </a:r>
           </a:p>
@@ -9640,7 +9640,7 @@
               <a:defRPr/>
             </a:pPr>
             <a:r>
-              <a:rPr lang="en-US" altLang="en-US" dirty="0" smtClean="0"/>
+              <a:rPr lang="en-US" altLang="en-US" dirty="0"/>
               <a:t>Securely share and update documents and corporate policies</a:t>
             </a:r>
           </a:p>
@@ -9651,7 +9651,7 @@
               <a:defRPr/>
             </a:pPr>
             <a:r>
-              <a:rPr lang="en-US" altLang="en-US" dirty="0" smtClean="0"/>
+              <a:rPr lang="en-US" altLang="en-US" dirty="0"/>
               <a:t>Detect and restrict jailbroken and rotted devices</a:t>
             </a:r>
           </a:p>
@@ -9662,7 +9662,7 @@
               <a:defRPr/>
             </a:pPr>
             <a:r>
-              <a:rPr lang="en-US" altLang="en-US" dirty="0" smtClean="0"/>
+              <a:rPr lang="en-US" altLang="en-US" dirty="0"/>
               <a:t>Selectively erase corporate data</a:t>
             </a:r>
           </a:p>
@@ -9673,7 +9673,7 @@
               <a:defRPr/>
             </a:pPr>
             <a:r>
-              <a:rPr lang="en-US" altLang="en-US" dirty="0" smtClean="0"/>
+              <a:rPr lang="en-US" altLang="en-US" dirty="0"/>
               <a:t>Facilitate asset tracking and inventory control</a:t>
             </a:r>
           </a:p>
@@ -9700,14 +9700,14 @@
           <a:ln/>
           <a:extLst>
             <a:ext uri="{909E8E84-426E-40dd-AFC4-6F175D3DCCD1}">
-              <a14:hiddenFill xmlns:a14="http://schemas.microsoft.com/office/drawing/2010/main">
+              <a14:hiddenFill xmlns:a14="http://schemas.microsoft.com/office/drawing/2010/main" xmlns="">
                 <a:solidFill>
                   <a:srgbClr val="FFFFFF"/>
                 </a:solidFill>
               </a14:hiddenFill>
             </a:ext>
             <a:ext uri="{91240B29-F687-4f45-9708-019B960494DF}">
-              <a14:hiddenLine xmlns:a14="http://schemas.microsoft.com/office/drawing/2010/main" w="9525">
+              <a14:hiddenLine xmlns:a14="http://schemas.microsoft.com/office/drawing/2010/main" xmlns="" w="9525">
                 <a:solidFill>
                   <a:srgbClr val="000000"/>
                 </a:solidFill>
@@ -9899,7 +9899,7 @@
               <a:defRPr/>
             </a:pPr>
             <a:r>
-              <a:rPr lang="en-US" altLang="en-US" dirty="0" smtClean="0"/>
+              <a:rPr lang="en-US" altLang="en-US" dirty="0"/>
               <a:t>Device and App Management</a:t>
             </a:r>
           </a:p>
@@ -9909,7 +9909,7 @@
               <a:buChar char="•"/>
               <a:defRPr/>
             </a:pPr>
-            <a:endParaRPr lang="en-US" dirty="0" smtClean="0"/>
+            <a:endParaRPr lang="en-US" dirty="0"/>
           </a:p>
           <a:p>
             <a:pPr marL="171450" indent="-171450">
@@ -9918,7 +9918,7 @@
               <a:defRPr/>
             </a:pPr>
             <a:r>
-              <a:rPr lang="en-US" altLang="en-US" dirty="0" smtClean="0"/>
+              <a:rPr lang="en-US" altLang="en-US" dirty="0"/>
               <a:t>Mobile Application Management (MAM)</a:t>
             </a:r>
           </a:p>
@@ -9929,7 +9929,7 @@
               <a:defRPr/>
             </a:pPr>
             <a:r>
-              <a:rPr lang="en-US" altLang="en-US" dirty="0" smtClean="0"/>
+              <a:rPr lang="en-US" altLang="en-US" dirty="0"/>
               <a:t>Also called application control</a:t>
             </a:r>
           </a:p>
@@ -9940,7 +9940,7 @@
               <a:defRPr/>
             </a:pPr>
             <a:r>
-              <a:rPr lang="en-US" altLang="en-US" dirty="0" smtClean="0"/>
+              <a:rPr lang="en-US" altLang="en-US" dirty="0"/>
               <a:t>Tools and services responsible for distributing and controlling access to apps</a:t>
             </a:r>
           </a:p>
@@ -9951,7 +9951,7 @@
               <a:defRPr/>
             </a:pPr>
             <a:r>
-              <a:rPr lang="en-US" altLang="en-US" dirty="0" smtClean="0"/>
+              <a:rPr lang="en-US" altLang="en-US" dirty="0"/>
               <a:t>Initially controlled apps through app wrapping</a:t>
             </a:r>
           </a:p>
@@ -9962,7 +9962,7 @@
               <a:defRPr/>
             </a:pPr>
             <a:r>
-              <a:rPr lang="en-US" altLang="en-US" dirty="0" smtClean="0"/>
+              <a:rPr lang="en-US" altLang="en-US" dirty="0"/>
               <a:t>Sets up a “dynamic” library of software routines and adds to an existing program to restrict parts of an app</a:t>
             </a:r>
           </a:p>
@@ -9973,7 +9973,7 @@
               <a:defRPr/>
             </a:pPr>
             <a:r>
-              <a:rPr lang="en-US" altLang="en-US" dirty="0" smtClean="0"/>
+              <a:rPr lang="en-US" altLang="en-US" dirty="0"/>
               <a:t>Using a MAM originally required the use of an MDM as well</a:t>
             </a:r>
           </a:p>
@@ -9984,7 +9984,7 @@
               <a:defRPr/>
             </a:pPr>
             <a:r>
-              <a:rPr lang="en-US" altLang="en-US" dirty="0" smtClean="0"/>
+              <a:rPr lang="en-US" altLang="en-US" dirty="0"/>
               <a:t>Newer versions of mobile OSs have MAM incorporated into the software itself</a:t>
             </a:r>
           </a:p>
@@ -10011,14 +10011,14 @@
           <a:ln/>
           <a:extLst>
             <a:ext uri="{909E8E84-426E-40dd-AFC4-6F175D3DCCD1}">
-              <a14:hiddenFill xmlns:a14="http://schemas.microsoft.com/office/drawing/2010/main">
+              <a14:hiddenFill xmlns:a14="http://schemas.microsoft.com/office/drawing/2010/main" xmlns="">
                 <a:solidFill>
                   <a:srgbClr val="FFFFFF"/>
                 </a:solidFill>
               </a14:hiddenFill>
             </a:ext>
             <a:ext uri="{91240B29-F687-4f45-9708-019B960494DF}">
-              <a14:hiddenLine xmlns:a14="http://schemas.microsoft.com/office/drawing/2010/main" w="9525">
+              <a14:hiddenLine xmlns:a14="http://schemas.microsoft.com/office/drawing/2010/main" xmlns="" w="9525">
                 <a:solidFill>
                   <a:srgbClr val="000000"/>
                 </a:solidFill>
@@ -10210,7 +10210,7 @@
               <a:defRPr/>
             </a:pPr>
             <a:r>
-              <a:rPr lang="en-US" altLang="en-US" dirty="0" smtClean="0"/>
+              <a:rPr lang="en-US" altLang="en-US" dirty="0"/>
               <a:t>Device Loss or Theft</a:t>
             </a:r>
           </a:p>
@@ -10220,7 +10220,7 @@
               <a:buChar char="•"/>
               <a:defRPr/>
             </a:pPr>
-            <a:endParaRPr lang="en-US" dirty="0" smtClean="0"/>
+            <a:endParaRPr lang="en-US" dirty="0"/>
           </a:p>
           <a:p>
             <a:pPr marL="171450" indent="-171450">
@@ -10229,7 +10229,7 @@
               <a:defRPr/>
             </a:pPr>
             <a:r>
-              <a:rPr lang="en-US" altLang="en-US" dirty="0" smtClean="0"/>
+              <a:rPr lang="en-US" altLang="en-US" dirty="0"/>
               <a:t>To reduce the risk of theft or loss:</a:t>
             </a:r>
           </a:p>
@@ -10240,7 +10240,7 @@
               <a:defRPr/>
             </a:pPr>
             <a:r>
-              <a:rPr lang="en-US" altLang="en-US" dirty="0" smtClean="0"/>
+              <a:rPr lang="en-US" altLang="en-US" dirty="0"/>
               <a:t>Keep the mobile device out of sight when traveling in a high-risk area</a:t>
             </a:r>
           </a:p>
@@ -10251,7 +10251,7 @@
               <a:defRPr/>
             </a:pPr>
             <a:r>
-              <a:rPr lang="en-US" altLang="en-US" dirty="0" smtClean="0"/>
+              <a:rPr lang="en-US" altLang="en-US" dirty="0"/>
               <a:t>Always maintain awareness of your surroundings</a:t>
             </a:r>
           </a:p>
@@ -10262,7 +10262,7 @@
               <a:defRPr/>
             </a:pPr>
             <a:r>
-              <a:rPr lang="en-US" altLang="en-US" dirty="0" smtClean="0"/>
+              <a:rPr lang="en-US" altLang="en-US" dirty="0"/>
               <a:t>When holding the device, use both hands to make it difficult for a thief to snatch</a:t>
             </a:r>
           </a:p>
@@ -10273,7 +10273,7 @@
               <a:defRPr/>
             </a:pPr>
             <a:r>
-              <a:rPr lang="en-US" altLang="en-US" dirty="0" smtClean="0"/>
+              <a:rPr lang="en-US" altLang="en-US" dirty="0"/>
               <a:t>Do not use the device on escalators or near train doors</a:t>
             </a:r>
           </a:p>
@@ -10284,18 +10284,18 @@
               <a:defRPr/>
             </a:pPr>
             <a:r>
-              <a:rPr lang="en-US" altLang="en-US" dirty="0" smtClean="0"/>
+              <a:rPr lang="en-US" altLang="en-US" dirty="0"/>
               <a:t>If a device is lost or stolen, it may be necessary to perform a </a:t>
             </a:r>
             <a:r>
-              <a:rPr lang="en-US" altLang="en-US" b="1" dirty="0" smtClean="0"/>
+              <a:rPr lang="en-US" altLang="en-US" b="1" dirty="0"/>
               <a:t>remote wiping</a:t>
             </a:r>
             <a:r>
-              <a:rPr lang="en-US" altLang="en-US" dirty="0" smtClean="0"/>
+              <a:rPr lang="en-US" altLang="en-US" dirty="0"/>
               <a:t>, which erases sensitive data stored on the device</a:t>
             </a:r>
-            <a:endParaRPr lang="en-US" altLang="en-US" b="1" dirty="0" smtClean="0"/>
+            <a:endParaRPr lang="en-US" altLang="en-US" b="1" dirty="0"/>
           </a:p>
           <a:p>
             <a:pPr>
@@ -10320,14 +10320,14 @@
           <a:ln/>
           <a:extLst>
             <a:ext uri="{909E8E84-426E-40dd-AFC4-6F175D3DCCD1}">
-              <a14:hiddenFill xmlns:a14="http://schemas.microsoft.com/office/drawing/2010/main">
+              <a14:hiddenFill xmlns:a14="http://schemas.microsoft.com/office/drawing/2010/main" xmlns="">
                 <a:solidFill>
                   <a:srgbClr val="FFFFFF"/>
                 </a:solidFill>
               </a14:hiddenFill>
             </a:ext>
             <a:ext uri="{91240B29-F687-4f45-9708-019B960494DF}">
-              <a14:hiddenLine xmlns:a14="http://schemas.microsoft.com/office/drawing/2010/main" w="9525">
+              <a14:hiddenLine xmlns:a14="http://schemas.microsoft.com/office/drawing/2010/main" xmlns="" w="9525">
                 <a:solidFill>
                   <a:srgbClr val="000000"/>
                 </a:solidFill>
@@ -10515,14 +10515,14 @@
           <a:ln/>
           <a:extLst>
             <a:ext uri="{909E8E84-426E-40dd-AFC4-6F175D3DCCD1}">
-              <a14:hiddenFill xmlns:a14="http://schemas.microsoft.com/office/drawing/2010/main">
+              <a14:hiddenFill xmlns:a14="http://schemas.microsoft.com/office/drawing/2010/main" xmlns="">
                 <a:solidFill>
                   <a:srgbClr val="FFFFFF"/>
                 </a:solidFill>
               </a14:hiddenFill>
             </a:ext>
             <a:ext uri="{91240B29-F687-4f45-9708-019B960494DF}">
-              <a14:hiddenLine xmlns:a14="http://schemas.microsoft.com/office/drawing/2010/main" w="9525">
+              <a14:hiddenLine xmlns:a14="http://schemas.microsoft.com/office/drawing/2010/main" xmlns="" w="9525">
                 <a:solidFill>
                   <a:srgbClr val="000000"/>
                 </a:solidFill>
@@ -10538,16 +10538,16 @@
           <a:lstStyle/>
           <a:p>
             <a:r>
-              <a:rPr lang="en-US" altLang="en-US" smtClean="0"/>
+              <a:rPr lang="en-US" altLang="en-US"/>
               <a:t>Device Loss or Theft</a:t>
             </a:r>
           </a:p>
           <a:p>
-            <a:endParaRPr lang="en-US" altLang="en-US" smtClean="0"/>
-          </a:p>
-          <a:p>
-            <a:r>
-              <a:rPr lang="en-US" altLang="en-US" smtClean="0"/>
+            <a:endParaRPr lang="en-US" altLang="en-US"/>
+          </a:p>
+          <a:p>
+            <a:r>
+              <a:rPr lang="en-US" altLang="en-US"/>
               <a:t>Table 10-8  Security features for locating lost or stolen mobile devices</a:t>
             </a:r>
           </a:p>
@@ -10568,14 +10568,14 @@
           <a:ln/>
           <a:extLst>
             <a:ext uri="{909E8E84-426E-40dd-AFC4-6F175D3DCCD1}">
-              <a14:hiddenFill xmlns:a14="http://schemas.microsoft.com/office/drawing/2010/main">
+              <a14:hiddenFill xmlns:a14="http://schemas.microsoft.com/office/drawing/2010/main" xmlns="">
                 <a:solidFill>
                   <a:srgbClr val="FFFFFF"/>
                 </a:solidFill>
               </a14:hiddenFill>
             </a:ext>
             <a:ext uri="{91240B29-F687-4f45-9708-019B960494DF}">
-              <a14:hiddenLine xmlns:a14="http://schemas.microsoft.com/office/drawing/2010/main" w="9525">
+              <a14:hiddenLine xmlns:a14="http://schemas.microsoft.com/office/drawing/2010/main" xmlns="" w="9525">
                 <a:solidFill>
                   <a:srgbClr val="000000"/>
                 </a:solidFill>
@@ -10767,7 +10767,7 @@
               <a:defRPr/>
             </a:pPr>
             <a:r>
-              <a:rPr lang="en-US" altLang="en-US" dirty="0" smtClean="0"/>
+              <a:rPr lang="en-US" altLang="en-US" dirty="0"/>
               <a:t>Portable Computers</a:t>
             </a:r>
           </a:p>
@@ -10775,7 +10775,7 @@
             <a:pPr>
               <a:defRPr/>
             </a:pPr>
-            <a:endParaRPr lang="en-US" dirty="0" smtClean="0"/>
+            <a:endParaRPr lang="en-US" dirty="0"/>
           </a:p>
           <a:p>
             <a:pPr marL="171450" indent="-171450">
@@ -10784,7 +10784,7 @@
               <a:defRPr/>
             </a:pPr>
             <a:r>
-              <a:rPr lang="en-US" altLang="en-US" dirty="0" smtClean="0"/>
+              <a:rPr lang="en-US" altLang="en-US" dirty="0"/>
               <a:t>Notebook computers</a:t>
             </a:r>
           </a:p>
@@ -10795,7 +10795,7 @@
               <a:defRPr/>
             </a:pPr>
             <a:r>
-              <a:rPr lang="en-US" altLang="en-US" dirty="0" smtClean="0"/>
+              <a:rPr lang="en-US" altLang="en-US" dirty="0"/>
               <a:t>A smaller version of a laptop computer</a:t>
             </a:r>
           </a:p>
@@ -10806,7 +10806,7 @@
               <a:defRPr/>
             </a:pPr>
             <a:r>
-              <a:rPr lang="en-US" altLang="en-US" dirty="0" smtClean="0"/>
+              <a:rPr lang="en-US" altLang="en-US" dirty="0"/>
               <a:t>Typically weigh less than laptops and are small enough to fit inside a briefcase</a:t>
             </a:r>
           </a:p>
@@ -10817,7 +10817,7 @@
               <a:defRPr/>
             </a:pPr>
             <a:r>
-              <a:rPr lang="en-US" altLang="en-US" dirty="0" smtClean="0"/>
+              <a:rPr lang="en-US" altLang="en-US" dirty="0"/>
               <a:t>Designed to include only basic, frequently used features</a:t>
             </a:r>
           </a:p>
@@ -10828,7 +10828,7 @@
               <a:defRPr/>
             </a:pPr>
             <a:r>
-              <a:rPr lang="en-US" altLang="en-US" dirty="0" smtClean="0"/>
+              <a:rPr lang="en-US" altLang="en-US" dirty="0"/>
               <a:t>Have a limited number of hardware ports</a:t>
             </a:r>
           </a:p>
@@ -10839,7 +10839,7 @@
               <a:defRPr/>
             </a:pPr>
             <a:r>
-              <a:rPr lang="en-US" altLang="en-US" dirty="0" smtClean="0"/>
+              <a:rPr lang="en-US" altLang="en-US" dirty="0"/>
               <a:t>Do not include optical drives</a:t>
             </a:r>
           </a:p>
@@ -10850,7 +10850,7 @@
               <a:defRPr/>
             </a:pPr>
             <a:r>
-              <a:rPr lang="en-US" altLang="en-US" dirty="0" smtClean="0"/>
+              <a:rPr lang="en-US" altLang="en-US" dirty="0"/>
               <a:t>Often cannot be upgraded</a:t>
             </a:r>
           </a:p>
@@ -10877,14 +10877,14 @@
           <a:ln/>
           <a:extLst>
             <a:ext uri="{909E8E84-426E-40dd-AFC4-6F175D3DCCD1}">
-              <a14:hiddenFill xmlns:a14="http://schemas.microsoft.com/office/drawing/2010/main">
+              <a14:hiddenFill xmlns:a14="http://schemas.microsoft.com/office/drawing/2010/main" xmlns="">
                 <a:solidFill>
                   <a:srgbClr val="FFFFFF"/>
                 </a:solidFill>
               </a14:hiddenFill>
             </a:ext>
             <a:ext uri="{91240B29-F687-4f45-9708-019B960494DF}">
-              <a14:hiddenLine xmlns:a14="http://schemas.microsoft.com/office/drawing/2010/main" w="9525">
+              <a14:hiddenLine xmlns:a14="http://schemas.microsoft.com/office/drawing/2010/main" xmlns="" w="9525">
                 <a:solidFill>
                   <a:srgbClr val="000000"/>
                 </a:solidFill>
@@ -11076,7 +11076,7 @@
               <a:defRPr/>
             </a:pPr>
             <a:r>
-              <a:rPr lang="en-US" altLang="en-US" dirty="0" smtClean="0"/>
+              <a:rPr lang="en-US" altLang="en-US" dirty="0"/>
               <a:t>Mobile Device App Security</a:t>
             </a:r>
           </a:p>
@@ -11086,7 +11086,7 @@
               <a:buChar char="•"/>
               <a:defRPr/>
             </a:pPr>
-            <a:endParaRPr lang="en-US" dirty="0" smtClean="0"/>
+            <a:endParaRPr lang="en-US" dirty="0"/>
           </a:p>
           <a:p>
             <a:pPr marL="171450" indent="-171450">
@@ -11095,7 +11095,7 @@
               <a:defRPr/>
             </a:pPr>
             <a:r>
-              <a:rPr lang="en-US" dirty="0" smtClean="0"/>
+              <a:rPr lang="en-US" dirty="0"/>
               <a:t>Apps on the device should be secured also</a:t>
             </a:r>
           </a:p>
@@ -11106,7 +11106,7 @@
               <a:defRPr/>
             </a:pPr>
             <a:r>
-              <a:rPr lang="en-US" dirty="0" smtClean="0"/>
+              <a:rPr lang="en-US" dirty="0"/>
               <a:t>Apps can require that the user provide authentication (such as a passcode) before access is granted</a:t>
             </a:r>
           </a:p>
@@ -11117,7 +11117,7 @@
               <a:defRPr/>
             </a:pPr>
             <a:r>
-              <a:rPr lang="en-US" dirty="0" smtClean="0"/>
+              <a:rPr lang="en-US" dirty="0"/>
               <a:t>MDMs can support:</a:t>
             </a:r>
           </a:p>
@@ -11128,11 +11128,11 @@
               <a:defRPr/>
             </a:pPr>
             <a:r>
-              <a:rPr lang="en-US" b="1" dirty="0" smtClean="0"/>
+              <a:rPr lang="en-US" b="1" dirty="0"/>
               <a:t>Application whitelisting </a:t>
             </a:r>
             <a:r>
-              <a:rPr lang="en-US" dirty="0" smtClean="0"/>
+              <a:rPr lang="en-US" dirty="0"/>
               <a:t>- ensures that only preapproved apps can run on the device</a:t>
             </a:r>
           </a:p>
@@ -11143,11 +11143,11 @@
               <a:defRPr/>
             </a:pPr>
             <a:r>
-              <a:rPr lang="en-US" b="1" dirty="0" smtClean="0"/>
+              <a:rPr lang="en-US" b="1" dirty="0"/>
               <a:t>Geo-fencing</a:t>
             </a:r>
             <a:r>
-              <a:rPr lang="en-US" dirty="0" smtClean="0"/>
+              <a:rPr lang="en-US" dirty="0"/>
               <a:t> - uses the device’s GPS to define geographical boundaries where the app can be used</a:t>
             </a:r>
           </a:p>
@@ -11158,11 +11158,11 @@
               <a:defRPr/>
             </a:pPr>
             <a:r>
-              <a:rPr lang="en-US" b="1" dirty="0" smtClean="0"/>
+              <a:rPr lang="en-US" b="1" dirty="0"/>
               <a:t>Credential management </a:t>
             </a:r>
             <a:r>
-              <a:rPr lang="en-US" dirty="0" smtClean="0"/>
+              <a:rPr lang="en-US" dirty="0"/>
               <a:t>- stores authentication information</a:t>
             </a:r>
           </a:p>
@@ -11172,7 +11172,7 @@
               <a:buChar char="•"/>
               <a:defRPr/>
             </a:pPr>
-            <a:endParaRPr lang="en-US" dirty="0" smtClean="0"/>
+            <a:endParaRPr lang="en-US" dirty="0"/>
           </a:p>
           <a:p>
             <a:pPr>
@@ -11197,14 +11197,14 @@
           <a:ln/>
           <a:extLst>
             <a:ext uri="{909E8E84-426E-40dd-AFC4-6F175D3DCCD1}">
-              <a14:hiddenFill xmlns:a14="http://schemas.microsoft.com/office/drawing/2010/main">
+              <a14:hiddenFill xmlns:a14="http://schemas.microsoft.com/office/drawing/2010/main" xmlns="">
                 <a:solidFill>
                   <a:srgbClr val="FFFFFF"/>
                 </a:solidFill>
               </a14:hiddenFill>
             </a:ext>
             <a:ext uri="{91240B29-F687-4f45-9708-019B960494DF}">
-              <a14:hiddenLine xmlns:a14="http://schemas.microsoft.com/office/drawing/2010/main" w="9525">
+              <a14:hiddenLine xmlns:a14="http://schemas.microsoft.com/office/drawing/2010/main" xmlns="" w="9525">
                 <a:solidFill>
                   <a:srgbClr val="000000"/>
                 </a:solidFill>
@@ -11396,7 +11396,7 @@
               <a:defRPr/>
             </a:pPr>
             <a:r>
-              <a:rPr lang="en-US" altLang="en-US" dirty="0" smtClean="0"/>
+              <a:rPr lang="en-US" altLang="en-US" dirty="0"/>
               <a:t>BYOD Security</a:t>
             </a:r>
           </a:p>
@@ -11404,7 +11404,7 @@
             <a:pPr>
               <a:defRPr/>
             </a:pPr>
-            <a:endParaRPr lang="en-US" dirty="0" smtClean="0"/>
+            <a:endParaRPr lang="en-US" dirty="0"/>
           </a:p>
           <a:p>
             <a:pPr marL="171450" indent="-171450">
@@ -11413,7 +11413,7 @@
               <a:defRPr/>
             </a:pPr>
             <a:r>
-              <a:rPr lang="en-US" altLang="en-US" dirty="0" smtClean="0"/>
+              <a:rPr lang="en-US" altLang="en-US" dirty="0"/>
               <a:t>Benefits of BYOD for companies:</a:t>
             </a:r>
           </a:p>
@@ -11424,7 +11424,7 @@
               <a:defRPr/>
             </a:pPr>
             <a:r>
-              <a:rPr lang="en-US" altLang="en-US" dirty="0" smtClean="0"/>
+              <a:rPr lang="en-US" altLang="en-US" dirty="0"/>
               <a:t>Management flexibility</a:t>
             </a:r>
           </a:p>
@@ -11435,7 +11435,7 @@
               <a:defRPr/>
             </a:pPr>
             <a:r>
-              <a:rPr lang="en-US" altLang="en-US" dirty="0" smtClean="0"/>
+              <a:rPr lang="en-US" altLang="en-US" dirty="0"/>
               <a:t>Less oversight</a:t>
             </a:r>
           </a:p>
@@ -11446,7 +11446,7 @@
               <a:defRPr/>
             </a:pPr>
             <a:r>
-              <a:rPr lang="en-US" altLang="en-US" dirty="0" smtClean="0"/>
+              <a:rPr lang="en-US" altLang="en-US" dirty="0"/>
               <a:t>Cost savings</a:t>
             </a:r>
           </a:p>
@@ -11457,7 +11457,7 @@
               <a:defRPr/>
             </a:pPr>
             <a:r>
-              <a:rPr lang="en-US" altLang="en-US" dirty="0" smtClean="0"/>
+              <a:rPr lang="en-US" altLang="en-US" dirty="0"/>
               <a:t>Increased employee performance</a:t>
             </a:r>
           </a:p>
@@ -11468,7 +11468,7 @@
               <a:defRPr/>
             </a:pPr>
             <a:r>
-              <a:rPr lang="en-US" altLang="en-US" dirty="0" smtClean="0"/>
+              <a:rPr lang="en-US" altLang="en-US" dirty="0"/>
               <a:t>Simplified IT infrastructure</a:t>
             </a:r>
           </a:p>
@@ -11479,7 +11479,7 @@
               <a:defRPr/>
             </a:pPr>
             <a:r>
-              <a:rPr lang="en-US" altLang="en-US" dirty="0" smtClean="0"/>
+              <a:rPr lang="en-US" altLang="en-US" dirty="0"/>
               <a:t>Reduced internal service</a:t>
             </a:r>
           </a:p>
@@ -11490,7 +11490,7 @@
               <a:defRPr/>
             </a:pPr>
             <a:r>
-              <a:rPr lang="en-US" altLang="en-US" dirty="0" smtClean="0"/>
+              <a:rPr lang="en-US" altLang="en-US" dirty="0"/>
               <a:t>MDMs and MAMs are important in managing BYOD devices</a:t>
             </a:r>
           </a:p>
@@ -11498,7 +11498,7 @@
             <a:pPr>
               <a:defRPr/>
             </a:pPr>
-            <a:endParaRPr lang="en-US" dirty="0" smtClean="0"/>
+            <a:endParaRPr lang="en-US" dirty="0"/>
           </a:p>
         </p:txBody>
       </p:sp>
@@ -11517,14 +11517,14 @@
           <a:ln/>
           <a:extLst>
             <a:ext uri="{909E8E84-426E-40dd-AFC4-6F175D3DCCD1}">
-              <a14:hiddenFill xmlns:a14="http://schemas.microsoft.com/office/drawing/2010/main">
+              <a14:hiddenFill xmlns:a14="http://schemas.microsoft.com/office/drawing/2010/main" xmlns="">
                 <a:solidFill>
                   <a:srgbClr val="FFFFFF"/>
                 </a:solidFill>
               </a14:hiddenFill>
             </a:ext>
             <a:ext uri="{91240B29-F687-4f45-9708-019B960494DF}">
-              <a14:hiddenLine xmlns:a14="http://schemas.microsoft.com/office/drawing/2010/main" w="9525">
+              <a14:hiddenLine xmlns:a14="http://schemas.microsoft.com/office/drawing/2010/main" xmlns="" w="9525">
                 <a:solidFill>
                   <a:srgbClr val="000000"/>
                 </a:solidFill>
@@ -11712,14 +11712,14 @@
           <a:ln/>
           <a:extLst>
             <a:ext uri="{909E8E84-426E-40dd-AFC4-6F175D3DCCD1}">
-              <a14:hiddenFill xmlns:a14="http://schemas.microsoft.com/office/drawing/2010/main">
+              <a14:hiddenFill xmlns:a14="http://schemas.microsoft.com/office/drawing/2010/main" xmlns="">
                 <a:solidFill>
                   <a:srgbClr val="FFFFFF"/>
                 </a:solidFill>
               </a14:hiddenFill>
             </a:ext>
             <a:ext uri="{91240B29-F687-4f45-9708-019B960494DF}">
-              <a14:hiddenLine xmlns:a14="http://schemas.microsoft.com/office/drawing/2010/main" w="9525">
+              <a14:hiddenLine xmlns:a14="http://schemas.microsoft.com/office/drawing/2010/main" xmlns="" w="9525">
                 <a:solidFill>
                   <a:srgbClr val="000000"/>
                 </a:solidFill>
@@ -11735,16 +11735,16 @@
           <a:lstStyle/>
           <a:p>
             <a:r>
-              <a:rPr lang="en-US" altLang="en-US" smtClean="0"/>
+              <a:rPr lang="en-US" altLang="en-US"/>
               <a:t>Portable Computers</a:t>
             </a:r>
           </a:p>
           <a:p>
-            <a:endParaRPr lang="en-US" altLang="en-US" smtClean="0"/>
-          </a:p>
-          <a:p>
-            <a:r>
-              <a:rPr lang="en-US" altLang="en-US" smtClean="0"/>
+            <a:endParaRPr lang="en-US" altLang="en-US"/>
+          </a:p>
+          <a:p>
+            <a:r>
+              <a:rPr lang="en-US" altLang="en-US"/>
               <a:t>Table 10-1  Laptop vs. notebook computers</a:t>
             </a:r>
           </a:p>
@@ -11765,14 +11765,14 @@
           <a:ln/>
           <a:extLst>
             <a:ext uri="{909E8E84-426E-40dd-AFC4-6F175D3DCCD1}">
-              <a14:hiddenFill xmlns:a14="http://schemas.microsoft.com/office/drawing/2010/main">
+              <a14:hiddenFill xmlns:a14="http://schemas.microsoft.com/office/drawing/2010/main" xmlns="">
                 <a:solidFill>
                   <a:srgbClr val="FFFFFF"/>
                 </a:solidFill>
               </a14:hiddenFill>
             </a:ext>
             <a:ext uri="{91240B29-F687-4f45-9708-019B960494DF}">
-              <a14:hiddenLine xmlns:a14="http://schemas.microsoft.com/office/drawing/2010/main" w="9525">
+              <a14:hiddenLine xmlns:a14="http://schemas.microsoft.com/office/drawing/2010/main" xmlns="" w="9525">
                 <a:solidFill>
                   <a:srgbClr val="000000"/>
                 </a:solidFill>
@@ -11964,27 +11964,27 @@
               <a:defRPr/>
             </a:pPr>
             <a:r>
-              <a:rPr lang="en-US" altLang="en-US" dirty="0" smtClean="0"/>
+              <a:rPr lang="en-US" altLang="en-US" dirty="0"/>
               <a:t>10 AM  10</a:t>
             </a:r>
             <a:r>
-              <a:rPr lang="en-US" altLang="en-US" smtClean="0"/>
+              <a:rPr lang="en-US" altLang="en-US"/>
               <a:t>/31 11 AM</a:t>
             </a:r>
-            <a:endParaRPr lang="en-US" altLang="en-US" dirty="0" smtClean="0"/>
+            <a:endParaRPr lang="en-US" altLang="en-US" dirty="0"/>
           </a:p>
           <a:p>
             <a:pPr>
               <a:defRPr/>
             </a:pPr>
-            <a:endParaRPr lang="en-US" altLang="en-US" dirty="0" smtClean="0"/>
+            <a:endParaRPr lang="en-US" altLang="en-US" dirty="0"/>
           </a:p>
           <a:p>
             <a:pPr>
               <a:defRPr/>
             </a:pPr>
             <a:r>
-              <a:rPr lang="en-US" altLang="en-US" dirty="0" smtClean="0"/>
+              <a:rPr lang="en-US" altLang="en-US" dirty="0"/>
               <a:t>Portable Computers</a:t>
             </a:r>
           </a:p>
@@ -11994,7 +11994,7 @@
               <a:buChar char="•"/>
               <a:defRPr/>
             </a:pPr>
-            <a:endParaRPr lang="en-US" dirty="0" smtClean="0"/>
+            <a:endParaRPr lang="en-US" dirty="0"/>
           </a:p>
           <a:p>
             <a:pPr marL="171450" indent="-171450">
@@ -12003,7 +12003,7 @@
               <a:defRPr/>
             </a:pPr>
             <a:r>
-              <a:rPr lang="en-US" altLang="en-US" dirty="0" smtClean="0"/>
+              <a:rPr lang="en-US" altLang="en-US" dirty="0"/>
               <a:t>Subnotebook computers</a:t>
             </a:r>
           </a:p>
@@ -12014,23 +12014,23 @@
               <a:defRPr/>
             </a:pPr>
             <a:r>
-              <a:rPr lang="en-US" altLang="en-US" dirty="0" smtClean="0"/>
+              <a:rPr lang="en-US" altLang="en-US" dirty="0"/>
               <a:t>Sometimes called an </a:t>
             </a:r>
             <a:r>
-              <a:rPr lang="en-US" altLang="en-US" i="1" dirty="0" smtClean="0"/>
+              <a:rPr lang="en-US" altLang="en-US" i="1" dirty="0"/>
               <a:t>ultrabook</a:t>
             </a:r>
             <a:r>
-              <a:rPr lang="en-US" altLang="en-US" dirty="0" smtClean="0"/>
+              <a:rPr lang="en-US" altLang="en-US" dirty="0"/>
               <a:t> (Intel/Windows) or </a:t>
             </a:r>
             <a:r>
-              <a:rPr lang="en-US" altLang="en-US" i="1" dirty="0" smtClean="0"/>
+              <a:rPr lang="en-US" altLang="en-US" i="1" dirty="0"/>
               <a:t>air</a:t>
             </a:r>
             <a:r>
-              <a:rPr lang="en-US" altLang="en-US" dirty="0" smtClean="0"/>
+              <a:rPr lang="en-US" altLang="en-US" dirty="0"/>
               <a:t> (Apple)</a:t>
             </a:r>
           </a:p>
@@ -12041,7 +12041,7 @@
               <a:defRPr/>
             </a:pPr>
             <a:r>
-              <a:rPr lang="en-US" altLang="en-US" dirty="0" smtClean="0"/>
+              <a:rPr lang="en-US" altLang="en-US" dirty="0"/>
               <a:t>Smaller than notebooks and use low-power processors and solid state drives (SSDs)</a:t>
             </a:r>
           </a:p>
@@ -12052,7 +12052,7 @@
               <a:defRPr/>
             </a:pPr>
             <a:r>
-              <a:rPr lang="en-US" altLang="en-US" dirty="0" smtClean="0"/>
+              <a:rPr lang="en-US" altLang="en-US" dirty="0"/>
               <a:t>Generally have a high-definition multimedia interface (HDMI) port and a limited number of USB hardware ports</a:t>
             </a:r>
           </a:p>
@@ -12062,7 +12062,7 @@
               <a:buChar char="•"/>
               <a:defRPr/>
             </a:pPr>
-            <a:endParaRPr lang="en-US" altLang="en-US" dirty="0" smtClean="0"/>
+            <a:endParaRPr lang="en-US" altLang="en-US" dirty="0"/>
           </a:p>
           <a:p>
             <a:pPr>
@@ -12087,14 +12087,14 @@
           <a:ln/>
           <a:extLst>
             <a:ext uri="{909E8E84-426E-40dd-AFC4-6F175D3DCCD1}">
-              <a14:hiddenFill xmlns:a14="http://schemas.microsoft.com/office/drawing/2010/main">
+              <a14:hiddenFill xmlns:a14="http://schemas.microsoft.com/office/drawing/2010/main" xmlns="">
                 <a:solidFill>
                   <a:srgbClr val="FFFFFF"/>
                 </a:solidFill>
               </a14:hiddenFill>
             </a:ext>
             <a:ext uri="{91240B29-F687-4f45-9708-019B960494DF}">
-              <a14:hiddenLine xmlns:a14="http://schemas.microsoft.com/office/drawing/2010/main" w="9525">
+              <a14:hiddenLine xmlns:a14="http://schemas.microsoft.com/office/drawing/2010/main" xmlns="" w="9525">
                 <a:solidFill>
                   <a:srgbClr val="000000"/>
                 </a:solidFill>
@@ -12286,7 +12286,7 @@
               <a:defRPr/>
             </a:pPr>
             <a:r>
-              <a:rPr lang="en-US" altLang="en-US" dirty="0" smtClean="0"/>
+              <a:rPr lang="en-US" altLang="en-US" dirty="0"/>
               <a:t>Portable Computers</a:t>
             </a:r>
           </a:p>
@@ -12294,7 +12294,7 @@
             <a:pPr>
               <a:defRPr/>
             </a:pPr>
-            <a:endParaRPr lang="en-US" dirty="0" smtClean="0"/>
+            <a:endParaRPr lang="en-US" dirty="0"/>
           </a:p>
           <a:p>
             <a:pPr marL="171450" indent="-171450">
@@ -12303,7 +12303,7 @@
               <a:defRPr/>
             </a:pPr>
             <a:r>
-              <a:rPr lang="en-US" altLang="en-US" dirty="0" smtClean="0"/>
+              <a:rPr lang="en-US" altLang="en-US" dirty="0"/>
               <a:t>Web-based computer</a:t>
             </a:r>
           </a:p>
@@ -12314,7 +12314,7 @@
               <a:defRPr/>
             </a:pPr>
             <a:r>
-              <a:rPr lang="en-US" altLang="en-US" dirty="0" smtClean="0"/>
+              <a:rPr lang="en-US" altLang="en-US" dirty="0"/>
               <a:t>Contains a limited version of the Linux OS and a web browser </a:t>
             </a:r>
           </a:p>
@@ -12325,7 +12325,7 @@
               <a:defRPr/>
             </a:pPr>
             <a:r>
-              <a:rPr lang="en-US" altLang="en-US" dirty="0" smtClean="0"/>
+              <a:rPr lang="en-US" altLang="en-US" dirty="0"/>
               <a:t>Has an integrated media player</a:t>
             </a:r>
           </a:p>
@@ -12336,7 +12336,7 @@
               <a:defRPr/>
             </a:pPr>
             <a:r>
-              <a:rPr lang="en-US" altLang="en-US" dirty="0" smtClean="0"/>
+              <a:rPr lang="en-US" altLang="en-US" dirty="0"/>
               <a:t>Designed to be used primarily while connected to the Internet</a:t>
             </a:r>
           </a:p>
@@ -12347,7 +12347,7 @@
               <a:defRPr/>
             </a:pPr>
             <a:r>
-              <a:rPr lang="en-US" altLang="en-US" dirty="0" smtClean="0"/>
+              <a:rPr lang="en-US" altLang="en-US" dirty="0"/>
               <a:t>No traditional applications can be installed</a:t>
             </a:r>
           </a:p>
@@ -12358,7 +12358,7 @@
               <a:defRPr/>
             </a:pPr>
             <a:r>
-              <a:rPr lang="en-US" altLang="en-US" dirty="0" smtClean="0"/>
+              <a:rPr lang="en-US" altLang="en-US" dirty="0"/>
               <a:t>No user files are stored locally</a:t>
             </a:r>
           </a:p>
@@ -12369,7 +12369,7 @@
               <a:defRPr/>
             </a:pPr>
             <a:r>
-              <a:rPr lang="en-US" altLang="en-US" dirty="0" smtClean="0"/>
+              <a:rPr lang="en-US" altLang="en-US" dirty="0"/>
               <a:t>Accesses web apps and saves user files on the Internet</a:t>
             </a:r>
           </a:p>
@@ -12396,14 +12396,14 @@
           <a:ln/>
           <a:extLst>
             <a:ext uri="{909E8E84-426E-40dd-AFC4-6F175D3DCCD1}">
-              <a14:hiddenFill xmlns:a14="http://schemas.microsoft.com/office/drawing/2010/main">
+              <a14:hiddenFill xmlns:a14="http://schemas.microsoft.com/office/drawing/2010/main" xmlns="">
                 <a:solidFill>
                   <a:srgbClr val="FFFFFF"/>
                 </a:solidFill>
               </a14:hiddenFill>
             </a:ext>
             <a:ext uri="{91240B29-F687-4f45-9708-019B960494DF}">
-              <a14:hiddenLine xmlns:a14="http://schemas.microsoft.com/office/drawing/2010/main" w="9525">
+              <a14:hiddenLine xmlns:a14="http://schemas.microsoft.com/office/drawing/2010/main" xmlns="" w="9525">
                 <a:solidFill>
                   <a:srgbClr val="000000"/>
                 </a:solidFill>
@@ -12595,7 +12595,7 @@
               <a:defRPr/>
             </a:pPr>
             <a:r>
-              <a:rPr lang="en-US" altLang="en-US" dirty="0" smtClean="0"/>
+              <a:rPr lang="en-US" altLang="en-US" dirty="0"/>
               <a:t>Tablets</a:t>
             </a:r>
           </a:p>
@@ -12603,7 +12603,7 @@
             <a:pPr>
               <a:defRPr/>
             </a:pPr>
-            <a:endParaRPr lang="en-US" dirty="0" smtClean="0"/>
+            <a:endParaRPr lang="en-US" dirty="0"/>
           </a:p>
           <a:p>
             <a:pPr marL="171450" indent="-171450">
@@ -12612,7 +12612,7 @@
               <a:defRPr/>
             </a:pPr>
             <a:r>
-              <a:rPr lang="en-US" altLang="en-US" dirty="0" smtClean="0"/>
+              <a:rPr lang="en-US" altLang="en-US" dirty="0"/>
               <a:t>Tablets</a:t>
             </a:r>
           </a:p>
@@ -12623,7 +12623,7 @@
               <a:defRPr/>
             </a:pPr>
             <a:r>
-              <a:rPr lang="en-US" altLang="en-US" dirty="0" smtClean="0"/>
+              <a:rPr lang="en-US" altLang="en-US" dirty="0"/>
               <a:t>Portable computing devices generally larger than smartphones and smaller than notebooks</a:t>
             </a:r>
           </a:p>
@@ -12634,7 +12634,7 @@
               <a:defRPr/>
             </a:pPr>
             <a:r>
-              <a:rPr lang="en-US" altLang="en-US" dirty="0" smtClean="0"/>
+              <a:rPr lang="en-US" altLang="en-US" dirty="0"/>
               <a:t>Generally lack a built-in keyboard</a:t>
             </a:r>
           </a:p>
@@ -12645,7 +12645,7 @@
               <a:defRPr/>
             </a:pPr>
             <a:r>
-              <a:rPr lang="en-US" altLang="en-US" dirty="0" smtClean="0"/>
+              <a:rPr lang="en-US" altLang="en-US" dirty="0"/>
               <a:t>Rely on a touch screen</a:t>
             </a:r>
           </a:p>
@@ -12656,7 +12656,7 @@
               <a:defRPr/>
             </a:pPr>
             <a:r>
-              <a:rPr lang="en-US" altLang="en-US" dirty="0" smtClean="0"/>
+              <a:rPr lang="en-US" altLang="en-US" dirty="0"/>
               <a:t>Primary display device with limited user input</a:t>
             </a:r>
           </a:p>
@@ -12667,7 +12667,7 @@
               <a:defRPr/>
             </a:pPr>
             <a:r>
-              <a:rPr lang="en-US" altLang="en-US" dirty="0" smtClean="0"/>
+              <a:rPr lang="en-US" altLang="en-US" dirty="0"/>
               <a:t>Most popular OSs for tablets are Apple iOS, Google Android, and Microsoft Windows</a:t>
             </a:r>
           </a:p>
@@ -12694,14 +12694,14 @@
           <a:ln/>
           <a:extLst>
             <a:ext uri="{909E8E84-426E-40dd-AFC4-6F175D3DCCD1}">
-              <a14:hiddenFill xmlns:a14="http://schemas.microsoft.com/office/drawing/2010/main">
+              <a14:hiddenFill xmlns:a14="http://schemas.microsoft.com/office/drawing/2010/main" xmlns="">
                 <a:solidFill>
                   <a:srgbClr val="FFFFFF"/>
                 </a:solidFill>
               </a14:hiddenFill>
             </a:ext>
             <a:ext uri="{91240B29-F687-4f45-9708-019B960494DF}">
-              <a14:hiddenLine xmlns:a14="http://schemas.microsoft.com/office/drawing/2010/main" w="9525">
+              <a14:hiddenLine xmlns:a14="http://schemas.microsoft.com/office/drawing/2010/main" xmlns="" w="9525">
                 <a:solidFill>
                   <a:srgbClr val="000000"/>
                 </a:solidFill>
@@ -12893,7 +12893,7 @@
               <a:defRPr/>
             </a:pPr>
             <a:r>
-              <a:rPr lang="en-US" altLang="en-US" dirty="0" smtClean="0"/>
+              <a:rPr lang="en-US" altLang="en-US" dirty="0"/>
               <a:t>Smartphones</a:t>
             </a:r>
           </a:p>
@@ -12903,7 +12903,7 @@
               <a:buChar char="•"/>
               <a:defRPr/>
             </a:pPr>
-            <a:endParaRPr lang="en-US" dirty="0" smtClean="0"/>
+            <a:endParaRPr lang="en-US" dirty="0"/>
           </a:p>
           <a:p>
             <a:pPr marL="171450" indent="-171450">
@@ -12912,7 +12912,7 @@
               <a:defRPr/>
             </a:pPr>
             <a:r>
-              <a:rPr lang="en-US" altLang="en-US" dirty="0" smtClean="0"/>
+              <a:rPr lang="en-US" altLang="en-US" dirty="0"/>
               <a:t>Smartphone</a:t>
             </a:r>
           </a:p>
@@ -12923,7 +12923,7 @@
               <a:defRPr/>
             </a:pPr>
             <a:r>
-              <a:rPr lang="en-US" altLang="en-US" dirty="0" smtClean="0"/>
+              <a:rPr lang="en-US" altLang="en-US" dirty="0"/>
               <a:t>Has all the tools that a feature phone has but also includes an OS that allows it to run apps and access the Internet</a:t>
             </a:r>
           </a:p>
@@ -12934,23 +12934,23 @@
               <a:defRPr/>
             </a:pPr>
             <a:r>
-              <a:rPr lang="en-US" altLang="en-US" dirty="0" smtClean="0"/>
+              <a:rPr lang="en-US" altLang="en-US" dirty="0"/>
               <a:t>A </a:t>
             </a:r>
             <a:r>
-              <a:rPr lang="en-US" altLang="en-US" i="1" dirty="0" smtClean="0"/>
+              <a:rPr lang="en-US" altLang="en-US" i="1" dirty="0"/>
               <a:t>feature phone </a:t>
             </a:r>
             <a:r>
-              <a:rPr lang="en-US" altLang="en-US" dirty="0" smtClean="0"/>
+              <a:rPr lang="en-US" altLang="en-US" dirty="0"/>
               <a:t>is a traditional cellular phone with limited features, such as camera, MP3 music player, and the ability to send and receive </a:t>
             </a:r>
             <a:r>
-              <a:rPr lang="en-US" altLang="en-US" i="1" dirty="0" smtClean="0"/>
+              <a:rPr lang="en-US" altLang="en-US" i="1" dirty="0"/>
               <a:t>short message service (SMS)</a:t>
             </a:r>
             <a:r>
-              <a:rPr lang="en-US" altLang="en-US" dirty="0" smtClean="0"/>
+              <a:rPr lang="en-US" altLang="en-US" dirty="0"/>
               <a:t> text messages</a:t>
             </a:r>
           </a:p>
@@ -12961,7 +12961,7 @@
               <a:defRPr/>
             </a:pPr>
             <a:r>
-              <a:rPr lang="en-US" altLang="en-US" dirty="0" smtClean="0"/>
+              <a:rPr lang="en-US" altLang="en-US" dirty="0"/>
               <a:t>Considered handheld personal computers</a:t>
             </a:r>
           </a:p>
@@ -12972,7 +12972,7 @@
               <a:defRPr/>
             </a:pPr>
             <a:r>
-              <a:rPr lang="en-US" altLang="en-US" dirty="0" smtClean="0"/>
+              <a:rPr lang="en-US" altLang="en-US" dirty="0"/>
               <a:t>Because of their ability to run apps</a:t>
             </a:r>
           </a:p>
@@ -12982,7 +12982,7 @@
               <a:buChar char="•"/>
               <a:defRPr/>
             </a:pPr>
-            <a:endParaRPr lang="en-US" altLang="en-US" dirty="0" smtClean="0"/>
+            <a:endParaRPr lang="en-US" altLang="en-US" dirty="0"/>
           </a:p>
           <a:p>
             <a:pPr>
@@ -13007,14 +13007,14 @@
           <a:ln/>
           <a:extLst>
             <a:ext uri="{909E8E84-426E-40dd-AFC4-6F175D3DCCD1}">
-              <a14:hiddenFill xmlns:a14="http://schemas.microsoft.com/office/drawing/2010/main">
+              <a14:hiddenFill xmlns:a14="http://schemas.microsoft.com/office/drawing/2010/main" xmlns="">
                 <a:solidFill>
                   <a:srgbClr val="FFFFFF"/>
                 </a:solidFill>
               </a14:hiddenFill>
             </a:ext>
             <a:ext uri="{91240B29-F687-4f45-9708-019B960494DF}">
-              <a14:hiddenLine xmlns:a14="http://schemas.microsoft.com/office/drawing/2010/main" w="9525">
+              <a14:hiddenLine xmlns:a14="http://schemas.microsoft.com/office/drawing/2010/main" xmlns="" w="9525">
                 <a:solidFill>
                   <a:srgbClr val="000000"/>
                 </a:solidFill>
@@ -13413,10 +13413,9 @@
           <a:lstStyle/>
           <a:p>
             <a:r>
-              <a:rPr lang="en-US" smtClean="0"/>
+              <a:rPr lang="en-US"/>
               <a:t>Click to edit Master title style</a:t>
             </a:r>
-            <a:endParaRPr lang="en-US"/>
           </a:p>
         </p:txBody>
       </p:sp>
@@ -13437,38 +13436,37 @@
           <a:p>
             <a:pPr lvl="0"/>
             <a:r>
-              <a:rPr lang="en-US" smtClean="0"/>
+              <a:rPr lang="en-US"/>
               <a:t>Click to edit Master text styles</a:t>
             </a:r>
           </a:p>
           <a:p>
             <a:pPr lvl="1"/>
             <a:r>
-              <a:rPr lang="en-US" smtClean="0"/>
+              <a:rPr lang="en-US"/>
               <a:t>Second level</a:t>
             </a:r>
           </a:p>
           <a:p>
             <a:pPr lvl="2"/>
             <a:r>
-              <a:rPr lang="en-US" smtClean="0"/>
+              <a:rPr lang="en-US"/>
               <a:t>Third level</a:t>
             </a:r>
           </a:p>
           <a:p>
             <a:pPr lvl="3"/>
             <a:r>
-              <a:rPr lang="en-US" smtClean="0"/>
+              <a:rPr lang="en-US"/>
               <a:t>Fourth level</a:t>
             </a:r>
           </a:p>
           <a:p>
             <a:pPr lvl="4"/>
             <a:r>
-              <a:rPr lang="en-US" smtClean="0"/>
+              <a:rPr lang="en-US"/>
               <a:t>Fifth level</a:t>
             </a:r>
-            <a:endParaRPr lang="en-US"/>
           </a:p>
         </p:txBody>
       </p:sp>
@@ -13584,10 +13582,9 @@
           <a:lstStyle/>
           <a:p>
             <a:r>
-              <a:rPr lang="en-US" smtClean="0"/>
+              <a:rPr lang="en-US"/>
               <a:t>Click to edit Master title style</a:t>
             </a:r>
-            <a:endParaRPr lang="en-US"/>
           </a:p>
         </p:txBody>
       </p:sp>
@@ -13613,38 +13610,37 @@
           <a:p>
             <a:pPr lvl="0"/>
             <a:r>
-              <a:rPr lang="en-US" smtClean="0"/>
+              <a:rPr lang="en-US"/>
               <a:t>Click to edit Master text styles</a:t>
             </a:r>
           </a:p>
           <a:p>
             <a:pPr lvl="1"/>
             <a:r>
-              <a:rPr lang="en-US" smtClean="0"/>
+              <a:rPr lang="en-US"/>
               <a:t>Second level</a:t>
             </a:r>
           </a:p>
           <a:p>
             <a:pPr lvl="2"/>
             <a:r>
-              <a:rPr lang="en-US" smtClean="0"/>
+              <a:rPr lang="en-US"/>
               <a:t>Third level</a:t>
             </a:r>
           </a:p>
           <a:p>
             <a:pPr lvl="3"/>
             <a:r>
-              <a:rPr lang="en-US" smtClean="0"/>
+              <a:rPr lang="en-US"/>
               <a:t>Fourth level</a:t>
             </a:r>
           </a:p>
           <a:p>
             <a:pPr lvl="4"/>
             <a:r>
-              <a:rPr lang="en-US" smtClean="0"/>
+              <a:rPr lang="en-US"/>
               <a:t>Fifth level</a:t>
             </a:r>
-            <a:endParaRPr lang="en-US"/>
           </a:p>
         </p:txBody>
       </p:sp>
@@ -13760,10 +13756,9 @@
           <a:lstStyle/>
           <a:p>
             <a:r>
-              <a:rPr lang="en-US" smtClean="0"/>
+              <a:rPr lang="en-US"/>
               <a:t>Click to edit Master title style</a:t>
             </a:r>
-            <a:endParaRPr lang="en-US"/>
           </a:p>
         </p:txBody>
       </p:sp>
@@ -13825,10 +13820,9 @@
           </a:lstStyle>
           <a:p>
             <a:r>
-              <a:rPr lang="en-US" smtClean="0"/>
+              <a:rPr lang="en-US"/>
               <a:t>Click to edit Master subtitle style</a:t>
             </a:r>
-            <a:endParaRPr lang="en-US"/>
           </a:p>
         </p:txBody>
       </p:sp>
@@ -13967,10 +13961,9 @@
           <a:lstStyle/>
           <a:p>
             <a:r>
-              <a:rPr lang="en-US" smtClean="0"/>
+              <a:rPr lang="en-US"/>
               <a:t>Click to edit Master title style</a:t>
             </a:r>
-            <a:endParaRPr lang="en-US"/>
           </a:p>
         </p:txBody>
       </p:sp>
@@ -13991,38 +13984,37 @@
           <a:p>
             <a:pPr lvl="0"/>
             <a:r>
-              <a:rPr lang="en-US" smtClean="0"/>
+              <a:rPr lang="en-US"/>
               <a:t>Click to edit Master text styles</a:t>
             </a:r>
           </a:p>
           <a:p>
             <a:pPr lvl="1"/>
             <a:r>
-              <a:rPr lang="en-US" smtClean="0"/>
+              <a:rPr lang="en-US"/>
               <a:t>Second level</a:t>
             </a:r>
           </a:p>
           <a:p>
             <a:pPr lvl="2"/>
             <a:r>
-              <a:rPr lang="en-US" smtClean="0"/>
+              <a:rPr lang="en-US"/>
               <a:t>Third level</a:t>
             </a:r>
           </a:p>
           <a:p>
             <a:pPr lvl="3"/>
             <a:r>
-              <a:rPr lang="en-US" smtClean="0"/>
+              <a:rPr lang="en-US"/>
               <a:t>Fourth level</a:t>
             </a:r>
           </a:p>
           <a:p>
             <a:pPr lvl="4"/>
             <a:r>
-              <a:rPr lang="en-US" smtClean="0"/>
+              <a:rPr lang="en-US"/>
               <a:t>Fifth level</a:t>
             </a:r>
-            <a:endParaRPr lang="en-US"/>
           </a:p>
         </p:txBody>
       </p:sp>
@@ -14170,10 +14162,9 @@
           </a:lstStyle>
           <a:p>
             <a:r>
-              <a:rPr lang="en-US" smtClean="0"/>
+              <a:rPr lang="en-US"/>
               <a:t>Click to edit Master title style</a:t>
             </a:r>
-            <a:endParaRPr lang="en-US"/>
           </a:p>
         </p:txBody>
       </p:sp>
@@ -14236,7 +14227,7 @@
           <a:p>
             <a:pPr lvl="0"/>
             <a:r>
-              <a:rPr lang="en-US" smtClean="0"/>
+              <a:rPr lang="en-US"/>
               <a:t>Click to edit Master text styles</a:t>
             </a:r>
           </a:p>
@@ -14377,10 +14368,9 @@
           <a:lstStyle/>
           <a:p>
             <a:r>
-              <a:rPr lang="en-US" smtClean="0"/>
+              <a:rPr lang="en-US"/>
               <a:t>Click to edit Master title style</a:t>
             </a:r>
-            <a:endParaRPr lang="en-US"/>
           </a:p>
         </p:txBody>
       </p:sp>
@@ -14434,38 +14424,37 @@
           <a:p>
             <a:pPr lvl="0"/>
             <a:r>
-              <a:rPr lang="en-US" smtClean="0"/>
+              <a:rPr lang="en-US"/>
               <a:t>Click to edit Master text styles</a:t>
             </a:r>
           </a:p>
           <a:p>
             <a:pPr lvl="1"/>
             <a:r>
-              <a:rPr lang="en-US" smtClean="0"/>
+              <a:rPr lang="en-US"/>
               <a:t>Second level</a:t>
             </a:r>
           </a:p>
           <a:p>
             <a:pPr lvl="2"/>
             <a:r>
-              <a:rPr lang="en-US" smtClean="0"/>
+              <a:rPr lang="en-US"/>
               <a:t>Third level</a:t>
             </a:r>
           </a:p>
           <a:p>
             <a:pPr lvl="3"/>
             <a:r>
-              <a:rPr lang="en-US" smtClean="0"/>
+              <a:rPr lang="en-US"/>
               <a:t>Fourth level</a:t>
             </a:r>
           </a:p>
           <a:p>
             <a:pPr lvl="4"/>
             <a:r>
-              <a:rPr lang="en-US" smtClean="0"/>
+              <a:rPr lang="en-US"/>
               <a:t>Fifth level</a:t>
             </a:r>
-            <a:endParaRPr lang="en-US"/>
           </a:p>
         </p:txBody>
       </p:sp>
@@ -14519,38 +14508,37 @@
           <a:p>
             <a:pPr lvl="0"/>
             <a:r>
-              <a:rPr lang="en-US" smtClean="0"/>
+              <a:rPr lang="en-US"/>
               <a:t>Click to edit Master text styles</a:t>
             </a:r>
           </a:p>
           <a:p>
             <a:pPr lvl="1"/>
             <a:r>
-              <a:rPr lang="en-US" smtClean="0"/>
+              <a:rPr lang="en-US"/>
               <a:t>Second level</a:t>
             </a:r>
           </a:p>
           <a:p>
             <a:pPr lvl="2"/>
             <a:r>
-              <a:rPr lang="en-US" smtClean="0"/>
+              <a:rPr lang="en-US"/>
               <a:t>Third level</a:t>
             </a:r>
           </a:p>
           <a:p>
             <a:pPr lvl="3"/>
             <a:r>
-              <a:rPr lang="en-US" smtClean="0"/>
+              <a:rPr lang="en-US"/>
               <a:t>Fourth level</a:t>
             </a:r>
           </a:p>
           <a:p>
             <a:pPr lvl="4"/>
             <a:r>
-              <a:rPr lang="en-US" smtClean="0"/>
+              <a:rPr lang="en-US"/>
               <a:t>Fifth level</a:t>
             </a:r>
-            <a:endParaRPr lang="en-US"/>
           </a:p>
         </p:txBody>
       </p:sp>
@@ -14698,10 +14686,9 @@
           </a:lstStyle>
           <a:p>
             <a:r>
-              <a:rPr lang="en-US" smtClean="0"/>
+              <a:rPr lang="en-US"/>
               <a:t>Click to edit Master title style</a:t>
             </a:r>
-            <a:endParaRPr lang="en-US"/>
           </a:p>
         </p:txBody>
       </p:sp>
@@ -14764,7 +14751,7 @@
           <a:p>
             <a:pPr lvl="0"/>
             <a:r>
-              <a:rPr lang="en-US" smtClean="0"/>
+              <a:rPr lang="en-US"/>
               <a:t>Click to edit Master text styles</a:t>
             </a:r>
           </a:p>
@@ -14820,38 +14807,37 @@
           <a:p>
             <a:pPr lvl="0"/>
             <a:r>
-              <a:rPr lang="en-US" smtClean="0"/>
+              <a:rPr lang="en-US"/>
               <a:t>Click to edit Master text styles</a:t>
             </a:r>
           </a:p>
           <a:p>
             <a:pPr lvl="1"/>
             <a:r>
-              <a:rPr lang="en-US" smtClean="0"/>
+              <a:rPr lang="en-US"/>
               <a:t>Second level</a:t>
             </a:r>
           </a:p>
           <a:p>
             <a:pPr lvl="2"/>
             <a:r>
-              <a:rPr lang="en-US" smtClean="0"/>
+              <a:rPr lang="en-US"/>
               <a:t>Third level</a:t>
             </a:r>
           </a:p>
           <a:p>
             <a:pPr lvl="3"/>
             <a:r>
-              <a:rPr lang="en-US" smtClean="0"/>
+              <a:rPr lang="en-US"/>
               <a:t>Fourth level</a:t>
             </a:r>
           </a:p>
           <a:p>
             <a:pPr lvl="4"/>
             <a:r>
-              <a:rPr lang="en-US" smtClean="0"/>
+              <a:rPr lang="en-US"/>
               <a:t>Fifth level</a:t>
             </a:r>
-            <a:endParaRPr lang="en-US"/>
           </a:p>
         </p:txBody>
       </p:sp>
@@ -14914,7 +14900,7 @@
           <a:p>
             <a:pPr lvl="0"/>
             <a:r>
-              <a:rPr lang="en-US" smtClean="0"/>
+              <a:rPr lang="en-US"/>
               <a:t>Click to edit Master text styles</a:t>
             </a:r>
           </a:p>
@@ -14970,38 +14956,37 @@
           <a:p>
             <a:pPr lvl="0"/>
             <a:r>
-              <a:rPr lang="en-US" smtClean="0"/>
+              <a:rPr lang="en-US"/>
               <a:t>Click to edit Master text styles</a:t>
             </a:r>
           </a:p>
           <a:p>
             <a:pPr lvl="1"/>
             <a:r>
-              <a:rPr lang="en-US" smtClean="0"/>
+              <a:rPr lang="en-US"/>
               <a:t>Second level</a:t>
             </a:r>
           </a:p>
           <a:p>
             <a:pPr lvl="2"/>
             <a:r>
-              <a:rPr lang="en-US" smtClean="0"/>
+              <a:rPr lang="en-US"/>
               <a:t>Third level</a:t>
             </a:r>
           </a:p>
           <a:p>
             <a:pPr lvl="3"/>
             <a:r>
-              <a:rPr lang="en-US" smtClean="0"/>
+              <a:rPr lang="en-US"/>
               <a:t>Fourth level</a:t>
             </a:r>
           </a:p>
           <a:p>
             <a:pPr lvl="4"/>
             <a:r>
-              <a:rPr lang="en-US" smtClean="0"/>
+              <a:rPr lang="en-US"/>
               <a:t>Fifth level</a:t>
             </a:r>
-            <a:endParaRPr lang="en-US"/>
           </a:p>
         </p:txBody>
       </p:sp>
@@ -15140,10 +15125,9 @@
           <a:lstStyle/>
           <a:p>
             <a:r>
-              <a:rPr lang="en-US" smtClean="0"/>
+              <a:rPr lang="en-US"/>
               <a:t>Click to edit Master title style</a:t>
             </a:r>
-            <a:endParaRPr lang="en-US"/>
           </a:p>
         </p:txBody>
       </p:sp>
@@ -15410,10 +15394,9 @@
           </a:lstStyle>
           <a:p>
             <a:r>
-              <a:rPr lang="en-US" smtClean="0"/>
+              <a:rPr lang="en-US"/>
               <a:t>Click to edit Master title style</a:t>
             </a:r>
-            <a:endParaRPr lang="en-US"/>
           </a:p>
         </p:txBody>
       </p:sp>
@@ -15467,38 +15450,37 @@
           <a:p>
             <a:pPr lvl="0"/>
             <a:r>
-              <a:rPr lang="en-US" smtClean="0"/>
+              <a:rPr lang="en-US"/>
               <a:t>Click to edit Master text styles</a:t>
             </a:r>
           </a:p>
           <a:p>
             <a:pPr lvl="1"/>
             <a:r>
-              <a:rPr lang="en-US" smtClean="0"/>
+              <a:rPr lang="en-US"/>
               <a:t>Second level</a:t>
             </a:r>
           </a:p>
           <a:p>
             <a:pPr lvl="2"/>
             <a:r>
-              <a:rPr lang="en-US" smtClean="0"/>
+              <a:rPr lang="en-US"/>
               <a:t>Third level</a:t>
             </a:r>
           </a:p>
           <a:p>
             <a:pPr lvl="3"/>
             <a:r>
-              <a:rPr lang="en-US" smtClean="0"/>
+              <a:rPr lang="en-US"/>
               <a:t>Fourth level</a:t>
             </a:r>
           </a:p>
           <a:p>
             <a:pPr lvl="4"/>
             <a:r>
-              <a:rPr lang="en-US" smtClean="0"/>
+              <a:rPr lang="en-US"/>
               <a:t>Fifth level</a:t>
             </a:r>
-            <a:endParaRPr lang="en-US"/>
           </a:p>
         </p:txBody>
       </p:sp>
@@ -15561,7 +15543,7 @@
           <a:p>
             <a:pPr lvl="0"/>
             <a:r>
-              <a:rPr lang="en-US" smtClean="0"/>
+              <a:rPr lang="en-US"/>
               <a:t>Click to edit Master text styles</a:t>
             </a:r>
           </a:p>
@@ -15708,14 +15690,14 @@
           </a:ln>
           <a:extLst>
             <a:ext uri="{909E8E84-426E-40dd-AFC4-6F175D3DCCD1}">
-              <a14:hiddenFill xmlns:a14="http://schemas.microsoft.com/office/drawing/2010/main">
+              <a14:hiddenFill xmlns:a14="http://schemas.microsoft.com/office/drawing/2010/main" xmlns="">
                 <a:solidFill>
                   <a:srgbClr val="FFFFFF"/>
                 </a:solidFill>
               </a14:hiddenFill>
             </a:ext>
             <a:ext uri="{91240B29-F687-4f45-9708-019B960494DF}">
-              <a14:hiddenLine xmlns:a14="http://schemas.microsoft.com/office/drawing/2010/main" w="9525">
+              <a14:hiddenLine xmlns:a14="http://schemas.microsoft.com/office/drawing/2010/main" xmlns="" w="9525">
                 <a:solidFill>
                   <a:srgbClr val="000000"/>
                 </a:solidFill>
@@ -15888,10 +15870,9 @@
           <a:lstStyle/>
           <a:p>
             <a:r>
-              <a:rPr lang="en-US" dirty="0" smtClean="0"/>
+              <a:rPr lang="en-US" dirty="0"/>
               <a:t>Click to edit Master title style</a:t>
             </a:r>
-            <a:endParaRPr lang="en-US" dirty="0"/>
           </a:p>
         </p:txBody>
       </p:sp>
@@ -15912,38 +15893,37 @@
           <a:p>
             <a:pPr lvl="0"/>
             <a:r>
-              <a:rPr lang="en-US" smtClean="0"/>
+              <a:rPr lang="en-US"/>
               <a:t>Click to edit Master text styles</a:t>
             </a:r>
           </a:p>
           <a:p>
             <a:pPr lvl="1"/>
             <a:r>
-              <a:rPr lang="en-US" smtClean="0"/>
+              <a:rPr lang="en-US"/>
               <a:t>Second level</a:t>
             </a:r>
           </a:p>
           <a:p>
             <a:pPr lvl="2"/>
             <a:r>
-              <a:rPr lang="en-US" smtClean="0"/>
+              <a:rPr lang="en-US"/>
               <a:t>Third level</a:t>
             </a:r>
           </a:p>
           <a:p>
             <a:pPr lvl="3"/>
             <a:r>
-              <a:rPr lang="en-US" smtClean="0"/>
+              <a:rPr lang="en-US"/>
               <a:t>Fourth level</a:t>
             </a:r>
           </a:p>
           <a:p>
             <a:pPr lvl="4"/>
             <a:r>
-              <a:rPr lang="en-US" smtClean="0"/>
+              <a:rPr lang="en-US"/>
               <a:t>Fifth level</a:t>
             </a:r>
-            <a:endParaRPr lang="en-US"/>
           </a:p>
         </p:txBody>
       </p:sp>
@@ -16069,10 +16049,9 @@
           </a:lstStyle>
           <a:p>
             <a:r>
-              <a:rPr lang="en-US" smtClean="0"/>
+              <a:rPr lang="en-US"/>
               <a:t>Click to edit Master title style</a:t>
             </a:r>
-            <a:endParaRPr lang="en-US"/>
           </a:p>
         </p:txBody>
       </p:sp>
@@ -16134,7 +16113,7 @@
           </a:lstStyle>
           <a:p>
             <a:pPr lvl="0"/>
-            <a:endParaRPr lang="en-US" noProof="0" dirty="0" smtClean="0"/>
+            <a:endParaRPr lang="en-US" noProof="0" dirty="0"/>
           </a:p>
         </p:txBody>
       </p:sp>
@@ -16197,7 +16176,7 @@
           <a:p>
             <a:pPr lvl="0"/>
             <a:r>
-              <a:rPr lang="en-US" smtClean="0"/>
+              <a:rPr lang="en-US"/>
               <a:t>Click to edit Master text styles</a:t>
             </a:r>
           </a:p>
@@ -16338,10 +16317,9 @@
           <a:lstStyle/>
           <a:p>
             <a:r>
-              <a:rPr lang="en-US" smtClean="0"/>
+              <a:rPr lang="en-US"/>
               <a:t>Click to edit Master title style</a:t>
             </a:r>
-            <a:endParaRPr lang="en-US"/>
           </a:p>
         </p:txBody>
       </p:sp>
@@ -16362,38 +16340,37 @@
           <a:p>
             <a:pPr lvl="0"/>
             <a:r>
-              <a:rPr lang="en-US" smtClean="0"/>
+              <a:rPr lang="en-US"/>
               <a:t>Click to edit Master text styles</a:t>
             </a:r>
           </a:p>
           <a:p>
             <a:pPr lvl="1"/>
             <a:r>
-              <a:rPr lang="en-US" smtClean="0"/>
+              <a:rPr lang="en-US"/>
               <a:t>Second level</a:t>
             </a:r>
           </a:p>
           <a:p>
             <a:pPr lvl="2"/>
             <a:r>
-              <a:rPr lang="en-US" smtClean="0"/>
+              <a:rPr lang="en-US"/>
               <a:t>Third level</a:t>
             </a:r>
           </a:p>
           <a:p>
             <a:pPr lvl="3"/>
             <a:r>
-              <a:rPr lang="en-US" smtClean="0"/>
+              <a:rPr lang="en-US"/>
               <a:t>Fourth level</a:t>
             </a:r>
           </a:p>
           <a:p>
             <a:pPr lvl="4"/>
             <a:r>
-              <a:rPr lang="en-US" smtClean="0"/>
+              <a:rPr lang="en-US"/>
               <a:t>Fifth level</a:t>
             </a:r>
-            <a:endParaRPr lang="en-US"/>
           </a:p>
         </p:txBody>
       </p:sp>
@@ -16537,10 +16514,9 @@
           <a:lstStyle/>
           <a:p>
             <a:r>
-              <a:rPr lang="en-US" smtClean="0"/>
+              <a:rPr lang="en-US"/>
               <a:t>Click to edit Master title style</a:t>
             </a:r>
-            <a:endParaRPr lang="en-US"/>
           </a:p>
         </p:txBody>
       </p:sp>
@@ -16566,38 +16542,37 @@
           <a:p>
             <a:pPr lvl="0"/>
             <a:r>
-              <a:rPr lang="en-US" smtClean="0"/>
+              <a:rPr lang="en-US"/>
               <a:t>Click to edit Master text styles</a:t>
             </a:r>
           </a:p>
           <a:p>
             <a:pPr lvl="1"/>
             <a:r>
-              <a:rPr lang="en-US" smtClean="0"/>
+              <a:rPr lang="en-US"/>
               <a:t>Second level</a:t>
             </a:r>
           </a:p>
           <a:p>
             <a:pPr lvl="2"/>
             <a:r>
-              <a:rPr lang="en-US" smtClean="0"/>
+              <a:rPr lang="en-US"/>
               <a:t>Third level</a:t>
             </a:r>
           </a:p>
           <a:p>
             <a:pPr lvl="3"/>
             <a:r>
-              <a:rPr lang="en-US" smtClean="0"/>
+              <a:rPr lang="en-US"/>
               <a:t>Fourth level</a:t>
             </a:r>
           </a:p>
           <a:p>
             <a:pPr lvl="4"/>
             <a:r>
-              <a:rPr lang="en-US" smtClean="0"/>
+              <a:rPr lang="en-US"/>
               <a:t>Fifth level</a:t>
             </a:r>
-            <a:endParaRPr lang="en-US"/>
           </a:p>
         </p:txBody>
       </p:sp>
@@ -16745,10 +16720,9 @@
           </a:lstStyle>
           <a:p>
             <a:r>
-              <a:rPr lang="en-US" smtClean="0"/>
+              <a:rPr lang="en-US"/>
               <a:t>Click to edit Master title style</a:t>
             </a:r>
-            <a:endParaRPr lang="en-US"/>
           </a:p>
         </p:txBody>
       </p:sp>
@@ -16811,7 +16785,7 @@
           <a:p>
             <a:pPr lvl="0"/>
             <a:r>
-              <a:rPr lang="en-US" smtClean="0"/>
+              <a:rPr lang="en-US"/>
               <a:t>Click to edit Master text styles</a:t>
             </a:r>
           </a:p>
@@ -16924,10 +16898,9 @@
           <a:lstStyle/>
           <a:p>
             <a:r>
-              <a:rPr lang="en-US" smtClean="0"/>
+              <a:rPr lang="en-US"/>
               <a:t>Click to edit Master title style</a:t>
             </a:r>
-            <a:endParaRPr lang="en-US"/>
           </a:p>
         </p:txBody>
       </p:sp>
@@ -16981,38 +16954,37 @@
           <a:p>
             <a:pPr lvl="0"/>
             <a:r>
-              <a:rPr lang="en-US" smtClean="0"/>
+              <a:rPr lang="en-US"/>
               <a:t>Click to edit Master text styles</a:t>
             </a:r>
           </a:p>
           <a:p>
             <a:pPr lvl="1"/>
             <a:r>
-              <a:rPr lang="en-US" smtClean="0"/>
+              <a:rPr lang="en-US"/>
               <a:t>Second level</a:t>
             </a:r>
           </a:p>
           <a:p>
             <a:pPr lvl="2"/>
             <a:r>
-              <a:rPr lang="en-US" smtClean="0"/>
+              <a:rPr lang="en-US"/>
               <a:t>Third level</a:t>
             </a:r>
           </a:p>
           <a:p>
             <a:pPr lvl="3"/>
             <a:r>
-              <a:rPr lang="en-US" smtClean="0"/>
+              <a:rPr lang="en-US"/>
               <a:t>Fourth level</a:t>
             </a:r>
           </a:p>
           <a:p>
             <a:pPr lvl="4"/>
             <a:r>
-              <a:rPr lang="en-US" smtClean="0"/>
+              <a:rPr lang="en-US"/>
               <a:t>Fifth level</a:t>
             </a:r>
-            <a:endParaRPr lang="en-US"/>
           </a:p>
         </p:txBody>
       </p:sp>
@@ -17066,38 +17038,37 @@
           <a:p>
             <a:pPr lvl="0"/>
             <a:r>
-              <a:rPr lang="en-US" smtClean="0"/>
+              <a:rPr lang="en-US"/>
               <a:t>Click to edit Master text styles</a:t>
             </a:r>
           </a:p>
           <a:p>
             <a:pPr lvl="1"/>
             <a:r>
-              <a:rPr lang="en-US" smtClean="0"/>
+              <a:rPr lang="en-US"/>
               <a:t>Second level</a:t>
             </a:r>
           </a:p>
           <a:p>
             <a:pPr lvl="2"/>
             <a:r>
-              <a:rPr lang="en-US" smtClean="0"/>
+              <a:rPr lang="en-US"/>
               <a:t>Third level</a:t>
             </a:r>
           </a:p>
           <a:p>
             <a:pPr lvl="3"/>
             <a:r>
-              <a:rPr lang="en-US" smtClean="0"/>
+              <a:rPr lang="en-US"/>
               <a:t>Fourth level</a:t>
             </a:r>
           </a:p>
           <a:p>
             <a:pPr lvl="4"/>
             <a:r>
-              <a:rPr lang="en-US" smtClean="0"/>
+              <a:rPr lang="en-US"/>
               <a:t>Fifth level</a:t>
             </a:r>
-            <a:endParaRPr lang="en-US"/>
           </a:p>
         </p:txBody>
       </p:sp>
@@ -17217,10 +17188,9 @@
           </a:lstStyle>
           <a:p>
             <a:r>
-              <a:rPr lang="en-US" smtClean="0"/>
+              <a:rPr lang="en-US"/>
               <a:t>Click to edit Master title style</a:t>
             </a:r>
-            <a:endParaRPr lang="en-US"/>
           </a:p>
         </p:txBody>
       </p:sp>
@@ -17283,7 +17253,7 @@
           <a:p>
             <a:pPr lvl="0"/>
             <a:r>
-              <a:rPr lang="en-US" smtClean="0"/>
+              <a:rPr lang="en-US"/>
               <a:t>Click to edit Master text styles</a:t>
             </a:r>
           </a:p>
@@ -17339,38 +17309,37 @@
           <a:p>
             <a:pPr lvl="0"/>
             <a:r>
-              <a:rPr lang="en-US" smtClean="0"/>
+              <a:rPr lang="en-US"/>
               <a:t>Click to edit Master text styles</a:t>
             </a:r>
           </a:p>
           <a:p>
             <a:pPr lvl="1"/>
             <a:r>
-              <a:rPr lang="en-US" smtClean="0"/>
+              <a:rPr lang="en-US"/>
               <a:t>Second level</a:t>
             </a:r>
           </a:p>
           <a:p>
             <a:pPr lvl="2"/>
             <a:r>
-              <a:rPr lang="en-US" smtClean="0"/>
+              <a:rPr lang="en-US"/>
               <a:t>Third level</a:t>
             </a:r>
           </a:p>
           <a:p>
             <a:pPr lvl="3"/>
             <a:r>
-              <a:rPr lang="en-US" smtClean="0"/>
+              <a:rPr lang="en-US"/>
               <a:t>Fourth level</a:t>
             </a:r>
           </a:p>
           <a:p>
             <a:pPr lvl="4"/>
             <a:r>
-              <a:rPr lang="en-US" smtClean="0"/>
+              <a:rPr lang="en-US"/>
               <a:t>Fifth level</a:t>
             </a:r>
-            <a:endParaRPr lang="en-US"/>
           </a:p>
         </p:txBody>
       </p:sp>
@@ -17433,7 +17402,7 @@
           <a:p>
             <a:pPr lvl="0"/>
             <a:r>
-              <a:rPr lang="en-US" smtClean="0"/>
+              <a:rPr lang="en-US"/>
               <a:t>Click to edit Master text styles</a:t>
             </a:r>
           </a:p>
@@ -17489,38 +17458,37 @@
           <a:p>
             <a:pPr lvl="0"/>
             <a:r>
-              <a:rPr lang="en-US" smtClean="0"/>
+              <a:rPr lang="en-US"/>
               <a:t>Click to edit Master text styles</a:t>
             </a:r>
           </a:p>
           <a:p>
             <a:pPr lvl="1"/>
             <a:r>
-              <a:rPr lang="en-US" smtClean="0"/>
+              <a:rPr lang="en-US"/>
               <a:t>Second level</a:t>
             </a:r>
           </a:p>
           <a:p>
             <a:pPr lvl="2"/>
             <a:r>
-              <a:rPr lang="en-US" smtClean="0"/>
+              <a:rPr lang="en-US"/>
               <a:t>Third level</a:t>
             </a:r>
           </a:p>
           <a:p>
             <a:pPr lvl="3"/>
             <a:r>
-              <a:rPr lang="en-US" smtClean="0"/>
+              <a:rPr lang="en-US"/>
               <a:t>Fourth level</a:t>
             </a:r>
           </a:p>
           <a:p>
             <a:pPr lvl="4"/>
             <a:r>
-              <a:rPr lang="en-US" smtClean="0"/>
+              <a:rPr lang="en-US"/>
               <a:t>Fifth level</a:t>
             </a:r>
-            <a:endParaRPr lang="en-US"/>
           </a:p>
         </p:txBody>
       </p:sp>
@@ -17631,10 +17599,9 @@
           <a:lstStyle/>
           <a:p>
             <a:r>
-              <a:rPr lang="en-US" smtClean="0"/>
+              <a:rPr lang="en-US"/>
               <a:t>Click to edit Master title style</a:t>
             </a:r>
-            <a:endParaRPr lang="en-US"/>
           </a:p>
         </p:txBody>
       </p:sp>
@@ -17845,10 +17812,9 @@
           </a:lstStyle>
           <a:p>
             <a:r>
-              <a:rPr lang="en-US" smtClean="0"/>
+              <a:rPr lang="en-US"/>
               <a:t>Click to edit Master title style</a:t>
             </a:r>
-            <a:endParaRPr lang="en-US"/>
           </a:p>
         </p:txBody>
       </p:sp>
@@ -17902,38 +17868,37 @@
           <a:p>
             <a:pPr lvl="0"/>
             <a:r>
-              <a:rPr lang="en-US" smtClean="0"/>
+              <a:rPr lang="en-US"/>
               <a:t>Click to edit Master text styles</a:t>
             </a:r>
           </a:p>
           <a:p>
             <a:pPr lvl="1"/>
             <a:r>
-              <a:rPr lang="en-US" smtClean="0"/>
+              <a:rPr lang="en-US"/>
               <a:t>Second level</a:t>
             </a:r>
           </a:p>
           <a:p>
             <a:pPr lvl="2"/>
             <a:r>
-              <a:rPr lang="en-US" smtClean="0"/>
+              <a:rPr lang="en-US"/>
               <a:t>Third level</a:t>
             </a:r>
           </a:p>
           <a:p>
             <a:pPr lvl="3"/>
             <a:r>
-              <a:rPr lang="en-US" smtClean="0"/>
+              <a:rPr lang="en-US"/>
               <a:t>Fourth level</a:t>
             </a:r>
           </a:p>
           <a:p>
             <a:pPr lvl="4"/>
             <a:r>
-              <a:rPr lang="en-US" smtClean="0"/>
+              <a:rPr lang="en-US"/>
               <a:t>Fifth level</a:t>
             </a:r>
-            <a:endParaRPr lang="en-US"/>
           </a:p>
         </p:txBody>
       </p:sp>
@@ -17996,7 +17961,7 @@
           <a:p>
             <a:pPr lvl="0"/>
             <a:r>
-              <a:rPr lang="en-US" smtClean="0"/>
+              <a:rPr lang="en-US"/>
               <a:t>Click to edit Master text styles</a:t>
             </a:r>
           </a:p>
@@ -18118,10 +18083,9 @@
           </a:lstStyle>
           <a:p>
             <a:r>
-              <a:rPr lang="en-US" smtClean="0"/>
+              <a:rPr lang="en-US"/>
               <a:t>Click to edit Master title style</a:t>
             </a:r>
-            <a:endParaRPr lang="en-US"/>
           </a:p>
         </p:txBody>
       </p:sp>
@@ -18183,7 +18147,7 @@
           </a:lstStyle>
           <a:p>
             <a:pPr lvl="0"/>
-            <a:endParaRPr lang="en-US" noProof="0" dirty="0" smtClean="0"/>
+            <a:endParaRPr lang="en-US" noProof="0" dirty="0"/>
           </a:p>
         </p:txBody>
       </p:sp>
@@ -18246,7 +18210,7 @@
           <a:p>
             <a:pPr lvl="0"/>
             <a:r>
-              <a:rPr lang="en-US" smtClean="0"/>
+              <a:rPr lang="en-US"/>
               <a:t>Click to edit Master text styles</a:t>
             </a:r>
           </a:p>
@@ -18375,14 +18339,14 @@
           </a:ln>
           <a:extLst>
             <a:ext uri="{909E8E84-426E-40dd-AFC4-6F175D3DCCD1}">
-              <a14:hiddenFill xmlns:a14="http://schemas.microsoft.com/office/drawing/2010/main">
+              <a14:hiddenFill xmlns:a14="http://schemas.microsoft.com/office/drawing/2010/main" xmlns="">
                 <a:solidFill>
                   <a:srgbClr val="FFFFFF"/>
                 </a:solidFill>
               </a14:hiddenFill>
             </a:ext>
             <a:ext uri="{91240B29-F687-4f45-9708-019B960494DF}">
-              <a14:hiddenLine xmlns:a14="http://schemas.microsoft.com/office/drawing/2010/main" w="9525">
+              <a14:hiddenLine xmlns:a14="http://schemas.microsoft.com/office/drawing/2010/main" xmlns="" w="9525">
                 <a:solidFill>
                   <a:srgbClr val="000000"/>
                 </a:solidFill>
@@ -18403,7 +18367,7 @@
           <a:p>
             <a:pPr lvl="0"/>
             <a:r>
-              <a:rPr lang="en-US" altLang="en-US" smtClean="0"/>
+              <a:rPr lang="en-US" altLang="en-US"/>
               <a:t>Click to edit Master title style</a:t>
             </a:r>
           </a:p>
@@ -18433,14 +18397,14 @@
           </a:ln>
           <a:extLst>
             <a:ext uri="{909E8E84-426E-40dd-AFC4-6F175D3DCCD1}">
-              <a14:hiddenFill xmlns:a14="http://schemas.microsoft.com/office/drawing/2010/main">
+              <a14:hiddenFill xmlns:a14="http://schemas.microsoft.com/office/drawing/2010/main" xmlns="">
                 <a:solidFill>
                   <a:srgbClr val="FFFFFF"/>
                 </a:solidFill>
               </a14:hiddenFill>
             </a:ext>
             <a:ext uri="{91240B29-F687-4f45-9708-019B960494DF}">
-              <a14:hiddenLine xmlns:a14="http://schemas.microsoft.com/office/drawing/2010/main" w="9525">
+              <a14:hiddenLine xmlns:a14="http://schemas.microsoft.com/office/drawing/2010/main" xmlns="" w="9525">
                 <a:solidFill>
                   <a:srgbClr val="000000"/>
                 </a:solidFill>
@@ -18461,28 +18425,28 @@
           <a:p>
             <a:pPr lvl="0"/>
             <a:r>
-              <a:rPr lang="en-US" altLang="en-US" smtClean="0"/>
+              <a:rPr lang="en-US" altLang="en-US"/>
               <a:t>Click to edit Master text styles</a:t>
             </a:r>
           </a:p>
           <a:p>
             <a:pPr lvl="1"/>
             <a:r>
-              <a:rPr lang="en-US" altLang="en-US" smtClean="0"/>
+              <a:rPr lang="en-US" altLang="en-US"/>
               <a:t>Second level</a:t>
             </a:r>
           </a:p>
           <a:p>
             <a:pPr lvl="2"/>
             <a:r>
-              <a:rPr lang="en-US" altLang="en-US" smtClean="0"/>
+              <a:rPr lang="en-US" altLang="en-US"/>
               <a:t>Third level</a:t>
             </a:r>
           </a:p>
           <a:p>
             <a:pPr lvl="3"/>
             <a:r>
-              <a:rPr lang="en-US" altLang="en-US" smtClean="0"/>
+              <a:rPr lang="en-US" altLang="en-US"/>
               <a:t>Fourth level</a:t>
             </a:r>
           </a:p>
@@ -19034,14 +18998,14 @@
           </a:ln>
           <a:extLst>
             <a:ext uri="{909E8E84-426E-40dd-AFC4-6F175D3DCCD1}">
-              <a14:hiddenFill xmlns:a14="http://schemas.microsoft.com/office/drawing/2010/main">
+              <a14:hiddenFill xmlns:a14="http://schemas.microsoft.com/office/drawing/2010/main" xmlns="">
                 <a:solidFill>
                   <a:srgbClr val="FFFFFF"/>
                 </a:solidFill>
               </a14:hiddenFill>
             </a:ext>
             <a:ext uri="{91240B29-F687-4f45-9708-019B960494DF}">
-              <a14:hiddenLine xmlns:a14="http://schemas.microsoft.com/office/drawing/2010/main" w="9525">
+              <a14:hiddenLine xmlns:a14="http://schemas.microsoft.com/office/drawing/2010/main" xmlns="" w="9525">
                 <a:solidFill>
                   <a:srgbClr val="000000"/>
                 </a:solidFill>
@@ -19062,7 +19026,7 @@
           <a:p>
             <a:pPr lvl="0"/>
             <a:r>
-              <a:rPr lang="en-US" altLang="en-US" smtClean="0"/>
+              <a:rPr lang="en-US" altLang="en-US"/>
               <a:t>Click to edit Master title style</a:t>
             </a:r>
           </a:p>
@@ -19092,14 +19056,14 @@
           </a:ln>
           <a:extLst>
             <a:ext uri="{909E8E84-426E-40dd-AFC4-6F175D3DCCD1}">
-              <a14:hiddenFill xmlns:a14="http://schemas.microsoft.com/office/drawing/2010/main">
+              <a14:hiddenFill xmlns:a14="http://schemas.microsoft.com/office/drawing/2010/main" xmlns="">
                 <a:solidFill>
                   <a:srgbClr val="FFFFFF"/>
                 </a:solidFill>
               </a14:hiddenFill>
             </a:ext>
             <a:ext uri="{91240B29-F687-4f45-9708-019B960494DF}">
-              <a14:hiddenLine xmlns:a14="http://schemas.microsoft.com/office/drawing/2010/main" w="9525">
+              <a14:hiddenLine xmlns:a14="http://schemas.microsoft.com/office/drawing/2010/main" xmlns="" w="9525">
                 <a:solidFill>
                   <a:srgbClr val="000000"/>
                 </a:solidFill>
@@ -19120,28 +19084,28 @@
           <a:p>
             <a:pPr lvl="0"/>
             <a:r>
-              <a:rPr lang="en-US" altLang="en-US" smtClean="0"/>
+              <a:rPr lang="en-US" altLang="en-US"/>
               <a:t>Click to edit Master text styles</a:t>
             </a:r>
           </a:p>
           <a:p>
             <a:pPr lvl="1"/>
             <a:r>
-              <a:rPr lang="en-US" altLang="en-US" smtClean="0"/>
+              <a:rPr lang="en-US" altLang="en-US"/>
               <a:t>Second level</a:t>
             </a:r>
           </a:p>
           <a:p>
             <a:pPr lvl="2"/>
             <a:r>
-              <a:rPr lang="en-US" altLang="en-US" smtClean="0"/>
+              <a:rPr lang="en-US" altLang="en-US"/>
               <a:t>Third level</a:t>
             </a:r>
           </a:p>
           <a:p>
             <a:pPr lvl="3"/>
             <a:r>
-              <a:rPr lang="en-US" altLang="en-US" smtClean="0"/>
+              <a:rPr lang="en-US" altLang="en-US"/>
               <a:t>Fourth level</a:t>
             </a:r>
           </a:p>
@@ -19714,7 +19678,7 @@
           <a:lstStyle/>
           <a:p>
             <a:r>
-              <a:rPr lang="en-US" altLang="en-US" smtClean="0"/>
+              <a:rPr lang="en-US" altLang="en-US"/>
               <a:t>Types of Mobile Devices</a:t>
             </a:r>
           </a:p>
@@ -19736,71 +19700,71 @@
           <a:lstStyle/>
           <a:p>
             <a:r>
-              <a:rPr lang="en-US" altLang="en-US" dirty="0" smtClean="0"/>
+              <a:rPr lang="en-US" altLang="en-US" dirty="0"/>
               <a:t>Characteristics of mobile devices:</a:t>
             </a:r>
           </a:p>
           <a:p>
             <a:pPr lvl="1"/>
             <a:r>
-              <a:rPr lang="en-US" altLang="en-US" dirty="0" smtClean="0"/>
+              <a:rPr lang="en-US" altLang="en-US" dirty="0"/>
               <a:t>Small form factor</a:t>
             </a:r>
           </a:p>
           <a:p>
             <a:pPr lvl="1"/>
             <a:r>
-              <a:rPr lang="en-US" altLang="en-US" dirty="0" smtClean="0"/>
+              <a:rPr lang="en-US" altLang="en-US" dirty="0"/>
               <a:t>Wireless data </a:t>
             </a:r>
             <a:r>
-              <a:rPr lang="en-US" altLang="en-US" dirty="0" err="1" smtClean="0"/>
+              <a:rPr lang="en-US" altLang="en-US" dirty="0" err="1"/>
               <a:t>NIC</a:t>
             </a:r>
             <a:r>
-              <a:rPr lang="en-US" altLang="en-US" dirty="0" smtClean="0"/>
+              <a:rPr lang="en-US" altLang="en-US" dirty="0"/>
               <a:t> for accessing the Internet</a:t>
             </a:r>
           </a:p>
           <a:p>
             <a:pPr lvl="1"/>
             <a:r>
-              <a:rPr lang="en-US" altLang="en-US" dirty="0" smtClean="0"/>
+              <a:rPr lang="en-US" altLang="en-US" dirty="0"/>
               <a:t>Mobile OS</a:t>
             </a:r>
           </a:p>
           <a:p>
             <a:pPr lvl="1"/>
             <a:r>
-              <a:rPr lang="en-US" altLang="en-US" dirty="0" smtClean="0"/>
+              <a:rPr lang="en-US" altLang="en-US" dirty="0"/>
               <a:t>Apps acquired through different means, </a:t>
             </a:r>
           </a:p>
           <a:p>
             <a:pPr lvl="2"/>
             <a:r>
-              <a:rPr lang="en-US" altLang="en-US" dirty="0" smtClean="0"/>
+              <a:rPr lang="en-US" altLang="en-US" dirty="0"/>
               <a:t>downloaded from the Web </a:t>
             </a:r>
           </a:p>
           <a:p>
             <a:pPr lvl="2"/>
             <a:r>
-              <a:rPr lang="en-US" altLang="en-US" dirty="0" smtClean="0"/>
+              <a:rPr lang="en-US" altLang="en-US" dirty="0"/>
               <a:t>provided by the wireless data carrier</a:t>
             </a:r>
           </a:p>
           <a:p>
             <a:pPr lvl="1"/>
             <a:r>
-              <a:rPr lang="en-US" altLang="en-US" dirty="0" smtClean="0"/>
+              <a:rPr lang="en-US" altLang="en-US" dirty="0"/>
               <a:t>Data synchronization possible with separate computer or remote servers</a:t>
             </a:r>
           </a:p>
           <a:p>
             <a:pPr lvl="1"/>
             <a:r>
-              <a:rPr lang="en-US" altLang="en-US" dirty="0" smtClean="0"/>
+              <a:rPr lang="en-US" altLang="en-US" dirty="0"/>
               <a:t>Local non-removable data storage</a:t>
             </a:r>
           </a:p>
@@ -19821,14 +19785,14 @@
           <a:ln/>
           <a:extLst>
             <a:ext uri="{909E8E84-426E-40dd-AFC4-6F175D3DCCD1}">
-              <a14:hiddenFill xmlns:a14="http://schemas.microsoft.com/office/drawing/2010/main">
+              <a14:hiddenFill xmlns:a14="http://schemas.microsoft.com/office/drawing/2010/main" xmlns="">
                 <a:solidFill>
                   <a:srgbClr val="FFFFFF"/>
                 </a:solidFill>
               </a14:hiddenFill>
             </a:ext>
             <a:ext uri="{91240B29-F687-4f45-9708-019B960494DF}">
-              <a14:hiddenLine xmlns:a14="http://schemas.microsoft.com/office/drawing/2010/main" w="9525">
+              <a14:hiddenLine xmlns:a14="http://schemas.microsoft.com/office/drawing/2010/main" xmlns="" w="9525">
                 <a:solidFill>
                   <a:srgbClr val="000000"/>
                 </a:solidFill>
@@ -19994,7 +19958,7 @@
   <p:timing>
     <p:tnLst>
       <p:par>
-        <p:cTn xmlns:p14="http://schemas.microsoft.com/office/powerpoint/2010/main" id="1" dur="indefinite" restart="never" nodeType="tmRoot">
+        <p:cTn id="1" dur="indefinite" restart="never" nodeType="tmRoot">
           <p:childTnLst>
             <p:seq concurrent="1" nextAc="seek">
               <p:cTn id="2" dur="indefinite" nodeType="mainSeq">
@@ -20498,7 +20462,7 @@
           <a:lstStyle/>
           <a:p>
             <a:r>
-              <a:rPr lang="en-US" altLang="en-US" smtClean="0"/>
+              <a:rPr lang="en-US" altLang="en-US"/>
               <a:t>Smartphones</a:t>
             </a:r>
           </a:p>
@@ -20519,14 +20483,14 @@
           <a:ln/>
           <a:extLst>
             <a:ext uri="{909E8E84-426E-40dd-AFC4-6F175D3DCCD1}">
-              <a14:hiddenFill xmlns:a14="http://schemas.microsoft.com/office/drawing/2010/main">
+              <a14:hiddenFill xmlns:a14="http://schemas.microsoft.com/office/drawing/2010/main" xmlns="">
                 <a:solidFill>
                   <a:srgbClr val="FFFFFF"/>
                 </a:solidFill>
               </a14:hiddenFill>
             </a:ext>
             <a:ext uri="{91240B29-F687-4f45-9708-019B960494DF}">
-              <a14:hiddenLine xmlns:a14="http://schemas.microsoft.com/office/drawing/2010/main" w="9525">
+              <a14:hiddenLine xmlns:a14="http://schemas.microsoft.com/office/drawing/2010/main" xmlns="" w="9525">
                 <a:solidFill>
                   <a:srgbClr val="000000"/>
                 </a:solidFill>
@@ -20713,13 +20677,6 @@
   <p:clrMapOvr>
     <a:masterClrMapping/>
   </p:clrMapOvr>
-  <p:timing>
-    <p:tnLst>
-      <p:par>
-        <p:cTn xmlns:p14="http://schemas.microsoft.com/office/powerpoint/2010/main" id="1" dur="indefinite" restart="never" nodeType="tmRoot"/>
-      </p:par>
-    </p:tnLst>
-  </p:timing>
 </p:sld>
 </file>
 
@@ -20756,7 +20713,7 @@
           <a:lstStyle/>
           <a:p>
             <a:r>
-              <a:rPr lang="en-US" altLang="en-US" smtClean="0"/>
+              <a:rPr lang="en-US" altLang="en-US"/>
               <a:t>Wearable Technology</a:t>
             </a:r>
           </a:p>
@@ -20778,48 +20735,48 @@
           <a:lstStyle/>
           <a:p>
             <a:r>
-              <a:rPr lang="en-US" altLang="en-US" dirty="0" smtClean="0"/>
+              <a:rPr lang="en-US" altLang="en-US" dirty="0"/>
               <a:t>Wearable technology</a:t>
             </a:r>
           </a:p>
           <a:p>
             <a:pPr lvl="1"/>
             <a:r>
-              <a:rPr lang="en-US" altLang="en-US" dirty="0" smtClean="0"/>
+              <a:rPr lang="en-US" altLang="en-US" dirty="0"/>
               <a:t>Devices that can be worn by the user instead of carried</a:t>
             </a:r>
           </a:p>
           <a:p>
             <a:r>
-              <a:rPr lang="en-US" altLang="en-US" dirty="0" smtClean="0"/>
+              <a:rPr lang="en-US" altLang="en-US" dirty="0"/>
               <a:t>Examples of wearable technology:</a:t>
             </a:r>
           </a:p>
           <a:p>
             <a:pPr lvl="1"/>
             <a:r>
-              <a:rPr lang="en-US" altLang="en-US" dirty="0" smtClean="0"/>
+              <a:rPr lang="en-US" altLang="en-US" dirty="0"/>
               <a:t>Optical head-mounted display</a:t>
             </a:r>
           </a:p>
           <a:p>
             <a:pPr lvl="2"/>
             <a:r>
-              <a:rPr lang="en-US" altLang="en-US" dirty="0" smtClean="0"/>
+              <a:rPr lang="en-US" altLang="en-US" dirty="0"/>
               <a:t>“Google Glass” can be activated in response to a user’s voice commands</a:t>
             </a:r>
           </a:p>
           <a:p>
             <a:pPr lvl="1"/>
             <a:r>
-              <a:rPr lang="en-US" altLang="en-US" dirty="0" smtClean="0"/>
+              <a:rPr lang="en-US" altLang="en-US" dirty="0"/>
               <a:t>Smart watch</a:t>
             </a:r>
           </a:p>
           <a:p>
             <a:pPr lvl="2"/>
             <a:r>
-              <a:rPr lang="en-US" altLang="en-US" dirty="0" smtClean="0"/>
+              <a:rPr lang="en-US" altLang="en-US" dirty="0"/>
               <a:t>Can serve as an accessory to a smartphone to view messages</a:t>
             </a:r>
           </a:p>
@@ -20840,14 +20797,14 @@
           <a:ln/>
           <a:extLst>
             <a:ext uri="{909E8E84-426E-40dd-AFC4-6F175D3DCCD1}">
-              <a14:hiddenFill xmlns:a14="http://schemas.microsoft.com/office/drawing/2010/main">
+              <a14:hiddenFill xmlns:a14="http://schemas.microsoft.com/office/drawing/2010/main" xmlns="">
                 <a:solidFill>
                   <a:srgbClr val="FFFFFF"/>
                 </a:solidFill>
               </a14:hiddenFill>
             </a:ext>
             <a:ext uri="{91240B29-F687-4f45-9708-019B960494DF}">
-              <a14:hiddenLine xmlns:a14="http://schemas.microsoft.com/office/drawing/2010/main" w="9525">
+              <a14:hiddenLine xmlns:a14="http://schemas.microsoft.com/office/drawing/2010/main" xmlns="" w="9525">
                 <a:solidFill>
                   <a:srgbClr val="000000"/>
                 </a:solidFill>
@@ -21013,7 +20970,7 @@
   <p:timing>
     <p:tnLst>
       <p:par>
-        <p:cTn xmlns:p14="http://schemas.microsoft.com/office/powerpoint/2010/main" id="1" dur="indefinite" restart="never" nodeType="tmRoot">
+        <p:cTn id="1" dur="indefinite" restart="never" nodeType="tmRoot">
           <p:childTnLst>
             <p:seq concurrent="1" nextAc="seek">
               <p:cTn id="2" dur="indefinite" nodeType="mainSeq">
@@ -21419,7 +21376,7 @@
           <a:lstStyle/>
           <a:p>
             <a:r>
-              <a:rPr lang="en-US" altLang="en-US" smtClean="0"/>
+              <a:rPr lang="en-US" altLang="en-US"/>
               <a:t>Wearable Technology</a:t>
             </a:r>
           </a:p>
@@ -21440,14 +21397,14 @@
           <a:ln/>
           <a:extLst>
             <a:ext uri="{909E8E84-426E-40dd-AFC4-6F175D3DCCD1}">
-              <a14:hiddenFill xmlns:a14="http://schemas.microsoft.com/office/drawing/2010/main">
+              <a14:hiddenFill xmlns:a14="http://schemas.microsoft.com/office/drawing/2010/main" xmlns="">
                 <a:solidFill>
                   <a:srgbClr val="FFFFFF"/>
                 </a:solidFill>
               </a14:hiddenFill>
             </a:ext>
             <a:ext uri="{91240B29-F687-4f45-9708-019B960494DF}">
-              <a14:hiddenLine xmlns:a14="http://schemas.microsoft.com/office/drawing/2010/main" w="9525">
+              <a14:hiddenLine xmlns:a14="http://schemas.microsoft.com/office/drawing/2010/main" xmlns="" w="9525">
                 <a:solidFill>
                   <a:srgbClr val="000000"/>
                 </a:solidFill>
@@ -21634,13 +21591,6 @@
   <p:clrMapOvr>
     <a:masterClrMapping/>
   </p:clrMapOvr>
-  <p:timing>
-    <p:tnLst>
-      <p:par>
-        <p:cTn xmlns:p14="http://schemas.microsoft.com/office/powerpoint/2010/main" id="1" dur="indefinite" restart="never" nodeType="tmRoot"/>
-      </p:par>
-    </p:tnLst>
-  </p:timing>
 </p:sld>
 </file>
 
@@ -21682,7 +21632,7 @@
           <a:lstStyle/>
           <a:p>
             <a:r>
-              <a:rPr lang="en-US" altLang="en-US" dirty="0" smtClean="0"/>
+              <a:rPr lang="en-US" altLang="en-US" dirty="0"/>
               <a:t>Legacy Devices</a:t>
             </a:r>
           </a:p>
@@ -21709,61 +21659,61 @@
           <a:lstStyle/>
           <a:p>
             <a:r>
-              <a:rPr lang="en-US" altLang="en-US" dirty="0" smtClean="0"/>
+              <a:rPr lang="en-US" altLang="en-US" dirty="0"/>
               <a:t>Several mobile devices are no longer widely in use</a:t>
             </a:r>
           </a:p>
           <a:p>
             <a:r>
-              <a:rPr lang="en-US" altLang="en-US" dirty="0" smtClean="0"/>
+              <a:rPr lang="en-US" altLang="en-US" dirty="0"/>
               <a:t>Personal digital assistant (PDA)</a:t>
             </a:r>
           </a:p>
           <a:p>
             <a:pPr lvl="1"/>
             <a:r>
-              <a:rPr lang="en-US" altLang="en-US" dirty="0" smtClean="0"/>
+              <a:rPr lang="en-US" altLang="en-US" dirty="0"/>
               <a:t>Intended to replace paper systems</a:t>
             </a:r>
           </a:p>
           <a:p>
             <a:pPr lvl="1"/>
             <a:r>
-              <a:rPr lang="en-US" altLang="en-US" dirty="0" smtClean="0"/>
+              <a:rPr lang="en-US" altLang="en-US" dirty="0"/>
               <a:t>Often included: </a:t>
             </a:r>
           </a:p>
           <a:p>
             <a:pPr lvl="2"/>
             <a:r>
-              <a:rPr lang="en-US" altLang="en-US" dirty="0" smtClean="0"/>
+              <a:rPr lang="en-US" altLang="en-US" dirty="0"/>
               <a:t>an appointment calendar, address book, “to-do” list, calculator, and notepad</a:t>
             </a:r>
           </a:p>
           <a:p>
             <a:pPr lvl="1"/>
             <a:r>
-              <a:rPr lang="en-US" altLang="en-US" dirty="0" smtClean="0"/>
+              <a:rPr lang="en-US" altLang="en-US" dirty="0"/>
               <a:t>Replaced by smartphones</a:t>
             </a:r>
           </a:p>
           <a:p>
             <a:r>
-              <a:rPr lang="en-US" altLang="en-US" dirty="0" smtClean="0"/>
+              <a:rPr lang="en-US" altLang="en-US" dirty="0"/>
               <a:t>Netbook</a:t>
             </a:r>
           </a:p>
           <a:p>
             <a:pPr lvl="1"/>
             <a:r>
-              <a:rPr lang="en-US" altLang="en-US" dirty="0" smtClean="0"/>
+              <a:rPr lang="en-US" altLang="en-US" dirty="0"/>
               <a:t>Small, inexpensive, and lightweight computer</a:t>
             </a:r>
           </a:p>
           <a:p>
             <a:pPr lvl="1"/>
             <a:r>
-              <a:rPr lang="en-US" altLang="en-US" dirty="0" smtClean="0"/>
+              <a:rPr lang="en-US" altLang="en-US" dirty="0"/>
               <a:t>Small screen</a:t>
             </a:r>
           </a:p>
@@ -21771,17 +21721,13 @@
             <a:pPr lvl="1"/>
             <a:r>
               <a:rPr lang="en-US" altLang="en-US" dirty="0"/>
-              <a:t>C</a:t>
-            </a:r>
-            <a:r>
-              <a:rPr lang="en-US" altLang="en-US" dirty="0" smtClean="0"/>
-              <a:t>ould not be upgraded</a:t>
+              <a:t>Could not be upgraded</a:t>
             </a:r>
           </a:p>
           <a:p>
             <a:pPr lvl="1"/>
             <a:r>
-              <a:rPr lang="en-US" altLang="en-US" dirty="0" smtClean="0"/>
+              <a:rPr lang="en-US" altLang="en-US" dirty="0"/>
               <a:t>Lost popularity with introduction of tablet computers</a:t>
             </a:r>
           </a:p>
@@ -21802,14 +21748,14 @@
           <a:ln/>
           <a:extLst>
             <a:ext uri="{909E8E84-426E-40dd-AFC4-6F175D3DCCD1}">
-              <a14:hiddenFill xmlns:a14="http://schemas.microsoft.com/office/drawing/2010/main">
+              <a14:hiddenFill xmlns:a14="http://schemas.microsoft.com/office/drawing/2010/main" xmlns="">
                 <a:solidFill>
                   <a:srgbClr val="FFFFFF"/>
                 </a:solidFill>
               </a14:hiddenFill>
             </a:ext>
             <a:ext uri="{91240B29-F687-4f45-9708-019B960494DF}">
-              <a14:hiddenLine xmlns:a14="http://schemas.microsoft.com/office/drawing/2010/main" w="9525">
+              <a14:hiddenLine xmlns:a14="http://schemas.microsoft.com/office/drawing/2010/main" xmlns="" w="9525">
                 <a:solidFill>
                   <a:srgbClr val="000000"/>
                 </a:solidFill>
@@ -21975,7 +21921,7 @@
   <p:timing>
     <p:tnLst>
       <p:par>
-        <p:cTn xmlns:p14="http://schemas.microsoft.com/office/powerpoint/2010/main" id="1" dur="indefinite" restart="never" nodeType="tmRoot">
+        <p:cTn id="1" dur="indefinite" restart="never" nodeType="tmRoot">
           <p:childTnLst>
             <p:seq concurrent="1" nextAc="seek">
               <p:cTn id="2" dur="indefinite" nodeType="mainSeq">
@@ -22582,7 +22528,7 @@
           <a:lstStyle/>
           <a:p>
             <a:r>
-              <a:rPr lang="en-US" altLang="en-US" dirty="0" smtClean="0"/>
+              <a:rPr lang="en-US" altLang="en-US" dirty="0"/>
               <a:t>Mobile Device Removable Storage</a:t>
             </a:r>
           </a:p>
@@ -22609,59 +22555,59 @@
           <a:lstStyle/>
           <a:p>
             <a:r>
-              <a:rPr lang="en-US" altLang="en-US" dirty="0" smtClean="0"/>
+              <a:rPr lang="en-US" altLang="en-US" dirty="0"/>
               <a:t>Mobile devices</a:t>
             </a:r>
           </a:p>
           <a:p>
             <a:pPr lvl="1"/>
             <a:r>
-              <a:rPr lang="en-US" altLang="en-US" dirty="0" smtClean="0"/>
+              <a:rPr lang="en-US" altLang="en-US" dirty="0"/>
               <a:t>Use flash memory for permanent storage</a:t>
             </a:r>
           </a:p>
           <a:p>
             <a:pPr lvl="1"/>
             <a:r>
-              <a:rPr lang="en-US" altLang="en-US" dirty="0" smtClean="0"/>
+              <a:rPr lang="en-US" altLang="en-US" dirty="0"/>
               <a:t>Can be electrically erased and reused</a:t>
             </a:r>
           </a:p>
           <a:p>
             <a:pPr lvl="1"/>
             <a:r>
-              <a:rPr lang="en-US" altLang="en-US" dirty="0" smtClean="0"/>
+              <a:rPr lang="en-US" altLang="en-US" dirty="0"/>
               <a:t>Most devices also support removable data storage, which includes:</a:t>
             </a:r>
           </a:p>
           <a:p>
             <a:pPr lvl="2"/>
             <a:r>
-              <a:rPr lang="en-US" altLang="en-US" dirty="0" smtClean="0"/>
+              <a:rPr lang="en-US" altLang="en-US" dirty="0"/>
               <a:t>Large form factor and small form factor storage</a:t>
             </a:r>
           </a:p>
           <a:p>
             <a:r>
-              <a:rPr lang="en-US" altLang="en-US" dirty="0" smtClean="0"/>
+              <a:rPr lang="en-US" altLang="en-US" dirty="0"/>
               <a:t>Large Form Factor Storage</a:t>
             </a:r>
           </a:p>
           <a:p>
             <a:pPr lvl="1"/>
             <a:r>
-              <a:rPr lang="en-US" altLang="en-US" dirty="0" smtClean="0"/>
+              <a:rPr lang="en-US" altLang="en-US" dirty="0"/>
               <a:t>Credit card-sized slides into a slot on computer</a:t>
             </a:r>
           </a:p>
           <a:p>
             <a:pPr lvl="1"/>
             <a:r>
-              <a:rPr lang="en-US" altLang="en-US" dirty="0" smtClean="0"/>
+              <a:rPr lang="en-US" altLang="en-US" dirty="0"/>
               <a:t>Originally known as PCMCIA cards and later name was changed to </a:t>
             </a:r>
             <a:r>
-              <a:rPr lang="en-US" altLang="en-US" i="1" dirty="0" smtClean="0"/>
+              <a:rPr lang="en-US" altLang="en-US" i="1" dirty="0"/>
               <a:t>PC Card</a:t>
             </a:r>
           </a:p>
@@ -22682,14 +22628,14 @@
           <a:ln/>
           <a:extLst>
             <a:ext uri="{909E8E84-426E-40dd-AFC4-6F175D3DCCD1}">
-              <a14:hiddenFill xmlns:a14="http://schemas.microsoft.com/office/drawing/2010/main">
+              <a14:hiddenFill xmlns:a14="http://schemas.microsoft.com/office/drawing/2010/main" xmlns="">
                 <a:solidFill>
                   <a:srgbClr val="FFFFFF"/>
                 </a:solidFill>
               </a14:hiddenFill>
             </a:ext>
             <a:ext uri="{91240B29-F687-4f45-9708-019B960494DF}">
-              <a14:hiddenLine xmlns:a14="http://schemas.microsoft.com/office/drawing/2010/main" w="9525">
+              <a14:hiddenLine xmlns:a14="http://schemas.microsoft.com/office/drawing/2010/main" xmlns="" w="9525">
                 <a:solidFill>
                   <a:srgbClr val="000000"/>
                 </a:solidFill>
@@ -22879,7 +22825,7 @@
   <p:timing>
     <p:tnLst>
       <p:par>
-        <p:cTn xmlns:p14="http://schemas.microsoft.com/office/powerpoint/2010/main" id="1" dur="indefinite" restart="never" nodeType="tmRoot">
+        <p:cTn id="1" dur="indefinite" restart="never" nodeType="tmRoot">
           <p:childTnLst>
             <p:seq concurrent="1" nextAc="seek">
               <p:cTn id="2" dur="indefinite" nodeType="mainSeq">
@@ -23384,7 +23330,7 @@
           <a:lstStyle/>
           <a:p>
             <a:r>
-              <a:rPr lang="en-US" altLang="en-US" dirty="0" smtClean="0"/>
+              <a:rPr lang="en-US" altLang="en-US" dirty="0"/>
               <a:t>Mobile Device Removable Storage</a:t>
             </a:r>
           </a:p>
@@ -23411,60 +23357,60 @@
           <a:lstStyle/>
           <a:p>
             <a:r>
-              <a:rPr lang="en-US" altLang="en-US" dirty="0" smtClean="0"/>
+              <a:rPr lang="en-US" altLang="en-US" dirty="0"/>
               <a:t>The PC Card standard defines three form factors for three types of PC Cards</a:t>
             </a:r>
           </a:p>
           <a:p>
             <a:pPr lvl="1"/>
             <a:r>
-              <a:rPr lang="en-US" altLang="en-US" dirty="0" smtClean="0"/>
+              <a:rPr lang="en-US" altLang="en-US" dirty="0"/>
               <a:t>Cards differ only in their thickness</a:t>
             </a:r>
           </a:p>
           <a:p>
             <a:pPr lvl="1"/>
             <a:r>
-              <a:rPr lang="en-US" altLang="en-US" dirty="0" smtClean="0"/>
+              <a:rPr lang="en-US" altLang="en-US" dirty="0"/>
               <a:t>See Table 10-3 for comparisons of the three types</a:t>
             </a:r>
           </a:p>
           <a:p>
             <a:r>
-              <a:rPr lang="en-US" altLang="en-US" dirty="0" err="1" smtClean="0"/>
+              <a:rPr lang="en-US" altLang="en-US" dirty="0" err="1"/>
               <a:t>CardBus</a:t>
             </a:r>
-            <a:endParaRPr lang="en-US" altLang="en-US" dirty="0" smtClean="0"/>
+            <a:endParaRPr lang="en-US" altLang="en-US" dirty="0"/>
           </a:p>
           <a:p>
             <a:pPr lvl="1"/>
             <a:r>
-              <a:rPr lang="en-US" altLang="en-US" dirty="0" smtClean="0"/>
+              <a:rPr lang="en-US" altLang="en-US" dirty="0"/>
               <a:t>Enhanced type of PC Card includes a bus mastering feature</a:t>
             </a:r>
           </a:p>
           <a:p>
             <a:r>
-              <a:rPr lang="en-US" altLang="en-US" dirty="0" smtClean="0"/>
+              <a:rPr lang="en-US" altLang="en-US" dirty="0"/>
               <a:t>Being replaced by </a:t>
             </a:r>
             <a:r>
-              <a:rPr lang="en-US" altLang="en-US" i="1" dirty="0" err="1" smtClean="0"/>
+              <a:rPr lang="en-US" altLang="en-US" i="1" dirty="0" err="1"/>
               <a:t>ExpressCard</a:t>
             </a:r>
             <a:r>
-              <a:rPr lang="en-US" altLang="en-US" i="1" dirty="0" smtClean="0"/>
+              <a:rPr lang="en-US" altLang="en-US" i="1" dirty="0"/>
               <a:t> </a:t>
             </a:r>
             <a:r>
-              <a:rPr lang="en-US" altLang="en-US" dirty="0" smtClean="0"/>
+              <a:rPr lang="en-US" altLang="en-US" dirty="0"/>
               <a:t>technology</a:t>
             </a:r>
           </a:p>
           <a:p>
             <a:pPr lvl="1"/>
             <a:r>
-              <a:rPr lang="en-US" altLang="en-US" dirty="0" smtClean="0"/>
+              <a:rPr lang="en-US" altLang="en-US" dirty="0"/>
               <a:t>Higher-performance expansion in a smaller size</a:t>
             </a:r>
           </a:p>
@@ -23485,14 +23431,14 @@
           <a:ln/>
           <a:extLst>
             <a:ext uri="{909E8E84-426E-40dd-AFC4-6F175D3DCCD1}">
-              <a14:hiddenFill xmlns:a14="http://schemas.microsoft.com/office/drawing/2010/main">
+              <a14:hiddenFill xmlns:a14="http://schemas.microsoft.com/office/drawing/2010/main" xmlns="">
                 <a:solidFill>
                   <a:srgbClr val="FFFFFF"/>
                 </a:solidFill>
               </a14:hiddenFill>
             </a:ext>
             <a:ext uri="{91240B29-F687-4f45-9708-019B960494DF}">
-              <a14:hiddenLine xmlns:a14="http://schemas.microsoft.com/office/drawing/2010/main" w="9525">
+              <a14:hiddenLine xmlns:a14="http://schemas.microsoft.com/office/drawing/2010/main" xmlns="" w="9525">
                 <a:solidFill>
                   <a:srgbClr val="000000"/>
                 </a:solidFill>
@@ -23682,7 +23628,7 @@
   <p:timing>
     <p:tnLst>
       <p:par>
-        <p:cTn xmlns:p14="http://schemas.microsoft.com/office/powerpoint/2010/main" id="1" dur="indefinite" restart="never" nodeType="tmRoot">
+        <p:cTn id="1" dur="indefinite" restart="never" nodeType="tmRoot">
           <p:childTnLst>
             <p:seq concurrent="1" nextAc="seek">
               <p:cTn id="2" dur="indefinite" nodeType="mainSeq">
@@ -24133,7 +24079,7 @@
           <a:lstStyle/>
           <a:p>
             <a:r>
-              <a:rPr lang="en-US" altLang="en-US" smtClean="0"/>
+              <a:rPr lang="en-US" altLang="en-US"/>
               <a:t>Mobile Device Removable Storage</a:t>
             </a:r>
           </a:p>
@@ -24160,85 +24106,85 @@
           <a:lstStyle/>
           <a:p>
             <a:r>
-              <a:rPr lang="en-US" altLang="en-US" dirty="0" smtClean="0"/>
+              <a:rPr lang="en-US" altLang="en-US" dirty="0"/>
               <a:t>Small Form Factor Storage</a:t>
             </a:r>
           </a:p>
           <a:p>
             <a:pPr lvl="1"/>
             <a:r>
-              <a:rPr lang="en-US" altLang="en-US" dirty="0" smtClean="0"/>
+              <a:rPr lang="en-US" altLang="en-US" dirty="0"/>
               <a:t>CompactFlash(CF) generally used as a mass storage device</a:t>
             </a:r>
           </a:p>
           <a:p>
             <a:pPr lvl="1"/>
             <a:r>
-              <a:rPr lang="en-US" altLang="en-US" dirty="0" smtClean="0"/>
+              <a:rPr lang="en-US" altLang="en-US" dirty="0"/>
               <a:t>Secure Digital (SD) card includes four card “families” available in three different form factors with different speed ratings</a:t>
             </a:r>
           </a:p>
           <a:p>
             <a:pPr lvl="2"/>
             <a:r>
-              <a:rPr lang="en-US" altLang="en-US" dirty="0" smtClean="0"/>
+              <a:rPr lang="en-US" altLang="en-US" dirty="0"/>
               <a:t>Standard-Capacity (</a:t>
             </a:r>
             <a:r>
-              <a:rPr lang="en-US" altLang="en-US" dirty="0" err="1" smtClean="0"/>
+              <a:rPr lang="en-US" altLang="en-US" dirty="0" err="1"/>
               <a:t>SDSC</a:t>
             </a:r>
             <a:r>
-              <a:rPr lang="en-US" altLang="en-US" dirty="0" smtClean="0"/>
+              <a:rPr lang="en-US" altLang="en-US" dirty="0"/>
               <a:t>)</a:t>
             </a:r>
           </a:p>
           <a:p>
             <a:pPr lvl="2"/>
             <a:r>
-              <a:rPr lang="en-US" altLang="en-US" dirty="0" smtClean="0"/>
+              <a:rPr lang="en-US" altLang="en-US" dirty="0"/>
               <a:t>High-Capacity (</a:t>
             </a:r>
             <a:r>
-              <a:rPr lang="en-US" altLang="en-US" dirty="0" err="1" smtClean="0"/>
+              <a:rPr lang="en-US" altLang="en-US" dirty="0" err="1"/>
               <a:t>SDHC</a:t>
             </a:r>
             <a:r>
-              <a:rPr lang="en-US" altLang="en-US" dirty="0" smtClean="0"/>
+              <a:rPr lang="en-US" altLang="en-US" dirty="0"/>
               <a:t>)</a:t>
             </a:r>
           </a:p>
           <a:p>
             <a:pPr lvl="2"/>
             <a:r>
-              <a:rPr lang="en-US" altLang="en-US" dirty="0" err="1" smtClean="0"/>
+              <a:rPr lang="en-US" altLang="en-US" dirty="0" err="1"/>
               <a:t>eXtended</a:t>
             </a:r>
             <a:r>
-              <a:rPr lang="en-US" altLang="en-US" dirty="0" smtClean="0"/>
+              <a:rPr lang="en-US" altLang="en-US" dirty="0"/>
               <a:t>-Capacity (</a:t>
             </a:r>
             <a:r>
-              <a:rPr lang="en-US" altLang="en-US" dirty="0" err="1" smtClean="0"/>
+              <a:rPr lang="en-US" altLang="en-US" dirty="0" err="1"/>
               <a:t>SDXC</a:t>
             </a:r>
             <a:r>
-              <a:rPr lang="en-US" altLang="en-US" dirty="0" smtClean="0"/>
+              <a:rPr lang="en-US" altLang="en-US" dirty="0"/>
               <a:t>)</a:t>
             </a:r>
           </a:p>
           <a:p>
             <a:pPr lvl="2"/>
             <a:r>
-              <a:rPr lang="en-US" altLang="en-US" dirty="0" smtClean="0"/>
+              <a:rPr lang="en-US" altLang="en-US" dirty="0"/>
               <a:t>Secure Digital Input Output (</a:t>
             </a:r>
             <a:r>
-              <a:rPr lang="en-US" altLang="en-US" dirty="0" err="1" smtClean="0"/>
+              <a:rPr lang="en-US" altLang="en-US" dirty="0" err="1"/>
               <a:t>SDIO</a:t>
             </a:r>
             <a:r>
-              <a:rPr lang="en-US" altLang="en-US" dirty="0" smtClean="0"/>
+              <a:rPr lang="en-US" altLang="en-US" dirty="0"/>
               <a:t>)</a:t>
             </a:r>
           </a:p>
@@ -24259,14 +24205,14 @@
           <a:ln/>
           <a:extLst>
             <a:ext uri="{909E8E84-426E-40dd-AFC4-6F175D3DCCD1}">
-              <a14:hiddenFill xmlns:a14="http://schemas.microsoft.com/office/drawing/2010/main">
+              <a14:hiddenFill xmlns:a14="http://schemas.microsoft.com/office/drawing/2010/main" xmlns="">
                 <a:solidFill>
                   <a:srgbClr val="FFFFFF"/>
                 </a:solidFill>
               </a14:hiddenFill>
             </a:ext>
             <a:ext uri="{91240B29-F687-4f45-9708-019B960494DF}">
-              <a14:hiddenLine xmlns:a14="http://schemas.microsoft.com/office/drawing/2010/main" w="9525">
+              <a14:hiddenLine xmlns:a14="http://schemas.microsoft.com/office/drawing/2010/main" xmlns="" w="9525">
                 <a:solidFill>
                   <a:srgbClr val="000000"/>
                 </a:solidFill>
@@ -24480,7 +24426,7 @@
   <p:timing>
     <p:tnLst>
       <p:par>
-        <p:cTn xmlns:p14="http://schemas.microsoft.com/office/powerpoint/2010/main" id="1" dur="indefinite" restart="never" nodeType="tmRoot">
+        <p:cTn id="1" dur="indefinite" restart="never" nodeType="tmRoot">
           <p:childTnLst>
             <p:seq concurrent="1" nextAc="seek">
               <p:cTn id="2" dur="indefinite" nodeType="mainSeq">
@@ -24886,7 +24832,7 @@
           <a:lstStyle/>
           <a:p>
             <a:r>
-              <a:rPr lang="en-US" altLang="en-US" smtClean="0"/>
+              <a:rPr lang="en-US" altLang="en-US"/>
               <a:t>Mobile Device Removable Storage</a:t>
             </a:r>
           </a:p>
@@ -24913,60 +24859,60 @@
           <a:lstStyle/>
           <a:p>
             <a:r>
-              <a:rPr lang="en-US" altLang="en-US" dirty="0" smtClean="0"/>
+              <a:rPr lang="en-US" altLang="en-US" dirty="0"/>
               <a:t>Three sizes of SD cards:</a:t>
             </a:r>
           </a:p>
           <a:p>
             <a:pPr lvl="1"/>
             <a:r>
-              <a:rPr lang="en-US" altLang="en-US" dirty="0" smtClean="0"/>
+              <a:rPr lang="en-US" altLang="en-US" dirty="0"/>
               <a:t>Full SD - typically used in PCs, video cameras, digital cameras, other large electronic devices</a:t>
             </a:r>
           </a:p>
           <a:p>
             <a:pPr lvl="1"/>
             <a:r>
-              <a:rPr lang="en-US" altLang="en-US" dirty="0" err="1" smtClean="0"/>
+              <a:rPr lang="en-US" altLang="en-US" dirty="0" err="1"/>
               <a:t>miniSD</a:t>
             </a:r>
             <a:r>
-              <a:rPr lang="en-US" altLang="en-US" dirty="0" smtClean="0"/>
+              <a:rPr lang="en-US" altLang="en-US" dirty="0"/>
               <a:t> and </a:t>
             </a:r>
             <a:r>
-              <a:rPr lang="en-US" altLang="en-US" dirty="0" err="1" smtClean="0"/>
+              <a:rPr lang="en-US" altLang="en-US" dirty="0" err="1"/>
               <a:t>microSD</a:t>
             </a:r>
             <a:r>
-              <a:rPr lang="en-US" altLang="en-US" dirty="0" smtClean="0"/>
+              <a:rPr lang="en-US" altLang="en-US" dirty="0"/>
               <a:t> - commonly used in smaller devices like smartphones and tablets</a:t>
             </a:r>
           </a:p>
           <a:p>
             <a:r>
-              <a:rPr lang="en-US" altLang="en-US" dirty="0" smtClean="0"/>
+              <a:rPr lang="en-US" altLang="en-US" dirty="0"/>
               <a:t>SD speed classes were designed to support video recording</a:t>
             </a:r>
           </a:p>
           <a:p>
             <a:r>
-              <a:rPr lang="en-US" altLang="en-US" dirty="0" smtClean="0"/>
+              <a:rPr lang="en-US" altLang="en-US" dirty="0"/>
               <a:t>There are two types of speed classes:</a:t>
             </a:r>
           </a:p>
           <a:p>
             <a:pPr lvl="1"/>
             <a:r>
-              <a:rPr lang="en-US" altLang="en-US" dirty="0" smtClean="0"/>
+              <a:rPr lang="en-US" altLang="en-US" dirty="0"/>
               <a:t>Standard and ultra high speed (</a:t>
             </a:r>
             <a:r>
-              <a:rPr lang="en-US" altLang="en-US" dirty="0" err="1" smtClean="0"/>
+              <a:rPr lang="en-US" altLang="en-US" dirty="0" err="1"/>
               <a:t>UHS</a:t>
             </a:r>
             <a:r>
-              <a:rPr lang="en-US" altLang="en-US" dirty="0" smtClean="0"/>
+              <a:rPr lang="en-US" altLang="en-US" dirty="0"/>
               <a:t>)</a:t>
             </a:r>
           </a:p>
@@ -24987,14 +24933,14 @@
           <a:ln/>
           <a:extLst>
             <a:ext uri="{909E8E84-426E-40dd-AFC4-6F175D3DCCD1}">
-              <a14:hiddenFill xmlns:a14="http://schemas.microsoft.com/office/drawing/2010/main">
+              <a14:hiddenFill xmlns:a14="http://schemas.microsoft.com/office/drawing/2010/main" xmlns="">
                 <a:solidFill>
                   <a:srgbClr val="FFFFFF"/>
                 </a:solidFill>
               </a14:hiddenFill>
             </a:ext>
             <a:ext uri="{91240B29-F687-4f45-9708-019B960494DF}">
-              <a14:hiddenLine xmlns:a14="http://schemas.microsoft.com/office/drawing/2010/main" w="9525">
+              <a14:hiddenLine xmlns:a14="http://schemas.microsoft.com/office/drawing/2010/main" xmlns="" w="9525">
                 <a:solidFill>
                   <a:srgbClr val="000000"/>
                 </a:solidFill>
@@ -25160,7 +25106,7 @@
   <p:timing>
     <p:tnLst>
       <p:par>
-        <p:cTn xmlns:p14="http://schemas.microsoft.com/office/powerpoint/2010/main" id="1" dur="indefinite" restart="never" nodeType="tmRoot">
+        <p:cTn id="1" dur="indefinite" restart="never" nodeType="tmRoot">
           <p:childTnLst>
             <p:seq concurrent="1" nextAc="seek">
               <p:cTn id="2" dur="indefinite" nodeType="mainSeq">
@@ -25517,7 +25463,7 @@
           <a:lstStyle/>
           <a:p>
             <a:r>
-              <a:rPr lang="en-US" altLang="en-US" smtClean="0"/>
+              <a:rPr lang="en-US" altLang="en-US"/>
               <a:t>Mobile Device Risks</a:t>
             </a:r>
           </a:p>
@@ -25539,57 +25485,57 @@
           <a:lstStyle/>
           <a:p>
             <a:r>
-              <a:rPr lang="en-US" altLang="en-US" dirty="0" smtClean="0"/>
+              <a:rPr lang="en-US" altLang="en-US" dirty="0"/>
               <a:t>Mobile device security risks:</a:t>
             </a:r>
           </a:p>
           <a:p>
             <a:pPr lvl="1"/>
             <a:r>
-              <a:rPr lang="en-US" altLang="en-US" dirty="0" smtClean="0"/>
+              <a:rPr lang="en-US" altLang="en-US" dirty="0"/>
               <a:t>Limited physical security</a:t>
             </a:r>
           </a:p>
           <a:p>
             <a:pPr lvl="1"/>
             <a:r>
-              <a:rPr lang="en-US" altLang="en-US" dirty="0" smtClean="0"/>
+              <a:rPr lang="en-US" altLang="en-US" dirty="0"/>
               <a:t>Connecting to public networks</a:t>
             </a:r>
           </a:p>
           <a:p>
             <a:pPr lvl="1"/>
             <a:r>
-              <a:rPr lang="en-US" altLang="en-US" dirty="0" smtClean="0"/>
+              <a:rPr lang="en-US" altLang="en-US" dirty="0"/>
               <a:t>Location tracking</a:t>
             </a:r>
           </a:p>
           <a:p>
             <a:pPr lvl="1"/>
             <a:r>
-              <a:rPr lang="en-US" altLang="en-US" dirty="0" smtClean="0"/>
+              <a:rPr lang="en-US" altLang="en-US" dirty="0"/>
               <a:t>Installing unsecured applications</a:t>
             </a:r>
           </a:p>
           <a:p>
             <a:pPr lvl="1"/>
             <a:r>
-              <a:rPr lang="en-US" altLang="en-US" dirty="0" smtClean="0"/>
+              <a:rPr lang="en-US" altLang="en-US" dirty="0"/>
               <a:t>Accessing untrusted content</a:t>
             </a:r>
           </a:p>
           <a:p>
             <a:pPr lvl="1"/>
             <a:r>
-              <a:rPr lang="en-US" altLang="en-US" dirty="0" smtClean="0"/>
+              <a:rPr lang="en-US" altLang="en-US" dirty="0"/>
               <a:t>Bring your own device (</a:t>
             </a:r>
             <a:r>
-              <a:rPr lang="en-US" altLang="en-US" dirty="0" err="1" smtClean="0"/>
+              <a:rPr lang="en-US" altLang="en-US" dirty="0" err="1"/>
               <a:t>BYOD</a:t>
             </a:r>
             <a:r>
-              <a:rPr lang="en-US" altLang="en-US" dirty="0" smtClean="0"/>
+              <a:rPr lang="en-US" altLang="en-US" dirty="0"/>
               <a:t>) risks</a:t>
             </a:r>
           </a:p>
@@ -25610,14 +25556,14 @@
           <a:ln/>
           <a:extLst>
             <a:ext uri="{909E8E84-426E-40dd-AFC4-6F175D3DCCD1}">
-              <a14:hiddenFill xmlns:a14="http://schemas.microsoft.com/office/drawing/2010/main">
+              <a14:hiddenFill xmlns:a14="http://schemas.microsoft.com/office/drawing/2010/main" xmlns="">
                 <a:solidFill>
                   <a:srgbClr val="FFFFFF"/>
                 </a:solidFill>
               </a14:hiddenFill>
             </a:ext>
             <a:ext uri="{91240B29-F687-4f45-9708-019B960494DF}">
-              <a14:hiddenLine xmlns:a14="http://schemas.microsoft.com/office/drawing/2010/main" w="9525">
+              <a14:hiddenLine xmlns:a14="http://schemas.microsoft.com/office/drawing/2010/main" xmlns="" w="9525">
                 <a:solidFill>
                   <a:srgbClr val="000000"/>
                 </a:solidFill>
@@ -25783,7 +25729,7 @@
   <p:timing>
     <p:tnLst>
       <p:par>
-        <p:cTn xmlns:p14="http://schemas.microsoft.com/office/powerpoint/2010/main" id="1" dur="indefinite" restart="never" nodeType="tmRoot">
+        <p:cTn id="1" dur="indefinite" restart="never" nodeType="tmRoot">
           <p:childTnLst>
             <p:seq concurrent="1" nextAc="seek">
               <p:cTn id="2" dur="indefinite" nodeType="mainSeq">
@@ -26189,7 +26135,7 @@
           <a:lstStyle/>
           <a:p>
             <a:r>
-              <a:rPr lang="en-US" altLang="en-US" smtClean="0"/>
+              <a:rPr lang="en-US" altLang="en-US"/>
               <a:t>Limited Physical Security</a:t>
             </a:r>
           </a:p>
@@ -26211,38 +26157,38 @@
           <a:lstStyle/>
           <a:p>
             <a:r>
-              <a:rPr lang="en-US" altLang="en-US" dirty="0" smtClean="0"/>
+              <a:rPr lang="en-US" altLang="en-US" dirty="0"/>
               <a:t>A mobile device is stolen on average once every 50 seconds</a:t>
             </a:r>
           </a:p>
           <a:p>
             <a:r>
-              <a:rPr lang="en-US" altLang="en-US" dirty="0" smtClean="0"/>
+              <a:rPr lang="en-US" altLang="en-US" dirty="0"/>
               <a:t>One-third of all laptops stolen in the U.S. go missing from public schools</a:t>
             </a:r>
           </a:p>
           <a:p>
             <a:r>
-              <a:rPr lang="en-US" altLang="en-US" dirty="0" smtClean="0"/>
+              <a:rPr lang="en-US" altLang="en-US" dirty="0"/>
               <a:t>Consumer-owned laptops are most often in August and September and November and December</a:t>
             </a:r>
           </a:p>
           <a:p>
             <a:r>
-              <a:rPr lang="en-US" altLang="en-US" dirty="0" smtClean="0"/>
+              <a:rPr lang="en-US" altLang="en-US" dirty="0"/>
               <a:t>Laptop theft is prevalent at airports</a:t>
             </a:r>
           </a:p>
           <a:p>
             <a:r>
-              <a:rPr lang="en-US" altLang="en-US" dirty="0" smtClean="0"/>
+              <a:rPr lang="en-US" altLang="en-US" dirty="0"/>
               <a:t>Users must guard against shoulder surfing</a:t>
             </a:r>
           </a:p>
           <a:p>
             <a:pPr lvl="1"/>
             <a:r>
-              <a:rPr lang="en-US" altLang="en-US" dirty="0" smtClean="0"/>
+              <a:rPr lang="en-US" altLang="en-US" dirty="0"/>
               <a:t>Strangers who want to view sensitive information</a:t>
             </a:r>
           </a:p>
@@ -26263,14 +26209,14 @@
           <a:ln/>
           <a:extLst>
             <a:ext uri="{909E8E84-426E-40dd-AFC4-6F175D3DCCD1}">
-              <a14:hiddenFill xmlns:a14="http://schemas.microsoft.com/office/drawing/2010/main">
+              <a14:hiddenFill xmlns:a14="http://schemas.microsoft.com/office/drawing/2010/main" xmlns="">
                 <a:solidFill>
                   <a:srgbClr val="FFFFFF"/>
                 </a:solidFill>
               </a14:hiddenFill>
             </a:ext>
             <a:ext uri="{91240B29-F687-4f45-9708-019B960494DF}">
-              <a14:hiddenLine xmlns:a14="http://schemas.microsoft.com/office/drawing/2010/main" w="9525">
+              <a14:hiddenLine xmlns:a14="http://schemas.microsoft.com/office/drawing/2010/main" xmlns="" w="9525">
                 <a:solidFill>
                   <a:srgbClr val="000000"/>
                 </a:solidFill>
@@ -26436,7 +26382,7 @@
   <p:timing>
     <p:tnLst>
       <p:par>
-        <p:cTn xmlns:p14="http://schemas.microsoft.com/office/powerpoint/2010/main" id="1" dur="indefinite" restart="never" nodeType="tmRoot">
+        <p:cTn id="1" dur="indefinite" restart="never" nodeType="tmRoot">
           <p:childTnLst>
             <p:seq concurrent="1" nextAc="seek">
               <p:cTn id="2" dur="indefinite" nodeType="mainSeq">
@@ -26793,7 +26739,7 @@
           <a:lstStyle/>
           <a:p>
             <a:r>
-              <a:rPr lang="en-US" altLang="en-US" smtClean="0"/>
+              <a:rPr lang="en-US" altLang="en-US"/>
               <a:t>Types of Mobile Devices</a:t>
             </a:r>
           </a:p>
@@ -26820,56 +26766,56 @@
           <a:lstStyle/>
           <a:p>
             <a:r>
-              <a:rPr lang="en-US" altLang="en-US" dirty="0" smtClean="0"/>
+              <a:rPr lang="en-US" altLang="en-US" dirty="0"/>
               <a:t>Optional features that may be found on mobile devices:</a:t>
             </a:r>
           </a:p>
           <a:p>
             <a:pPr lvl="1"/>
             <a:r>
-              <a:rPr lang="en-US" altLang="en-US" dirty="0" smtClean="0"/>
+              <a:rPr lang="en-US" altLang="en-US" dirty="0"/>
               <a:t>Digital camera(s)</a:t>
             </a:r>
           </a:p>
           <a:p>
             <a:pPr lvl="1"/>
             <a:r>
-              <a:rPr lang="en-US" altLang="en-US" dirty="0" smtClean="0"/>
+              <a:rPr lang="en-US" altLang="en-US" dirty="0"/>
               <a:t>Global Positioning System (GPS)</a:t>
             </a:r>
           </a:p>
           <a:p>
             <a:pPr lvl="1"/>
             <a:r>
-              <a:rPr lang="en-US" altLang="en-US" dirty="0" smtClean="0"/>
+              <a:rPr lang="en-US" altLang="en-US" dirty="0"/>
               <a:t>Microphone</a:t>
             </a:r>
           </a:p>
           <a:p>
             <a:pPr lvl="1"/>
             <a:r>
-              <a:rPr lang="en-US" altLang="en-US" dirty="0" smtClean="0"/>
+              <a:rPr lang="en-US" altLang="en-US" dirty="0"/>
               <a:t>Removable storage media</a:t>
             </a:r>
           </a:p>
           <a:p>
             <a:pPr lvl="1"/>
             <a:r>
-              <a:rPr lang="en-US" altLang="en-US" dirty="0" smtClean="0"/>
+              <a:rPr lang="en-US" altLang="en-US" dirty="0"/>
               <a:t>Support for using the device as removable storage for another computing device</a:t>
             </a:r>
           </a:p>
           <a:p>
             <a:pPr lvl="1"/>
             <a:r>
-              <a:rPr lang="en-US" altLang="en-US" dirty="0" smtClean="0"/>
+              <a:rPr lang="en-US" altLang="en-US" dirty="0"/>
               <a:t>Wireless cellular connection</a:t>
             </a:r>
           </a:p>
           <a:p>
             <a:pPr lvl="1"/>
             <a:r>
-              <a:rPr lang="en-US" altLang="en-US" dirty="0" smtClean="0"/>
+              <a:rPr lang="en-US" altLang="en-US" dirty="0"/>
               <a:t>Wireless personal area network interfaces like Bluetooth or NFC</a:t>
             </a:r>
           </a:p>
@@ -26890,14 +26836,14 @@
           <a:ln/>
           <a:extLst>
             <a:ext uri="{909E8E84-426E-40dd-AFC4-6F175D3DCCD1}">
-              <a14:hiddenFill xmlns:a14="http://schemas.microsoft.com/office/drawing/2010/main">
+              <a14:hiddenFill xmlns:a14="http://schemas.microsoft.com/office/drawing/2010/main" xmlns="">
                 <a:solidFill>
                   <a:srgbClr val="FFFFFF"/>
                 </a:solidFill>
               </a14:hiddenFill>
             </a:ext>
             <a:ext uri="{91240B29-F687-4f45-9708-019B960494DF}">
-              <a14:hiddenLine xmlns:a14="http://schemas.microsoft.com/office/drawing/2010/main" w="9525">
+              <a14:hiddenLine xmlns:a14="http://schemas.microsoft.com/office/drawing/2010/main" xmlns="" w="9525">
                 <a:solidFill>
                   <a:srgbClr val="000000"/>
                 </a:solidFill>
@@ -27063,7 +27009,7 @@
   <p:timing>
     <p:tnLst>
       <p:par>
-        <p:cTn xmlns:p14="http://schemas.microsoft.com/office/powerpoint/2010/main" id="1" dur="indefinite" restart="never" nodeType="tmRoot">
+        <p:cTn id="1" dur="indefinite" restart="never" nodeType="tmRoot">
           <p:childTnLst>
             <p:seq concurrent="1" nextAc="seek">
               <p:cTn id="2" dur="indefinite" nodeType="mainSeq">
@@ -27518,7 +27464,7 @@
           <a:lstStyle/>
           <a:p>
             <a:r>
-              <a:rPr lang="en-US" altLang="en-US" smtClean="0"/>
+              <a:rPr lang="en-US" altLang="en-US"/>
               <a:t>Limited Physical Security</a:t>
             </a:r>
           </a:p>
@@ -27539,14 +27485,14 @@
           <a:ln/>
           <a:extLst>
             <a:ext uri="{909E8E84-426E-40dd-AFC4-6F175D3DCCD1}">
-              <a14:hiddenFill xmlns:a14="http://schemas.microsoft.com/office/drawing/2010/main">
+              <a14:hiddenFill xmlns:a14="http://schemas.microsoft.com/office/drawing/2010/main" xmlns="">
                 <a:solidFill>
                   <a:srgbClr val="FFFFFF"/>
                 </a:solidFill>
               </a14:hiddenFill>
             </a:ext>
             <a:ext uri="{91240B29-F687-4f45-9708-019B960494DF}">
-              <a14:hiddenLine xmlns:a14="http://schemas.microsoft.com/office/drawing/2010/main" w="9525">
+              <a14:hiddenLine xmlns:a14="http://schemas.microsoft.com/office/drawing/2010/main" xmlns="" w="9525">
                 <a:solidFill>
                   <a:srgbClr val="000000"/>
                 </a:solidFill>
@@ -27733,13 +27679,6 @@
   <p:clrMapOvr>
     <a:masterClrMapping/>
   </p:clrMapOvr>
-  <p:timing>
-    <p:tnLst>
-      <p:par>
-        <p:cTn xmlns:p14="http://schemas.microsoft.com/office/powerpoint/2010/main" id="1" dur="indefinite" restart="never" nodeType="tmRoot"/>
-      </p:par>
-    </p:tnLst>
-  </p:timing>
 </p:sld>
 </file>
 
@@ -27776,7 +27715,7 @@
           <a:lstStyle/>
           <a:p>
             <a:r>
-              <a:rPr lang="en-US" altLang="en-US" smtClean="0"/>
+              <a:rPr lang="en-US" altLang="en-US"/>
               <a:t>Connecting to Public Networks</a:t>
             </a:r>
           </a:p>
@@ -27798,25 +27737,25 @@
           <a:lstStyle/>
           <a:p>
             <a:r>
-              <a:rPr lang="en-US" altLang="en-US" dirty="0" smtClean="0"/>
+              <a:rPr lang="en-US" altLang="en-US" dirty="0"/>
               <a:t>Many mobile devices use public external networks for Internet access</a:t>
             </a:r>
           </a:p>
           <a:p>
-            <a:endParaRPr lang="en-US" altLang="en-US" dirty="0" smtClean="0"/>
-          </a:p>
-          <a:p>
-            <a:r>
-              <a:rPr lang="en-US" altLang="en-US" dirty="0" smtClean="0"/>
+            <a:endParaRPr lang="en-US" altLang="en-US" dirty="0"/>
+          </a:p>
+          <a:p>
+            <a:r>
+              <a:rPr lang="en-US" altLang="en-US" dirty="0"/>
               <a:t>Attackers can eavesdrop on the data transmissions and view sensitive information</a:t>
             </a:r>
           </a:p>
           <a:p>
-            <a:endParaRPr lang="en-US" altLang="en-US" dirty="0" smtClean="0"/>
-          </a:p>
-          <a:p>
-            <a:r>
-              <a:rPr lang="en-US" altLang="en-US" dirty="0" smtClean="0"/>
+            <a:endParaRPr lang="en-US" altLang="en-US" dirty="0"/>
+          </a:p>
+          <a:p>
+            <a:r>
+              <a:rPr lang="en-US" altLang="en-US" dirty="0"/>
               <a:t>Open networks may be susceptible to man-in-the-middle or replay attacks</a:t>
             </a:r>
           </a:p>
@@ -27837,14 +27776,14 @@
           <a:ln/>
           <a:extLst>
             <a:ext uri="{909E8E84-426E-40dd-AFC4-6F175D3DCCD1}">
-              <a14:hiddenFill xmlns:a14="http://schemas.microsoft.com/office/drawing/2010/main">
+              <a14:hiddenFill xmlns:a14="http://schemas.microsoft.com/office/drawing/2010/main" xmlns="">
                 <a:solidFill>
                   <a:srgbClr val="FFFFFF"/>
                 </a:solidFill>
               </a14:hiddenFill>
             </a:ext>
             <a:ext uri="{91240B29-F687-4f45-9708-019B960494DF}">
-              <a14:hiddenLine xmlns:a14="http://schemas.microsoft.com/office/drawing/2010/main" w="9525">
+              <a14:hiddenLine xmlns:a14="http://schemas.microsoft.com/office/drawing/2010/main" xmlns="" w="9525">
                 <a:solidFill>
                   <a:srgbClr val="000000"/>
                 </a:solidFill>
@@ -28010,7 +27949,7 @@
   <p:timing>
     <p:tnLst>
       <p:par>
-        <p:cTn xmlns:p14="http://schemas.microsoft.com/office/powerpoint/2010/main" id="1" dur="indefinite" restart="never" nodeType="tmRoot">
+        <p:cTn id="1" dur="indefinite" restart="never" nodeType="tmRoot">
           <p:childTnLst>
             <p:seq concurrent="1" nextAc="seek">
               <p:cTn id="2" dur="indefinite" nodeType="mainSeq">
@@ -28220,7 +28159,7 @@
           <a:lstStyle/>
           <a:p>
             <a:r>
-              <a:rPr lang="en-US" altLang="en-US" smtClean="0"/>
+              <a:rPr lang="en-US" altLang="en-US"/>
               <a:t>Location Tracking</a:t>
             </a:r>
           </a:p>
@@ -28242,34 +28181,34 @@
           <a:lstStyle/>
           <a:p>
             <a:r>
-              <a:rPr lang="en-US" altLang="en-US" dirty="0" smtClean="0"/>
+              <a:rPr lang="en-US" altLang="en-US" dirty="0"/>
               <a:t>Location services</a:t>
             </a:r>
           </a:p>
           <a:p>
             <a:pPr lvl="1"/>
             <a:r>
-              <a:rPr lang="en-US" altLang="en-US" dirty="0" smtClean="0"/>
+              <a:rPr lang="en-US" altLang="en-US" dirty="0"/>
               <a:t>Can identify the location of a person carrying a mobile device</a:t>
             </a:r>
           </a:p>
           <a:p>
             <a:pPr lvl="1"/>
             <a:r>
-              <a:rPr lang="en-US" altLang="en-US" dirty="0" smtClean="0"/>
+              <a:rPr lang="en-US" altLang="en-US" dirty="0"/>
               <a:t>Used extensively by social media, navigation systems, weather systems, and other mobile-aware applications</a:t>
             </a:r>
           </a:p>
           <a:p>
             <a:r>
-              <a:rPr lang="en-US" altLang="en-US" dirty="0" smtClean="0"/>
+              <a:rPr lang="en-US" altLang="en-US" dirty="0"/>
               <a:t>Mobile devices using location services are at risk of targeted physical attacks</a:t>
             </a:r>
           </a:p>
           <a:p>
             <a:pPr lvl="1"/>
             <a:r>
-              <a:rPr lang="en-US" altLang="en-US" dirty="0" smtClean="0"/>
+              <a:rPr lang="en-US" altLang="en-US" dirty="0"/>
               <a:t>Attacker can follow user in order to steal the device or inflict harm upon the person</a:t>
             </a:r>
           </a:p>
@@ -28290,14 +28229,14 @@
           <a:ln/>
           <a:extLst>
             <a:ext uri="{909E8E84-426E-40dd-AFC4-6F175D3DCCD1}">
-              <a14:hiddenFill xmlns:a14="http://schemas.microsoft.com/office/drawing/2010/main">
+              <a14:hiddenFill xmlns:a14="http://schemas.microsoft.com/office/drawing/2010/main" xmlns="">
                 <a:solidFill>
                   <a:srgbClr val="FFFFFF"/>
                 </a:solidFill>
               </a14:hiddenFill>
             </a:ext>
             <a:ext uri="{91240B29-F687-4f45-9708-019B960494DF}">
-              <a14:hiddenLine xmlns:a14="http://schemas.microsoft.com/office/drawing/2010/main" w="9525">
+              <a14:hiddenLine xmlns:a14="http://schemas.microsoft.com/office/drawing/2010/main" xmlns="" w="9525">
                 <a:solidFill>
                   <a:srgbClr val="000000"/>
                 </a:solidFill>
@@ -28463,7 +28402,7 @@
   <p:timing>
     <p:tnLst>
       <p:par>
-        <p:cTn xmlns:p14="http://schemas.microsoft.com/office/powerpoint/2010/main" id="1" dur="indefinite" restart="never" nodeType="tmRoot">
+        <p:cTn id="1" dur="indefinite" restart="never" nodeType="tmRoot">
           <p:childTnLst>
             <p:seq concurrent="1" nextAc="seek">
               <p:cTn id="2" dur="indefinite" nodeType="mainSeq">
@@ -28771,7 +28710,7 @@
           <a:lstStyle/>
           <a:p>
             <a:r>
-              <a:rPr lang="en-US" altLang="en-US" smtClean="0"/>
+              <a:rPr lang="en-US" altLang="en-US"/>
               <a:t>Installing Unsecured Applications</a:t>
             </a:r>
           </a:p>
@@ -28793,59 +28732,59 @@
           <a:lstStyle/>
           <a:p>
             <a:r>
-              <a:rPr lang="en-US" altLang="en-US" dirty="0" smtClean="0"/>
+              <a:rPr lang="en-US" altLang="en-US" dirty="0"/>
               <a:t>Mobile devices are designed to easily locate, acquire, and install apps from a variety of sources</a:t>
             </a:r>
           </a:p>
           <a:p>
             <a:r>
-              <a:rPr lang="en-US" altLang="en-US" dirty="0" smtClean="0"/>
+              <a:rPr lang="en-US" altLang="en-US" dirty="0"/>
               <a:t>Many apps do not include security features</a:t>
             </a:r>
           </a:p>
           <a:p>
             <a:r>
-              <a:rPr lang="en-US" altLang="en-US" dirty="0" smtClean="0"/>
+              <a:rPr lang="en-US" altLang="en-US" dirty="0"/>
               <a:t>Mobile </a:t>
             </a:r>
             <a:r>
-              <a:rPr lang="en-US" altLang="en-US" dirty="0" err="1" smtClean="0"/>
+              <a:rPr lang="en-US" altLang="en-US" dirty="0" err="1"/>
               <a:t>OSs</a:t>
             </a:r>
             <a:r>
-              <a:rPr lang="en-US" altLang="en-US" dirty="0" smtClean="0"/>
+              <a:rPr lang="en-US" altLang="en-US" dirty="0"/>
               <a:t> have different levels of security</a:t>
             </a:r>
           </a:p>
           <a:p>
             <a:r>
-              <a:rPr lang="en-US" altLang="en-US" dirty="0" smtClean="0"/>
+              <a:rPr lang="en-US" altLang="en-US" dirty="0"/>
               <a:t>Apple </a:t>
             </a:r>
             <a:r>
-              <a:rPr lang="en-US" altLang="en-US" dirty="0" err="1" smtClean="0"/>
+              <a:rPr lang="en-US" altLang="en-US" dirty="0" err="1"/>
               <a:t>iOS</a:t>
             </a:r>
-            <a:endParaRPr lang="en-US" altLang="en-US" dirty="0" smtClean="0"/>
+            <a:endParaRPr lang="en-US" altLang="en-US" dirty="0"/>
           </a:p>
           <a:p>
             <a:pPr lvl="1"/>
             <a:r>
-              <a:rPr lang="en-US" altLang="en-US" dirty="0" smtClean="0"/>
+              <a:rPr lang="en-US" altLang="en-US" dirty="0"/>
               <a:t>A closed and proprietary architecture</a:t>
             </a:r>
           </a:p>
           <a:p>
             <a:pPr lvl="1"/>
             <a:r>
-              <a:rPr lang="en-US" altLang="en-US" dirty="0" smtClean="0"/>
+              <a:rPr lang="en-US" altLang="en-US" dirty="0"/>
               <a:t>More difficult for attackers to create an app that could compromise it</a:t>
             </a:r>
           </a:p>
           <a:p>
             <a:pPr lvl="1"/>
             <a:r>
-              <a:rPr lang="en-US" altLang="en-US" dirty="0" smtClean="0"/>
+              <a:rPr lang="en-US" altLang="en-US" dirty="0"/>
               <a:t>Uses its App Store as the sole source for distributing apps</a:t>
             </a:r>
           </a:p>
@@ -28866,14 +28805,14 @@
           <a:ln/>
           <a:extLst>
             <a:ext uri="{909E8E84-426E-40dd-AFC4-6F175D3DCCD1}">
-              <a14:hiddenFill xmlns:a14="http://schemas.microsoft.com/office/drawing/2010/main">
+              <a14:hiddenFill xmlns:a14="http://schemas.microsoft.com/office/drawing/2010/main" xmlns="">
                 <a:solidFill>
                   <a:srgbClr val="FFFFFF"/>
                 </a:solidFill>
               </a14:hiddenFill>
             </a:ext>
             <a:ext uri="{91240B29-F687-4f45-9708-019B960494DF}">
-              <a14:hiddenLine xmlns:a14="http://schemas.microsoft.com/office/drawing/2010/main" w="9525">
+              <a14:hiddenLine xmlns:a14="http://schemas.microsoft.com/office/drawing/2010/main" xmlns="" w="9525">
                 <a:solidFill>
                   <a:srgbClr val="000000"/>
                 </a:solidFill>
@@ -29039,7 +28978,7 @@
   <p:timing>
     <p:tnLst>
       <p:par>
-        <p:cTn xmlns:p14="http://schemas.microsoft.com/office/powerpoint/2010/main" id="1" dur="indefinite" restart="never" nodeType="tmRoot">
+        <p:cTn id="1" dur="indefinite" restart="never" nodeType="tmRoot">
           <p:childTnLst>
             <p:seq concurrent="1" nextAc="seek">
               <p:cTn id="2" dur="indefinite" nodeType="mainSeq">
@@ -29445,7 +29384,7 @@
           <a:lstStyle/>
           <a:p>
             <a:r>
-              <a:rPr lang="en-US" altLang="en-US" smtClean="0"/>
+              <a:rPr lang="en-US" altLang="en-US"/>
               <a:t>Installing Unsecured Applications</a:t>
             </a:r>
           </a:p>
@@ -29467,45 +29406,45 @@
           <a:lstStyle/>
           <a:p>
             <a:r>
-              <a:rPr lang="en-US" altLang="en-US" dirty="0" smtClean="0"/>
+              <a:rPr lang="en-US" altLang="en-US" dirty="0"/>
               <a:t>Apple </a:t>
             </a:r>
             <a:r>
-              <a:rPr lang="en-US" altLang="en-US" dirty="0" err="1" smtClean="0"/>
+              <a:rPr lang="en-US" altLang="en-US" dirty="0" err="1"/>
               <a:t>iOS</a:t>
             </a:r>
             <a:r>
-              <a:rPr lang="en-US" altLang="en-US" dirty="0" smtClean="0"/>
+              <a:rPr lang="en-US" altLang="en-US" dirty="0"/>
               <a:t> (cont’d)</a:t>
             </a:r>
           </a:p>
           <a:p>
             <a:pPr lvl="1"/>
             <a:r>
-              <a:rPr lang="en-US" altLang="en-US" dirty="0" smtClean="0"/>
+              <a:rPr lang="en-US" altLang="en-US" dirty="0"/>
               <a:t>A recent study compared the top 200 </a:t>
             </a:r>
             <a:r>
-              <a:rPr lang="en-US" altLang="en-US" dirty="0" err="1" smtClean="0"/>
+              <a:rPr lang="en-US" altLang="en-US" dirty="0" err="1"/>
               <a:t>iOS</a:t>
             </a:r>
             <a:r>
-              <a:rPr lang="en-US" altLang="en-US" dirty="0" smtClean="0"/>
+              <a:rPr lang="en-US" altLang="en-US" dirty="0"/>
               <a:t> and Android apps</a:t>
             </a:r>
           </a:p>
           <a:p>
             <a:pPr lvl="2"/>
             <a:r>
-              <a:rPr lang="en-US" altLang="en-US" dirty="0" smtClean="0"/>
+              <a:rPr lang="en-US" altLang="en-US" dirty="0"/>
               <a:t>Found that </a:t>
             </a:r>
             <a:r>
-              <a:rPr lang="en-US" altLang="en-US" dirty="0" err="1" smtClean="0"/>
+              <a:rPr lang="en-US" altLang="en-US" dirty="0" err="1"/>
               <a:t>iOS</a:t>
             </a:r>
             <a:r>
-              <a:rPr lang="en-US" altLang="en-US" dirty="0" smtClean="0"/>
+              <a:rPr lang="en-US" altLang="en-US" dirty="0"/>
               <a:t> apps exhibited a greater percentage of risky behaviors than Android apps</a:t>
             </a:r>
           </a:p>
@@ -29526,14 +29465,14 @@
           <a:ln/>
           <a:extLst>
             <a:ext uri="{909E8E84-426E-40dd-AFC4-6F175D3DCCD1}">
-              <a14:hiddenFill xmlns:a14="http://schemas.microsoft.com/office/drawing/2010/main">
+              <a14:hiddenFill xmlns:a14="http://schemas.microsoft.com/office/drawing/2010/main" xmlns="">
                 <a:solidFill>
                   <a:srgbClr val="FFFFFF"/>
                 </a:solidFill>
               </a14:hiddenFill>
             </a:ext>
             <a:ext uri="{91240B29-F687-4f45-9708-019B960494DF}">
-              <a14:hiddenLine xmlns:a14="http://schemas.microsoft.com/office/drawing/2010/main" w="9525">
+              <a14:hiddenLine xmlns:a14="http://schemas.microsoft.com/office/drawing/2010/main" xmlns="" w="9525">
                 <a:solidFill>
                   <a:srgbClr val="000000"/>
                 </a:solidFill>
@@ -29720,14 +29659,14 @@
           </a:ln>
           <a:extLst>
             <a:ext uri="{909E8E84-426E-40dd-AFC4-6F175D3DCCD1}">
-              <a14:hiddenFill xmlns:a14="http://schemas.microsoft.com/office/drawing/2010/main">
+              <a14:hiddenFill xmlns:a14="http://schemas.microsoft.com/office/drawing/2010/main" xmlns="">
                 <a:solidFill>
                   <a:srgbClr val="FFFFFF"/>
                 </a:solidFill>
               </a14:hiddenFill>
             </a:ext>
             <a:ext uri="{91240B29-F687-4f45-9708-019B960494DF}">
-              <a14:hiddenLine xmlns:a14="http://schemas.microsoft.com/office/drawing/2010/main" w="9525">
+              <a14:hiddenLine xmlns:a14="http://schemas.microsoft.com/office/drawing/2010/main" xmlns="" w="9525">
                 <a:solidFill>
                   <a:srgbClr val="000000"/>
                 </a:solidFill>
@@ -29747,7 +29686,7 @@
   <p:timing>
     <p:tnLst>
       <p:par>
-        <p:cTn xmlns:p14="http://schemas.microsoft.com/office/powerpoint/2010/main" id="1" dur="indefinite" restart="never" nodeType="tmRoot">
+        <p:cTn id="1" dur="indefinite" restart="never" nodeType="tmRoot">
           <p:childTnLst>
             <p:seq concurrent="1" nextAc="seek">
               <p:cTn id="2" dur="indefinite" nodeType="mainSeq">
@@ -29957,7 +29896,7 @@
           <a:lstStyle/>
           <a:p>
             <a:r>
-              <a:rPr lang="en-US" altLang="en-US" smtClean="0"/>
+              <a:rPr lang="en-US" altLang="en-US"/>
               <a:t>Installing Unsecured Applications</a:t>
             </a:r>
           </a:p>
@@ -29979,35 +29918,35 @@
           <a:lstStyle/>
           <a:p>
             <a:r>
-              <a:rPr lang="en-US" altLang="en-US" dirty="0" smtClean="0"/>
+              <a:rPr lang="en-US" altLang="en-US" dirty="0"/>
               <a:t>Google Android</a:t>
             </a:r>
           </a:p>
           <a:p>
             <a:pPr lvl="1"/>
             <a:r>
-              <a:rPr lang="en-US" altLang="en-US" dirty="0" smtClean="0"/>
+              <a:rPr lang="en-US" altLang="en-US" dirty="0"/>
               <a:t>Not proprietary and open for anyone to use or modify</a:t>
             </a:r>
           </a:p>
           <a:p>
             <a:pPr lvl="1"/>
             <a:r>
-              <a:rPr lang="en-US" altLang="en-US" dirty="0" smtClean="0"/>
+              <a:rPr lang="en-US" altLang="en-US" dirty="0"/>
               <a:t>Apps downloaded from Google Play store or from unofficial third-party websites</a:t>
             </a:r>
           </a:p>
           <a:p>
             <a:pPr lvl="1"/>
             <a:r>
-              <a:rPr lang="en-US" altLang="en-US" dirty="0" smtClean="0"/>
+              <a:rPr lang="en-US" altLang="en-US" dirty="0"/>
               <a:t>This makes Android apps highly risky</a:t>
             </a:r>
           </a:p>
           <a:p>
             <a:pPr lvl="1"/>
             <a:r>
-              <a:rPr lang="en-US" altLang="en-US" dirty="0" smtClean="0"/>
+              <a:rPr lang="en-US" altLang="en-US" dirty="0"/>
               <a:t>Most malicious apps designed to trick users into downloading costly services or steal user data</a:t>
             </a:r>
           </a:p>
@@ -30028,14 +29967,14 @@
           <a:ln/>
           <a:extLst>
             <a:ext uri="{909E8E84-426E-40dd-AFC4-6F175D3DCCD1}">
-              <a14:hiddenFill xmlns:a14="http://schemas.microsoft.com/office/drawing/2010/main">
+              <a14:hiddenFill xmlns:a14="http://schemas.microsoft.com/office/drawing/2010/main" xmlns="">
                 <a:solidFill>
                   <a:srgbClr val="FFFFFF"/>
                 </a:solidFill>
               </a14:hiddenFill>
             </a:ext>
             <a:ext uri="{91240B29-F687-4f45-9708-019B960494DF}">
-              <a14:hiddenLine xmlns:a14="http://schemas.microsoft.com/office/drawing/2010/main" w="9525">
+              <a14:hiddenLine xmlns:a14="http://schemas.microsoft.com/office/drawing/2010/main" xmlns="" w="9525">
                 <a:solidFill>
                   <a:srgbClr val="000000"/>
                 </a:solidFill>
@@ -30201,7 +30140,7 @@
   <p:timing>
     <p:tnLst>
       <p:par>
-        <p:cTn xmlns:p14="http://schemas.microsoft.com/office/powerpoint/2010/main" id="1" dur="indefinite" restart="never" nodeType="tmRoot">
+        <p:cTn id="1" dur="indefinite" restart="never" nodeType="tmRoot">
           <p:childTnLst>
             <p:seq concurrent="1" nextAc="seek">
               <p:cTn id="2" dur="indefinite" nodeType="mainSeq">
@@ -30509,7 +30448,7 @@
           <a:lstStyle/>
           <a:p>
             <a:r>
-              <a:rPr lang="en-US" altLang="en-US" smtClean="0"/>
+              <a:rPr lang="en-US" altLang="en-US"/>
               <a:t>Accessing Untrusted Content</a:t>
             </a:r>
           </a:p>
@@ -30531,71 +30470,71 @@
           <a:lstStyle/>
           <a:p>
             <a:r>
-              <a:rPr lang="en-US" altLang="en-US" dirty="0" smtClean="0"/>
+              <a:rPr lang="en-US" altLang="en-US" dirty="0"/>
               <a:t>Quick Response (</a:t>
             </a:r>
             <a:r>
-              <a:rPr lang="en-US" altLang="en-US" dirty="0" err="1" smtClean="0"/>
+              <a:rPr lang="en-US" altLang="en-US" dirty="0" err="1"/>
               <a:t>QR</a:t>
             </a:r>
             <a:r>
-              <a:rPr lang="en-US" altLang="en-US" dirty="0" smtClean="0"/>
+              <a:rPr lang="en-US" altLang="en-US" dirty="0"/>
               <a:t>) codes</a:t>
             </a:r>
           </a:p>
           <a:p>
             <a:pPr lvl="1"/>
             <a:r>
-              <a:rPr lang="en-US" altLang="en-US" dirty="0" smtClean="0"/>
+              <a:rPr lang="en-US" altLang="en-US" dirty="0"/>
               <a:t>A matrix or two-dimensional barcode </a:t>
             </a:r>
           </a:p>
           <a:p>
             <a:pPr lvl="2"/>
             <a:r>
-              <a:rPr lang="en-US" altLang="en-US" dirty="0" smtClean="0"/>
+              <a:rPr lang="en-US" altLang="en-US" dirty="0"/>
               <a:t>can be read by an imaging device</a:t>
             </a:r>
           </a:p>
           <a:p>
             <a:pPr lvl="1"/>
             <a:r>
-              <a:rPr lang="en-US" altLang="en-US" dirty="0" smtClean="0"/>
+              <a:rPr lang="en-US" altLang="en-US" dirty="0"/>
               <a:t>Applications for these codes include:</a:t>
             </a:r>
           </a:p>
           <a:p>
             <a:pPr lvl="2"/>
             <a:r>
-              <a:rPr lang="en-US" altLang="en-US" dirty="0" smtClean="0"/>
+              <a:rPr lang="en-US" altLang="en-US" dirty="0"/>
               <a:t>Product tracking, item identification, time tracking, document management, and general marketing</a:t>
             </a:r>
           </a:p>
           <a:p>
             <a:pPr lvl="1"/>
             <a:r>
-              <a:rPr lang="en-US" altLang="en-US" dirty="0" smtClean="0"/>
+              <a:rPr lang="en-US" altLang="en-US" dirty="0"/>
               <a:t>Attacker can create an ad listing a reputable website but </a:t>
             </a:r>
             <a:r>
-              <a:rPr lang="en-US" altLang="en-US" dirty="0" err="1" smtClean="0"/>
+              <a:rPr lang="en-US" altLang="en-US" dirty="0" err="1"/>
               <a:t>QR</a:t>
             </a:r>
             <a:r>
-              <a:rPr lang="en-US" altLang="en-US" dirty="0" smtClean="0"/>
+              <a:rPr lang="en-US" altLang="en-US" dirty="0"/>
               <a:t> code that contains a malicious URL</a:t>
             </a:r>
           </a:p>
           <a:p>
             <a:pPr lvl="2"/>
             <a:r>
-              <a:rPr lang="en-US" altLang="en-US" dirty="0" smtClean="0"/>
+              <a:rPr lang="en-US" altLang="en-US" dirty="0"/>
               <a:t>Code directs a user’s browser to attacker’s website or a site that downloads malware</a:t>
             </a:r>
           </a:p>
           <a:p>
             <a:pPr lvl="2"/>
-            <a:endParaRPr lang="en-US" altLang="en-US" dirty="0" smtClean="0"/>
+            <a:endParaRPr lang="en-US" altLang="en-US" dirty="0"/>
           </a:p>
         </p:txBody>
       </p:sp>
@@ -30614,14 +30553,14 @@
           <a:ln/>
           <a:extLst>
             <a:ext uri="{909E8E84-426E-40dd-AFC4-6F175D3DCCD1}">
-              <a14:hiddenFill xmlns:a14="http://schemas.microsoft.com/office/drawing/2010/main">
+              <a14:hiddenFill xmlns:a14="http://schemas.microsoft.com/office/drawing/2010/main" xmlns="">
                 <a:solidFill>
                   <a:srgbClr val="FFFFFF"/>
                 </a:solidFill>
               </a14:hiddenFill>
             </a:ext>
             <a:ext uri="{91240B29-F687-4f45-9708-019B960494DF}">
-              <a14:hiddenLine xmlns:a14="http://schemas.microsoft.com/office/drawing/2010/main" w="9525">
+              <a14:hiddenLine xmlns:a14="http://schemas.microsoft.com/office/drawing/2010/main" xmlns="" w="9525">
                 <a:solidFill>
                   <a:srgbClr val="000000"/>
                 </a:solidFill>
@@ -30787,7 +30726,7 @@
   <p:timing>
     <p:tnLst>
       <p:par>
-        <p:cTn xmlns:p14="http://schemas.microsoft.com/office/powerpoint/2010/main" id="1" dur="indefinite" restart="never" nodeType="tmRoot">
+        <p:cTn id="1" dur="indefinite" restart="never" nodeType="tmRoot">
           <p:childTnLst>
             <p:seq concurrent="1" nextAc="seek">
               <p:cTn id="2" dur="indefinite" nodeType="mainSeq">
@@ -31193,7 +31132,7 @@
           <a:lstStyle/>
           <a:p>
             <a:r>
-              <a:rPr lang="en-US" altLang="en-US" smtClean="0"/>
+              <a:rPr lang="en-US" altLang="en-US"/>
               <a:t>Bring Your Own Device (BYOD) Risks</a:t>
             </a:r>
           </a:p>
@@ -31215,64 +31154,64 @@
           <a:lstStyle/>
           <a:p>
             <a:r>
-              <a:rPr lang="en-US" altLang="en-US" dirty="0" smtClean="0"/>
+              <a:rPr lang="en-US" altLang="en-US" dirty="0"/>
               <a:t>Bring Your Own Device (</a:t>
             </a:r>
             <a:r>
-              <a:rPr lang="en-US" altLang="en-US" dirty="0" err="1" smtClean="0"/>
+              <a:rPr lang="en-US" altLang="en-US" dirty="0" err="1"/>
               <a:t>BYOD</a:t>
             </a:r>
             <a:r>
-              <a:rPr lang="en-US" altLang="en-US" dirty="0" smtClean="0"/>
+              <a:rPr lang="en-US" altLang="en-US" dirty="0"/>
               <a:t>) policy</a:t>
             </a:r>
           </a:p>
           <a:p>
             <a:pPr lvl="1"/>
             <a:r>
-              <a:rPr lang="en-US" altLang="en-US" dirty="0" smtClean="0"/>
+              <a:rPr lang="en-US" altLang="en-US" dirty="0"/>
               <a:t>Allows users to use own mobile device for business or organizational purposes</a:t>
             </a:r>
           </a:p>
           <a:p>
             <a:r>
-              <a:rPr lang="en-US" altLang="en-US" dirty="0" smtClean="0"/>
+              <a:rPr lang="en-US" altLang="en-US" dirty="0"/>
               <a:t>Risks associated with </a:t>
             </a:r>
             <a:r>
-              <a:rPr lang="en-US" altLang="en-US" dirty="0" err="1" smtClean="0"/>
+              <a:rPr lang="en-US" altLang="en-US" dirty="0" err="1"/>
               <a:t>BYOD</a:t>
             </a:r>
             <a:r>
-              <a:rPr lang="en-US" altLang="en-US" dirty="0" smtClean="0"/>
+              <a:rPr lang="en-US" altLang="en-US" dirty="0"/>
               <a:t>:</a:t>
             </a:r>
           </a:p>
           <a:p>
             <a:pPr lvl="1"/>
             <a:r>
-              <a:rPr lang="en-US" altLang="en-US" dirty="0" smtClean="0"/>
+              <a:rPr lang="en-US" altLang="en-US" dirty="0"/>
               <a:t>Users may erase the installed/built-in limitations on their smartphone</a:t>
             </a:r>
           </a:p>
           <a:p>
             <a:pPr lvl="1"/>
             <a:r>
-              <a:rPr lang="en-US" altLang="en-US" dirty="0" smtClean="0"/>
+              <a:rPr lang="en-US" altLang="en-US" dirty="0"/>
               <a:t>Often shared with family members and friends</a:t>
             </a:r>
           </a:p>
           <a:p>
             <a:pPr lvl="1"/>
             <a:r>
-              <a:rPr lang="en-US" altLang="en-US" dirty="0" smtClean="0"/>
+              <a:rPr lang="en-US" altLang="en-US" dirty="0"/>
               <a:t>Technical support staff has to support hundreds of different mobile devices</a:t>
             </a:r>
           </a:p>
           <a:p>
             <a:pPr lvl="1"/>
             <a:r>
-              <a:rPr lang="en-US" altLang="en-US" dirty="0" smtClean="0"/>
+              <a:rPr lang="en-US" altLang="en-US" dirty="0"/>
               <a:t>If an employee is let go, difficult to erase any corporate data from personal mobile device</a:t>
             </a:r>
           </a:p>
@@ -31293,14 +31232,14 @@
           <a:ln/>
           <a:extLst>
             <a:ext uri="{909E8E84-426E-40dd-AFC4-6F175D3DCCD1}">
-              <a14:hiddenFill xmlns:a14="http://schemas.microsoft.com/office/drawing/2010/main">
+              <a14:hiddenFill xmlns:a14="http://schemas.microsoft.com/office/drawing/2010/main" xmlns="">
                 <a:solidFill>
                   <a:srgbClr val="FFFFFF"/>
                 </a:solidFill>
               </a14:hiddenFill>
             </a:ext>
             <a:ext uri="{91240B29-F687-4f45-9708-019B960494DF}">
-              <a14:hiddenLine xmlns:a14="http://schemas.microsoft.com/office/drawing/2010/main" w="9525">
+              <a14:hiddenLine xmlns:a14="http://schemas.microsoft.com/office/drawing/2010/main" xmlns="" w="9525">
                 <a:solidFill>
                   <a:srgbClr val="000000"/>
                 </a:solidFill>
@@ -31466,7 +31405,7 @@
   <p:timing>
     <p:tnLst>
       <p:par>
-        <p:cTn xmlns:p14="http://schemas.microsoft.com/office/powerpoint/2010/main" id="1" dur="indefinite" restart="never" nodeType="tmRoot">
+        <p:cTn id="1" dur="indefinite" restart="never" nodeType="tmRoot">
           <p:childTnLst>
             <p:seq concurrent="1" nextAc="seek">
               <p:cTn id="2" dur="indefinite" nodeType="mainSeq">
@@ -31872,7 +31811,7 @@
           <a:lstStyle/>
           <a:p>
             <a:r>
-              <a:rPr lang="en-US" altLang="en-US" smtClean="0"/>
+              <a:rPr lang="en-US" altLang="en-US"/>
               <a:t>Securing Mobile Devices</a:t>
             </a:r>
           </a:p>
@@ -31894,28 +31833,28 @@
           <a:lstStyle/>
           <a:p>
             <a:r>
-              <a:rPr lang="en-US" altLang="en-US" dirty="0" smtClean="0"/>
+              <a:rPr lang="en-US" altLang="en-US" dirty="0"/>
               <a:t>Steps to securing mobile devices:</a:t>
             </a:r>
           </a:p>
           <a:p>
             <a:pPr lvl="1"/>
             <a:r>
-              <a:rPr lang="en-US" altLang="en-US" dirty="0" smtClean="0"/>
+              <a:rPr lang="en-US" altLang="en-US" dirty="0"/>
               <a:t>Initial setup of the device</a:t>
             </a:r>
           </a:p>
           <a:p>
             <a:pPr lvl="1"/>
             <a:r>
-              <a:rPr lang="en-US" altLang="en-US" dirty="0" smtClean="0"/>
+              <a:rPr lang="en-US" altLang="en-US" dirty="0"/>
               <a:t>Its ongoing management</a:t>
             </a:r>
           </a:p>
           <a:p>
             <a:pPr lvl="1"/>
             <a:r>
-              <a:rPr lang="en-US" altLang="en-US" dirty="0" smtClean="0"/>
+              <a:rPr lang="en-US" altLang="en-US" dirty="0"/>
               <a:t>Deal with theft or loss of the device</a:t>
             </a:r>
           </a:p>
@@ -31936,14 +31875,14 @@
           <a:ln/>
           <a:extLst>
             <a:ext uri="{909E8E84-426E-40dd-AFC4-6F175D3DCCD1}">
-              <a14:hiddenFill xmlns:a14="http://schemas.microsoft.com/office/drawing/2010/main">
+              <a14:hiddenFill xmlns:a14="http://schemas.microsoft.com/office/drawing/2010/main" xmlns="">
                 <a:solidFill>
                   <a:srgbClr val="FFFFFF"/>
                 </a:solidFill>
               </a14:hiddenFill>
             </a:ext>
             <a:ext uri="{91240B29-F687-4f45-9708-019B960494DF}">
-              <a14:hiddenLine xmlns:a14="http://schemas.microsoft.com/office/drawing/2010/main" w="9525">
+              <a14:hiddenLine xmlns:a14="http://schemas.microsoft.com/office/drawing/2010/main" xmlns="" w="9525">
                 <a:solidFill>
                   <a:srgbClr val="000000"/>
                 </a:solidFill>
@@ -32109,7 +32048,7 @@
   <p:timing>
     <p:tnLst>
       <p:par>
-        <p:cTn xmlns:p14="http://schemas.microsoft.com/office/powerpoint/2010/main" id="1" dur="indefinite" restart="never" nodeType="tmRoot">
+        <p:cTn id="1" dur="indefinite" restart="never" nodeType="tmRoot">
           <p:childTnLst>
             <p:seq concurrent="1" nextAc="seek">
               <p:cTn id="2" dur="indefinite" nodeType="mainSeq">
@@ -32368,7 +32307,7 @@
           <a:lstStyle/>
           <a:p>
             <a:r>
-              <a:rPr lang="en-US" altLang="en-US" smtClean="0"/>
+              <a:rPr lang="en-US" altLang="en-US"/>
               <a:t>Device Setup</a:t>
             </a:r>
           </a:p>
@@ -32390,57 +32329,57 @@
           <a:lstStyle/>
           <a:p>
             <a:r>
-              <a:rPr lang="en-US" altLang="en-US" dirty="0" smtClean="0"/>
+              <a:rPr lang="en-US" altLang="en-US" dirty="0"/>
               <a:t>Disable Unused Features</a:t>
             </a:r>
           </a:p>
           <a:p>
             <a:pPr lvl="1"/>
             <a:r>
-              <a:rPr lang="en-US" altLang="en-US" dirty="0" smtClean="0"/>
+              <a:rPr lang="en-US" altLang="en-US" dirty="0"/>
               <a:t>Disable unused features and turn off those that do not support the business use of the phone</a:t>
             </a:r>
           </a:p>
           <a:p>
             <a:pPr lvl="1"/>
             <a:r>
-              <a:rPr lang="en-US" altLang="en-US" dirty="0" smtClean="0"/>
+              <a:rPr lang="en-US" altLang="en-US" dirty="0"/>
               <a:t>Disable Bluetooth wireless data communication</a:t>
             </a:r>
           </a:p>
           <a:p>
             <a:pPr lvl="2"/>
             <a:r>
-              <a:rPr lang="en-US" altLang="en-US" dirty="0" smtClean="0"/>
+              <a:rPr lang="en-US" altLang="en-US" dirty="0"/>
               <a:t>In order to prevent </a:t>
             </a:r>
             <a:r>
-              <a:rPr lang="en-US" altLang="en-US" dirty="0" err="1" smtClean="0"/>
+              <a:rPr lang="en-US" altLang="en-US" dirty="0" err="1"/>
               <a:t>bluejacking</a:t>
             </a:r>
             <a:r>
-              <a:rPr lang="en-US" altLang="en-US" dirty="0" smtClean="0"/>
+              <a:rPr lang="en-US" altLang="en-US" dirty="0"/>
               <a:t> and </a:t>
             </a:r>
             <a:r>
-              <a:rPr lang="en-US" altLang="en-US" dirty="0" err="1" smtClean="0"/>
+              <a:rPr lang="en-US" altLang="en-US" dirty="0" err="1"/>
               <a:t>bluesnarfing</a:t>
             </a:r>
-            <a:endParaRPr lang="en-US" altLang="en-US" dirty="0" smtClean="0"/>
-          </a:p>
-          <a:p>
-            <a:endParaRPr lang="en-US" altLang="en-US" dirty="0" smtClean="0"/>
-          </a:p>
-          <a:p>
-            <a:r>
-              <a:rPr lang="en-US" altLang="en-US" dirty="0" smtClean="0"/>
+            <a:endParaRPr lang="en-US" altLang="en-US" dirty="0"/>
+          </a:p>
+          <a:p>
+            <a:endParaRPr lang="en-US" altLang="en-US" dirty="0"/>
+          </a:p>
+          <a:p>
+            <a:r>
+              <a:rPr lang="en-US" altLang="en-US" dirty="0"/>
               <a:t>Enable Lock Screen after inactivity</a:t>
             </a:r>
           </a:p>
           <a:p>
             <a:pPr lvl="1"/>
             <a:r>
-              <a:rPr lang="en-US" altLang="en-US" dirty="0" smtClean="0"/>
+              <a:rPr lang="en-US" altLang="en-US" dirty="0"/>
               <a:t>Prevents device from being used until the user enters the correct passcode</a:t>
             </a:r>
           </a:p>
@@ -32461,14 +32400,14 @@
           <a:ln/>
           <a:extLst>
             <a:ext uri="{909E8E84-426E-40dd-AFC4-6F175D3DCCD1}">
-              <a14:hiddenFill xmlns:a14="http://schemas.microsoft.com/office/drawing/2010/main">
+              <a14:hiddenFill xmlns:a14="http://schemas.microsoft.com/office/drawing/2010/main" xmlns="">
                 <a:solidFill>
                   <a:srgbClr val="FFFFFF"/>
                 </a:solidFill>
               </a14:hiddenFill>
             </a:ext>
             <a:ext uri="{91240B29-F687-4f45-9708-019B960494DF}">
-              <a14:hiddenLine xmlns:a14="http://schemas.microsoft.com/office/drawing/2010/main" w="9525">
+              <a14:hiddenLine xmlns:a14="http://schemas.microsoft.com/office/drawing/2010/main" xmlns="" w="9525">
                 <a:solidFill>
                   <a:srgbClr val="000000"/>
                 </a:solidFill>
@@ -32634,7 +32573,7 @@
   <p:timing>
     <p:tnLst>
       <p:par>
-        <p:cTn xmlns:p14="http://schemas.microsoft.com/office/powerpoint/2010/main" id="1" dur="indefinite" restart="never" nodeType="tmRoot">
+        <p:cTn id="1" dur="indefinite" restart="never" nodeType="tmRoot">
           <p:childTnLst>
             <p:seq concurrent="1" nextAc="seek">
               <p:cTn id="2" dur="indefinite" nodeType="mainSeq">
@@ -32991,7 +32930,7 @@
           <a:lstStyle/>
           <a:p>
             <a:r>
-              <a:rPr lang="en-US" altLang="en-US" smtClean="0"/>
+              <a:rPr lang="en-US" altLang="en-US"/>
               <a:t>Portable Computers</a:t>
             </a:r>
           </a:p>
@@ -33018,61 +32957,61 @@
           <a:lstStyle/>
           <a:p>
             <a:r>
-              <a:rPr lang="en-US" altLang="en-US" dirty="0" smtClean="0"/>
+              <a:rPr lang="en-US" altLang="en-US" dirty="0"/>
               <a:t>Portable computers</a:t>
             </a:r>
           </a:p>
           <a:p>
             <a:pPr lvl="1"/>
             <a:r>
-              <a:rPr lang="en-US" altLang="en-US" dirty="0" smtClean="0"/>
+              <a:rPr lang="en-US" altLang="en-US" dirty="0"/>
               <a:t>Similar hardware and the same OS/application software found on a desktop computers</a:t>
             </a:r>
           </a:p>
           <a:p>
             <a:r>
-              <a:rPr lang="en-US" altLang="en-US" dirty="0" smtClean="0"/>
+              <a:rPr lang="en-US" altLang="en-US" dirty="0"/>
               <a:t>Primary difference</a:t>
             </a:r>
           </a:p>
           <a:p>
             <a:pPr lvl="1"/>
             <a:r>
-              <a:rPr lang="en-US" altLang="en-US" dirty="0" smtClean="0"/>
+              <a:rPr lang="en-US" altLang="en-US" dirty="0"/>
               <a:t>Smaller self-contained devices </a:t>
             </a:r>
           </a:p>
           <a:p>
             <a:pPr lvl="1"/>
             <a:r>
-              <a:rPr lang="en-US" altLang="en-US" dirty="0" smtClean="0"/>
+              <a:rPr lang="en-US" altLang="en-US" dirty="0"/>
               <a:t>easily transported from one location to another </a:t>
             </a:r>
           </a:p>
           <a:p>
             <a:pPr lvl="1"/>
             <a:r>
-              <a:rPr lang="en-US" altLang="en-US" dirty="0" smtClean="0"/>
+              <a:rPr lang="en-US" altLang="en-US" dirty="0"/>
               <a:t>while operating on battery power</a:t>
             </a:r>
           </a:p>
           <a:p>
             <a:r>
-              <a:rPr lang="en-US" altLang="en-US" dirty="0" smtClean="0"/>
+              <a:rPr lang="en-US" altLang="en-US" dirty="0"/>
               <a:t>Laptop</a:t>
             </a:r>
           </a:p>
           <a:p>
             <a:pPr lvl="1"/>
             <a:r>
-              <a:rPr lang="en-US" altLang="en-US" dirty="0" smtClean="0"/>
+              <a:rPr lang="en-US" altLang="en-US" dirty="0"/>
               <a:t>Regarded as the earliest portable computer</a:t>
             </a:r>
           </a:p>
           <a:p>
             <a:pPr lvl="1"/>
             <a:r>
-              <a:rPr lang="en-US" altLang="en-US" dirty="0" smtClean="0"/>
+              <a:rPr lang="en-US" altLang="en-US" dirty="0"/>
               <a:t>Multiple hardware ports and may accommodate limited hardware upgrades</a:t>
             </a:r>
           </a:p>
@@ -33093,14 +33032,14 @@
           <a:ln/>
           <a:extLst>
             <a:ext uri="{909E8E84-426E-40dd-AFC4-6F175D3DCCD1}">
-              <a14:hiddenFill xmlns:a14="http://schemas.microsoft.com/office/drawing/2010/main">
+              <a14:hiddenFill xmlns:a14="http://schemas.microsoft.com/office/drawing/2010/main" xmlns="">
                 <a:solidFill>
                   <a:srgbClr val="FFFFFF"/>
                 </a:solidFill>
               </a14:hiddenFill>
             </a:ext>
             <a:ext uri="{91240B29-F687-4f45-9708-019B960494DF}">
-              <a14:hiddenLine xmlns:a14="http://schemas.microsoft.com/office/drawing/2010/main" w="9525">
+              <a14:hiddenLine xmlns:a14="http://schemas.microsoft.com/office/drawing/2010/main" xmlns="" w="9525">
                 <a:solidFill>
                   <a:srgbClr val="000000"/>
                 </a:solidFill>
@@ -33266,7 +33205,7 @@
   <p:timing>
     <p:tnLst>
       <p:par>
-        <p:cTn xmlns:p14="http://schemas.microsoft.com/office/powerpoint/2010/main" id="1" dur="indefinite" restart="never" nodeType="tmRoot">
+        <p:cTn id="1" dur="indefinite" restart="never" nodeType="tmRoot">
           <p:childTnLst>
             <p:seq concurrent="1" nextAc="seek">
               <p:cTn id="2" dur="indefinite" nodeType="mainSeq">
@@ -33770,7 +33709,7 @@
           <a:lstStyle/>
           <a:p>
             <a:r>
-              <a:rPr lang="en-US" altLang="en-US" smtClean="0"/>
+              <a:rPr lang="en-US" altLang="en-US"/>
               <a:t>Device Setup</a:t>
             </a:r>
           </a:p>
@@ -33792,49 +33731,49 @@
           <a:lstStyle/>
           <a:p>
             <a:r>
-              <a:rPr lang="en-US" altLang="en-US" dirty="0" smtClean="0"/>
+              <a:rPr lang="en-US" altLang="en-US" dirty="0"/>
               <a:t>Enable Lock Screen (cont’d)</a:t>
             </a:r>
           </a:p>
           <a:p>
             <a:pPr lvl="1"/>
             <a:r>
-              <a:rPr lang="en-US" altLang="en-US" dirty="0" smtClean="0"/>
+              <a:rPr lang="en-US" altLang="en-US" dirty="0"/>
               <a:t>After a number of failed attempts to enter passcode, additional security protections will occur:</a:t>
             </a:r>
           </a:p>
           <a:p>
             <a:pPr lvl="2"/>
             <a:r>
-              <a:rPr lang="en-US" altLang="en-US" dirty="0" smtClean="0"/>
+              <a:rPr lang="en-US" altLang="en-US" dirty="0"/>
               <a:t>Extend lockout period</a:t>
             </a:r>
           </a:p>
           <a:p>
             <a:pPr lvl="2"/>
             <a:r>
-              <a:rPr lang="en-US" altLang="en-US" dirty="0" smtClean="0"/>
+              <a:rPr lang="en-US" altLang="en-US" dirty="0"/>
               <a:t>Reset to factory settings</a:t>
             </a:r>
           </a:p>
           <a:p>
             <a:pPr lvl="1"/>
             <a:r>
-              <a:rPr lang="en-US" altLang="en-US" dirty="0" smtClean="0"/>
+              <a:rPr lang="en-US" altLang="en-US" dirty="0"/>
               <a:t>Most devices have options for the type of passcode</a:t>
             </a:r>
           </a:p>
           <a:p>
             <a:pPr lvl="2"/>
             <a:r>
-              <a:rPr lang="en-US" altLang="en-US" dirty="0" smtClean="0"/>
+              <a:rPr lang="en-US" altLang="en-US" dirty="0"/>
               <a:t>A popular option is to draw or swipe a specific pattern connecting dots</a:t>
             </a:r>
           </a:p>
           <a:p>
             <a:pPr lvl="2"/>
             <a:r>
-              <a:rPr lang="en-US" altLang="en-US" dirty="0" smtClean="0"/>
+              <a:rPr lang="en-US" altLang="en-US" dirty="0"/>
               <a:t>Least effective code is a short PIN</a:t>
             </a:r>
           </a:p>
@@ -33855,14 +33794,14 @@
           <a:ln/>
           <a:extLst>
             <a:ext uri="{909E8E84-426E-40dd-AFC4-6F175D3DCCD1}">
-              <a14:hiddenFill xmlns:a14="http://schemas.microsoft.com/office/drawing/2010/main">
+              <a14:hiddenFill xmlns:a14="http://schemas.microsoft.com/office/drawing/2010/main" xmlns="">
                 <a:solidFill>
                   <a:srgbClr val="FFFFFF"/>
                 </a:solidFill>
               </a14:hiddenFill>
             </a:ext>
             <a:ext uri="{91240B29-F687-4f45-9708-019B960494DF}">
-              <a14:hiddenLine xmlns:a14="http://schemas.microsoft.com/office/drawing/2010/main" w="9525">
+              <a14:hiddenLine xmlns:a14="http://schemas.microsoft.com/office/drawing/2010/main" xmlns="" w="9525">
                 <a:solidFill>
                   <a:srgbClr val="000000"/>
                 </a:solidFill>
@@ -34028,7 +33967,7 @@
   <p:timing>
     <p:tnLst>
       <p:par>
-        <p:cTn xmlns:p14="http://schemas.microsoft.com/office/powerpoint/2010/main" id="1" dur="indefinite" restart="never" nodeType="tmRoot">
+        <p:cTn id="1" dur="indefinite" restart="never" nodeType="tmRoot">
           <p:childTnLst>
             <p:seq concurrent="1" nextAc="seek">
               <p:cTn id="2" dur="indefinite" nodeType="mainSeq">
@@ -34434,7 +34373,7 @@
           <a:lstStyle/>
           <a:p>
             <a:r>
-              <a:rPr lang="en-US" altLang="en-US" smtClean="0"/>
+              <a:rPr lang="en-US" altLang="en-US"/>
               <a:t>Device Setup</a:t>
             </a:r>
           </a:p>
@@ -34455,14 +34394,14 @@
           <a:ln/>
           <a:extLst>
             <a:ext uri="{909E8E84-426E-40dd-AFC4-6F175D3DCCD1}">
-              <a14:hiddenFill xmlns:a14="http://schemas.microsoft.com/office/drawing/2010/main">
+              <a14:hiddenFill xmlns:a14="http://schemas.microsoft.com/office/drawing/2010/main" xmlns="">
                 <a:solidFill>
                   <a:srgbClr val="FFFFFF"/>
                 </a:solidFill>
               </a14:hiddenFill>
             </a:ext>
             <a:ext uri="{91240B29-F687-4f45-9708-019B960494DF}">
-              <a14:hiddenLine xmlns:a14="http://schemas.microsoft.com/office/drawing/2010/main" w="9525">
+              <a14:hiddenLine xmlns:a14="http://schemas.microsoft.com/office/drawing/2010/main" xmlns="" w="9525">
                 <a:solidFill>
                   <a:srgbClr val="000000"/>
                 </a:solidFill>
@@ -34649,13 +34588,6 @@
   <p:clrMapOvr>
     <a:masterClrMapping/>
   </p:clrMapOvr>
-  <p:timing>
-    <p:tnLst>
-      <p:par>
-        <p:cTn xmlns:p14="http://schemas.microsoft.com/office/powerpoint/2010/main" id="1" dur="indefinite" restart="never" nodeType="tmRoot"/>
-      </p:par>
-    </p:tnLst>
-  </p:timing>
 </p:sld>
 </file>
 
@@ -34692,7 +34624,7 @@
           <a:lstStyle/>
           <a:p>
             <a:r>
-              <a:rPr lang="en-US" altLang="en-US" smtClean="0"/>
+              <a:rPr lang="en-US" altLang="en-US"/>
               <a:t>Device Setup</a:t>
             </a:r>
           </a:p>
@@ -34713,14 +34645,14 @@
           <a:ln/>
           <a:extLst>
             <a:ext uri="{909E8E84-426E-40dd-AFC4-6F175D3DCCD1}">
-              <a14:hiddenFill xmlns:a14="http://schemas.microsoft.com/office/drawing/2010/main">
+              <a14:hiddenFill xmlns:a14="http://schemas.microsoft.com/office/drawing/2010/main" xmlns="">
                 <a:solidFill>
                   <a:srgbClr val="FFFFFF"/>
                 </a:solidFill>
               </a14:hiddenFill>
             </a:ext>
             <a:ext uri="{91240B29-F687-4f45-9708-019B960494DF}">
-              <a14:hiddenLine xmlns:a14="http://schemas.microsoft.com/office/drawing/2010/main" w="9525">
+              <a14:hiddenLine xmlns:a14="http://schemas.microsoft.com/office/drawing/2010/main" xmlns="" w="9525">
                 <a:solidFill>
                   <a:srgbClr val="000000"/>
                 </a:solidFill>
@@ -34894,29 +34826,29 @@
           <a:lstStyle/>
           <a:p>
             <a:r>
-              <a:rPr lang="en-US" altLang="en-US" dirty="0" smtClean="0"/>
+              <a:rPr lang="en-US" altLang="en-US" dirty="0"/>
               <a:t>Use Encryption</a:t>
             </a:r>
           </a:p>
           <a:p>
             <a:pPr lvl="1"/>
             <a:r>
-              <a:rPr lang="en-US" altLang="en-US" dirty="0" smtClean="0"/>
+              <a:rPr lang="en-US" altLang="en-US" dirty="0"/>
               <a:t>Neither </a:t>
             </a:r>
             <a:r>
-              <a:rPr lang="en-US" altLang="en-US" dirty="0" err="1" smtClean="0"/>
+              <a:rPr lang="en-US" altLang="en-US" dirty="0" err="1"/>
               <a:t>iOS</a:t>
             </a:r>
             <a:r>
-              <a:rPr lang="en-US" altLang="en-US" dirty="0" smtClean="0"/>
+              <a:rPr lang="en-US" altLang="en-US" dirty="0"/>
               <a:t> or Android provide native cryptography,</a:t>
             </a:r>
           </a:p>
           <a:p>
             <a:pPr lvl="2"/>
             <a:r>
-              <a:rPr lang="en-US" altLang="en-US" dirty="0" smtClean="0"/>
+              <a:rPr lang="en-US" altLang="en-US" dirty="0"/>
               <a:t>third-party apps must be installed to provide encryption</a:t>
             </a:r>
           </a:p>
@@ -34924,26 +34856,26 @@
             <a:pPr marL="914400" lvl="2" indent="0">
               <a:buNone/>
             </a:pPr>
-            <a:endParaRPr lang="en-US" altLang="en-US" dirty="0" smtClean="0"/>
+            <a:endParaRPr lang="en-US" altLang="en-US" dirty="0"/>
           </a:p>
           <a:p>
             <a:pPr lvl="1"/>
             <a:r>
-              <a:rPr lang="en-US" altLang="en-US" dirty="0" smtClean="0"/>
+              <a:rPr lang="en-US" altLang="en-US" dirty="0"/>
               <a:t>Two encryption options:</a:t>
             </a:r>
           </a:p>
           <a:p>
             <a:pPr lvl="2"/>
             <a:r>
-              <a:rPr lang="en-US" altLang="en-US" dirty="0" smtClean="0"/>
+              <a:rPr lang="en-US" altLang="en-US" dirty="0"/>
               <a:t>Full device encryption</a:t>
             </a:r>
           </a:p>
           <a:p>
             <a:pPr lvl="2"/>
             <a:r>
-              <a:rPr lang="en-US" altLang="en-US" dirty="0" smtClean="0"/>
+              <a:rPr lang="en-US" altLang="en-US" dirty="0"/>
               <a:t>Separating data storage into containers and encrypt only sensitive data</a:t>
             </a:r>
           </a:p>
@@ -34957,7 +34889,7 @@
   <p:timing>
     <p:tnLst>
       <p:par>
-        <p:cTn xmlns:p14="http://schemas.microsoft.com/office/powerpoint/2010/main" id="1" dur="indefinite" restart="never" nodeType="tmRoot">
+        <p:cTn id="1" dur="indefinite" restart="never" nodeType="tmRoot">
           <p:childTnLst>
             <p:seq concurrent="1" nextAc="seek">
               <p:cTn id="2" dur="indefinite" nodeType="mainSeq">
@@ -35314,7 +35246,7 @@
           <a:lstStyle/>
           <a:p>
             <a:r>
-              <a:rPr lang="en-US" altLang="en-US" smtClean="0"/>
+              <a:rPr lang="en-US" altLang="en-US"/>
               <a:t>Device Setup</a:t>
             </a:r>
           </a:p>
@@ -35335,14 +35267,14 @@
           <a:ln/>
           <a:extLst>
             <a:ext uri="{909E8E84-426E-40dd-AFC4-6F175D3DCCD1}">
-              <a14:hiddenFill xmlns:a14="http://schemas.microsoft.com/office/drawing/2010/main">
+              <a14:hiddenFill xmlns:a14="http://schemas.microsoft.com/office/drawing/2010/main" xmlns="">
                 <a:solidFill>
                   <a:srgbClr val="FFFFFF"/>
                 </a:solidFill>
               </a14:hiddenFill>
             </a:ext>
             <a:ext uri="{91240B29-F687-4f45-9708-019B960494DF}">
-              <a14:hiddenLine xmlns:a14="http://schemas.microsoft.com/office/drawing/2010/main" w="9525">
+              <a14:hiddenLine xmlns:a14="http://schemas.microsoft.com/office/drawing/2010/main" xmlns="" w="9525">
                 <a:solidFill>
                   <a:srgbClr val="000000"/>
                 </a:solidFill>
@@ -35516,58 +35448,58 @@
           <a:lstStyle/>
           <a:p>
             <a:r>
-              <a:rPr lang="en-US" altLang="en-US" dirty="0" smtClean="0"/>
+              <a:rPr lang="en-US" altLang="en-US" dirty="0"/>
               <a:t>Control Access</a:t>
             </a:r>
           </a:p>
           <a:p>
             <a:pPr lvl="1"/>
             <a:r>
-              <a:rPr lang="en-US" altLang="en-US" dirty="0" smtClean="0"/>
+              <a:rPr lang="en-US" altLang="en-US" dirty="0"/>
               <a:t>A key to securing mobile devices </a:t>
             </a:r>
           </a:p>
           <a:p>
             <a:pPr lvl="2"/>
             <a:r>
-              <a:rPr lang="en-US" altLang="en-US" dirty="0" smtClean="0"/>
+              <a:rPr lang="en-US" altLang="en-US" dirty="0"/>
               <a:t>reduce access to the device and its data by </a:t>
             </a:r>
           </a:p>
           <a:p>
             <a:pPr lvl="2"/>
             <a:r>
-              <a:rPr lang="en-US" altLang="en-US" dirty="0" smtClean="0"/>
+              <a:rPr lang="en-US" altLang="en-US" dirty="0"/>
               <a:t>limiting who is authorized to use the information</a:t>
             </a:r>
           </a:p>
           <a:p>
             <a:pPr lvl="1"/>
             <a:r>
-              <a:rPr lang="en-US" altLang="en-US" dirty="0" smtClean="0"/>
+              <a:rPr lang="en-US" altLang="en-US" dirty="0"/>
               <a:t>At a higher corporate level decisions must be made on who can access the data before it is downloaded onto a mobile device</a:t>
             </a:r>
           </a:p>
           <a:p>
             <a:pPr lvl="1"/>
             <a:r>
-              <a:rPr lang="en-US" altLang="en-US" dirty="0" smtClean="0"/>
+              <a:rPr lang="en-US" altLang="en-US" dirty="0"/>
               <a:t>Many organizations are beginning to focus their efforts on the </a:t>
             </a:r>
             <a:r>
-              <a:rPr lang="en-US" altLang="en-US" i="1" dirty="0" smtClean="0"/>
+              <a:rPr lang="en-US" altLang="en-US" i="1" dirty="0"/>
               <a:t>data</a:t>
             </a:r>
             <a:r>
-              <a:rPr lang="en-US" altLang="en-US" dirty="0" smtClean="0"/>
+              <a:rPr lang="en-US" altLang="en-US" dirty="0"/>
               <a:t> instead of just the </a:t>
             </a:r>
             <a:r>
-              <a:rPr lang="en-US" altLang="en-US" i="1" dirty="0" smtClean="0"/>
+              <a:rPr lang="en-US" altLang="en-US" i="1" dirty="0"/>
               <a:t>device </a:t>
             </a:r>
             <a:r>
-              <a:rPr lang="en-US" altLang="en-US" dirty="0" smtClean="0"/>
+              <a:rPr lang="en-US" altLang="en-US" dirty="0"/>
               <a:t>by extending data loss prevention to mobile devices</a:t>
             </a:r>
           </a:p>
@@ -35581,7 +35513,7 @@
   <p:timing>
     <p:tnLst>
       <p:par>
-        <p:cTn xmlns:p14="http://schemas.microsoft.com/office/powerpoint/2010/main" id="1" dur="indefinite" restart="never" nodeType="tmRoot">
+        <p:cTn id="1" dur="indefinite" restart="never" nodeType="tmRoot">
           <p:childTnLst>
             <p:seq concurrent="1" nextAc="seek">
               <p:cTn id="2" dur="indefinite" nodeType="mainSeq">
@@ -35938,7 +35870,7 @@
           <a:lstStyle/>
           <a:p>
             <a:r>
-              <a:rPr lang="en-US" altLang="en-US" smtClean="0"/>
+              <a:rPr lang="en-US" altLang="en-US"/>
               <a:t>Device and App Management</a:t>
             </a:r>
           </a:p>
@@ -35960,42 +35892,42 @@
           <a:lstStyle/>
           <a:p>
             <a:r>
-              <a:rPr lang="en-US" altLang="en-US" dirty="0" smtClean="0"/>
+              <a:rPr lang="en-US" altLang="en-US" dirty="0"/>
               <a:t>Mobile Device Management (MDM)</a:t>
             </a:r>
           </a:p>
           <a:p>
             <a:pPr lvl="1"/>
             <a:r>
-              <a:rPr lang="en-US" altLang="en-US" dirty="0" smtClean="0"/>
+              <a:rPr lang="en-US" altLang="en-US" dirty="0"/>
               <a:t>Tools that allow a device to be managed remotely by an organization</a:t>
             </a:r>
           </a:p>
           <a:p>
             <a:pPr lvl="1"/>
             <a:r>
-              <a:rPr lang="en-US" altLang="en-US" dirty="0" smtClean="0"/>
+              <a:rPr lang="en-US" altLang="en-US" dirty="0"/>
               <a:t>Usually involve:</a:t>
             </a:r>
           </a:p>
           <a:p>
             <a:pPr lvl="2"/>
             <a:r>
-              <a:rPr lang="en-US" altLang="en-US" dirty="0" smtClean="0"/>
+              <a:rPr lang="en-US" altLang="en-US" dirty="0"/>
               <a:t>A server component that sends out management commands to mobile devices</a:t>
             </a:r>
           </a:p>
           <a:p>
             <a:pPr lvl="2"/>
             <a:r>
-              <a:rPr lang="en-US" altLang="en-US" dirty="0" smtClean="0"/>
+              <a:rPr lang="en-US" altLang="en-US" dirty="0"/>
               <a:t>A client component to receive and implement the management commands</a:t>
             </a:r>
           </a:p>
           <a:p>
             <a:pPr lvl="1"/>
             <a:r>
-              <a:rPr lang="en-US" altLang="en-US" dirty="0" smtClean="0"/>
+              <a:rPr lang="en-US" altLang="en-US" dirty="0"/>
               <a:t>An administrator can perform over the air (OTA) updates or configuration changes to one device</a:t>
             </a:r>
           </a:p>
@@ -36016,14 +35948,14 @@
           <a:ln/>
           <a:extLst>
             <a:ext uri="{909E8E84-426E-40dd-AFC4-6F175D3DCCD1}">
-              <a14:hiddenFill xmlns:a14="http://schemas.microsoft.com/office/drawing/2010/main">
+              <a14:hiddenFill xmlns:a14="http://schemas.microsoft.com/office/drawing/2010/main" xmlns="">
                 <a:solidFill>
                   <a:srgbClr val="FFFFFF"/>
                 </a:solidFill>
               </a14:hiddenFill>
             </a:ext>
             <a:ext uri="{91240B29-F687-4f45-9708-019B960494DF}">
-              <a14:hiddenLine xmlns:a14="http://schemas.microsoft.com/office/drawing/2010/main" w="9525">
+              <a14:hiddenLine xmlns:a14="http://schemas.microsoft.com/office/drawing/2010/main" xmlns="" w="9525">
                 <a:solidFill>
                   <a:srgbClr val="000000"/>
                 </a:solidFill>
@@ -36189,7 +36121,7 @@
   <p:timing>
     <p:tnLst>
       <p:par>
-        <p:cTn xmlns:p14="http://schemas.microsoft.com/office/powerpoint/2010/main" id="1" dur="indefinite" restart="never" nodeType="tmRoot">
+        <p:cTn id="1" dur="indefinite" restart="never" nodeType="tmRoot">
           <p:childTnLst>
             <p:seq concurrent="1" nextAc="seek">
               <p:cTn id="2" dur="indefinite" nodeType="mainSeq">
@@ -36546,7 +36478,7 @@
           <a:lstStyle/>
           <a:p>
             <a:r>
-              <a:rPr lang="en-US" altLang="en-US" smtClean="0"/>
+              <a:rPr lang="en-US" altLang="en-US"/>
               <a:t>Device and App Management</a:t>
             </a:r>
           </a:p>
@@ -36568,49 +36500,49 @@
           <a:lstStyle/>
           <a:p>
             <a:r>
-              <a:rPr lang="en-US" altLang="en-US" dirty="0" smtClean="0"/>
+              <a:rPr lang="en-US" altLang="en-US" dirty="0"/>
               <a:t>Some features that MDM tools provide:</a:t>
             </a:r>
           </a:p>
           <a:p>
             <a:pPr lvl="1"/>
             <a:r>
-              <a:rPr lang="en-US" altLang="en-US" dirty="0" smtClean="0"/>
+              <a:rPr lang="en-US" altLang="en-US" dirty="0"/>
               <a:t>Rapidly enroll new mobile devices (on-boarding) and quickly remove devices (off-boarding)</a:t>
             </a:r>
           </a:p>
           <a:p>
             <a:pPr lvl="1"/>
             <a:r>
-              <a:rPr lang="en-US" altLang="en-US" dirty="0" smtClean="0"/>
+              <a:rPr lang="en-US" altLang="en-US" dirty="0"/>
               <a:t>Apply or modify default device settings</a:t>
             </a:r>
           </a:p>
           <a:p>
             <a:pPr lvl="1"/>
             <a:r>
-              <a:rPr lang="en-US" altLang="en-US" dirty="0" smtClean="0"/>
+              <a:rPr lang="en-US" altLang="en-US" dirty="0"/>
               <a:t>Enforce encryption settings, antivirus updates, and patch management</a:t>
             </a:r>
           </a:p>
           <a:p>
             <a:pPr lvl="1"/>
             <a:r>
-              <a:rPr lang="en-US" altLang="en-US" dirty="0" smtClean="0"/>
+              <a:rPr lang="en-US" altLang="en-US" dirty="0"/>
               <a:t>Display an acceptable use policy that requires consent before allowing access</a:t>
             </a:r>
           </a:p>
           <a:p>
             <a:pPr lvl="1"/>
             <a:r>
-              <a:rPr lang="en-US" altLang="en-US" dirty="0" smtClean="0"/>
+              <a:rPr lang="en-US" altLang="en-US" dirty="0"/>
               <a:t>Configure email, calendar, contacts, Wi-Fi, and VPN profiles OTA</a:t>
             </a:r>
           </a:p>
           <a:p>
             <a:pPr lvl="1"/>
             <a:r>
-              <a:rPr lang="en-US" altLang="en-US" dirty="0" smtClean="0"/>
+              <a:rPr lang="en-US" altLang="en-US" dirty="0"/>
               <a:t>Discover devices accessing enterprise systems</a:t>
             </a:r>
           </a:p>
@@ -36631,14 +36563,14 @@
           <a:ln/>
           <a:extLst>
             <a:ext uri="{909E8E84-426E-40dd-AFC4-6F175D3DCCD1}">
-              <a14:hiddenFill xmlns:a14="http://schemas.microsoft.com/office/drawing/2010/main">
+              <a14:hiddenFill xmlns:a14="http://schemas.microsoft.com/office/drawing/2010/main" xmlns="">
                 <a:solidFill>
                   <a:srgbClr val="FFFFFF"/>
                 </a:solidFill>
               </a14:hiddenFill>
             </a:ext>
             <a:ext uri="{91240B29-F687-4f45-9708-019B960494DF}">
-              <a14:hiddenLine xmlns:a14="http://schemas.microsoft.com/office/drawing/2010/main" w="9525">
+              <a14:hiddenLine xmlns:a14="http://schemas.microsoft.com/office/drawing/2010/main" xmlns="" w="9525">
                 <a:solidFill>
                   <a:srgbClr val="000000"/>
                 </a:solidFill>
@@ -36804,7 +36736,7 @@
   <p:timing>
     <p:tnLst>
       <p:par>
-        <p:cTn xmlns:p14="http://schemas.microsoft.com/office/powerpoint/2010/main" id="1" dur="indefinite" restart="never" nodeType="tmRoot">
+        <p:cTn id="1" dur="indefinite" restart="never" nodeType="tmRoot">
           <p:childTnLst>
             <p:seq concurrent="1" nextAc="seek">
               <p:cTn id="2" dur="indefinite" nodeType="mainSeq">
@@ -37210,7 +37142,7 @@
           <a:lstStyle/>
           <a:p>
             <a:r>
-              <a:rPr lang="en-US" altLang="en-US" smtClean="0"/>
+              <a:rPr lang="en-US" altLang="en-US"/>
               <a:t>Device and App Management</a:t>
             </a:r>
           </a:p>
@@ -37232,57 +37164,57 @@
           <a:lstStyle/>
           <a:p>
             <a:r>
-              <a:rPr lang="en-US" altLang="en-US" dirty="0" smtClean="0"/>
+              <a:rPr lang="en-US" altLang="en-US" dirty="0"/>
               <a:t>Some features that MDM tools provide (cont’d):</a:t>
             </a:r>
           </a:p>
           <a:p>
             <a:pPr lvl="1"/>
             <a:r>
-              <a:rPr lang="en-US" altLang="en-US" dirty="0" smtClean="0"/>
+              <a:rPr lang="en-US" altLang="en-US" dirty="0"/>
               <a:t>Approve or quarantine new mobile devices</a:t>
             </a:r>
           </a:p>
           <a:p>
             <a:pPr lvl="1"/>
             <a:r>
-              <a:rPr lang="en-US" altLang="en-US" dirty="0" smtClean="0"/>
+              <a:rPr lang="en-US" altLang="en-US" dirty="0"/>
               <a:t>Distribute and manage public and corporate apps</a:t>
             </a:r>
           </a:p>
           <a:p>
             <a:pPr lvl="1"/>
             <a:r>
-              <a:rPr lang="en-US" altLang="en-US" dirty="0" smtClean="0"/>
+              <a:rPr lang="en-US" altLang="en-US" dirty="0"/>
               <a:t>Securely share and update documents and corporate policies</a:t>
             </a:r>
           </a:p>
           <a:p>
             <a:pPr lvl="1"/>
             <a:r>
-              <a:rPr lang="en-US" altLang="en-US" dirty="0" smtClean="0"/>
+              <a:rPr lang="en-US" altLang="en-US" dirty="0"/>
               <a:t>Detect and restrict </a:t>
             </a:r>
             <a:r>
-              <a:rPr lang="en-US" altLang="en-US" dirty="0" err="1" smtClean="0"/>
+              <a:rPr lang="en-US" altLang="en-US" dirty="0" err="1"/>
               <a:t>jailbroken</a:t>
             </a:r>
             <a:r>
-              <a:rPr lang="en-US" altLang="en-US" dirty="0" smtClean="0"/>
+              <a:rPr lang="en-US" altLang="en-US" dirty="0"/>
               <a:t> and rooted devices</a:t>
             </a:r>
           </a:p>
           <a:p>
             <a:pPr lvl="1"/>
             <a:r>
-              <a:rPr lang="en-US" altLang="en-US" dirty="0" smtClean="0"/>
+              <a:rPr lang="en-US" altLang="en-US" dirty="0"/>
               <a:t>Selectively erase corporate data</a:t>
             </a:r>
           </a:p>
           <a:p>
             <a:pPr lvl="1"/>
             <a:r>
-              <a:rPr lang="en-US" altLang="en-US" dirty="0" smtClean="0"/>
+              <a:rPr lang="en-US" altLang="en-US" dirty="0"/>
               <a:t>Facilitate asset tracking and inventory control</a:t>
             </a:r>
           </a:p>
@@ -37303,14 +37235,14 @@
           <a:ln/>
           <a:extLst>
             <a:ext uri="{909E8E84-426E-40dd-AFC4-6F175D3DCCD1}">
-              <a14:hiddenFill xmlns:a14="http://schemas.microsoft.com/office/drawing/2010/main">
+              <a14:hiddenFill xmlns:a14="http://schemas.microsoft.com/office/drawing/2010/main" xmlns="">
                 <a:solidFill>
                   <a:srgbClr val="FFFFFF"/>
                 </a:solidFill>
               </a14:hiddenFill>
             </a:ext>
             <a:ext uri="{91240B29-F687-4f45-9708-019B960494DF}">
-              <a14:hiddenLine xmlns:a14="http://schemas.microsoft.com/office/drawing/2010/main" w="9525">
+              <a14:hiddenLine xmlns:a14="http://schemas.microsoft.com/office/drawing/2010/main" xmlns="" w="9525">
                 <a:solidFill>
                   <a:srgbClr val="000000"/>
                 </a:solidFill>
@@ -37476,7 +37408,7 @@
   <p:timing>
     <p:tnLst>
       <p:par>
-        <p:cTn xmlns:p14="http://schemas.microsoft.com/office/powerpoint/2010/main" id="1" dur="indefinite" restart="never" nodeType="tmRoot">
+        <p:cTn id="1" dur="indefinite" restart="never" nodeType="tmRoot">
           <p:childTnLst>
             <p:seq concurrent="1" nextAc="seek">
               <p:cTn id="2" dur="indefinite" nodeType="mainSeq">
@@ -37882,7 +37814,7 @@
           <a:lstStyle/>
           <a:p>
             <a:r>
-              <a:rPr lang="en-US" altLang="en-US" smtClean="0"/>
+              <a:rPr lang="en-US" altLang="en-US"/>
               <a:t>Device and App Management</a:t>
             </a:r>
           </a:p>
@@ -37904,57 +37836,57 @@
           <a:lstStyle/>
           <a:p>
             <a:r>
-              <a:rPr lang="en-US" altLang="en-US" dirty="0" smtClean="0"/>
+              <a:rPr lang="en-US" altLang="en-US" dirty="0"/>
               <a:t>Mobile Application Management (MAM)</a:t>
             </a:r>
           </a:p>
           <a:p>
             <a:pPr lvl="1"/>
             <a:r>
-              <a:rPr lang="en-US" altLang="en-US" dirty="0" smtClean="0"/>
+              <a:rPr lang="en-US" altLang="en-US" dirty="0"/>
               <a:t>Also called application control</a:t>
             </a:r>
           </a:p>
           <a:p>
             <a:pPr lvl="1"/>
             <a:r>
-              <a:rPr lang="en-US" altLang="en-US" dirty="0" smtClean="0"/>
+              <a:rPr lang="en-US" altLang="en-US" dirty="0"/>
               <a:t>Tools and services responsible for distributing and controlling access to apps</a:t>
             </a:r>
           </a:p>
           <a:p>
             <a:pPr lvl="1"/>
             <a:r>
-              <a:rPr lang="en-US" altLang="en-US" dirty="0" smtClean="0"/>
+              <a:rPr lang="en-US" altLang="en-US" dirty="0"/>
               <a:t>Initially controlled apps through app wrapping</a:t>
             </a:r>
           </a:p>
           <a:p>
             <a:pPr lvl="2"/>
             <a:r>
-              <a:rPr lang="en-US" altLang="en-US" dirty="0" smtClean="0"/>
+              <a:rPr lang="en-US" altLang="en-US" dirty="0"/>
               <a:t>Sets up a “dynamic” library of software routines and adds to an existing program to restrict parts of an app</a:t>
             </a:r>
           </a:p>
           <a:p>
             <a:pPr lvl="1"/>
             <a:r>
-              <a:rPr lang="en-US" altLang="en-US" dirty="0" smtClean="0"/>
+              <a:rPr lang="en-US" altLang="en-US" dirty="0"/>
               <a:t>Using a MAM originally required the use of an MDM as well</a:t>
             </a:r>
           </a:p>
           <a:p>
             <a:pPr lvl="1"/>
             <a:r>
-              <a:rPr lang="en-US" altLang="en-US" dirty="0" smtClean="0"/>
+              <a:rPr lang="en-US" altLang="en-US" dirty="0"/>
               <a:t>Newer versions of mobile </a:t>
             </a:r>
             <a:r>
-              <a:rPr lang="en-US" altLang="en-US" dirty="0" err="1" smtClean="0"/>
+              <a:rPr lang="en-US" altLang="en-US" dirty="0" err="1"/>
               <a:t>OSs</a:t>
             </a:r>
             <a:r>
-              <a:rPr lang="en-US" altLang="en-US" dirty="0" smtClean="0"/>
+              <a:rPr lang="en-US" altLang="en-US" dirty="0"/>
               <a:t> have MAM incorporated into the software itself</a:t>
             </a:r>
           </a:p>
@@ -37975,14 +37907,14 @@
           <a:ln/>
           <a:extLst>
             <a:ext uri="{909E8E84-426E-40dd-AFC4-6F175D3DCCD1}">
-              <a14:hiddenFill xmlns:a14="http://schemas.microsoft.com/office/drawing/2010/main">
+              <a14:hiddenFill xmlns:a14="http://schemas.microsoft.com/office/drawing/2010/main" xmlns="">
                 <a:solidFill>
                   <a:srgbClr val="FFFFFF"/>
                 </a:solidFill>
               </a14:hiddenFill>
             </a:ext>
             <a:ext uri="{91240B29-F687-4f45-9708-019B960494DF}">
-              <a14:hiddenLine xmlns:a14="http://schemas.microsoft.com/office/drawing/2010/main" w="9525">
+              <a14:hiddenLine xmlns:a14="http://schemas.microsoft.com/office/drawing/2010/main" xmlns="" w="9525">
                 <a:solidFill>
                   <a:srgbClr val="000000"/>
                 </a:solidFill>
@@ -38148,7 +38080,7 @@
   <p:timing>
     <p:tnLst>
       <p:par>
-        <p:cTn xmlns:p14="http://schemas.microsoft.com/office/powerpoint/2010/main" id="1" dur="indefinite" restart="never" nodeType="tmRoot">
+        <p:cTn id="1" dur="indefinite" restart="never" nodeType="tmRoot">
           <p:childTnLst>
             <p:seq concurrent="1" nextAc="seek">
               <p:cTn id="2" dur="indefinite" nodeType="mainSeq">
@@ -38554,7 +38486,7 @@
           <a:lstStyle/>
           <a:p>
             <a:r>
-              <a:rPr lang="en-US" altLang="en-US" smtClean="0"/>
+              <a:rPr lang="en-US" altLang="en-US"/>
               <a:t>Device Loss or Theft</a:t>
             </a:r>
           </a:p>
@@ -38576,55 +38508,55 @@
           <a:lstStyle/>
           <a:p>
             <a:r>
-              <a:rPr lang="en-US" altLang="en-US" dirty="0" smtClean="0"/>
+              <a:rPr lang="en-US" altLang="en-US" dirty="0"/>
               <a:t>To reduce the risk of theft or loss:</a:t>
             </a:r>
           </a:p>
           <a:p>
             <a:pPr lvl="1"/>
             <a:r>
-              <a:rPr lang="en-US" altLang="en-US" dirty="0" smtClean="0"/>
+              <a:rPr lang="en-US" altLang="en-US" dirty="0"/>
               <a:t>Keep the mobile device out of sight when traveling</a:t>
             </a:r>
           </a:p>
           <a:p>
             <a:pPr lvl="1"/>
             <a:r>
-              <a:rPr lang="en-US" altLang="en-US" dirty="0" smtClean="0"/>
+              <a:rPr lang="en-US" altLang="en-US" dirty="0"/>
               <a:t>Always maintain awareness of your surroundings</a:t>
             </a:r>
           </a:p>
           <a:p>
             <a:pPr lvl="1"/>
             <a:r>
-              <a:rPr lang="en-US" altLang="en-US" dirty="0" smtClean="0"/>
+              <a:rPr lang="en-US" altLang="en-US" dirty="0"/>
               <a:t>When holding the device, use both hands to make it difficult for a thief to snatch</a:t>
             </a:r>
           </a:p>
           <a:p>
             <a:pPr lvl="1"/>
             <a:r>
-              <a:rPr lang="en-US" altLang="en-US" dirty="0" smtClean="0"/>
+              <a:rPr lang="en-US" altLang="en-US" dirty="0"/>
               <a:t>Don’t use device on escalators or near train doors</a:t>
             </a:r>
           </a:p>
           <a:p>
-            <a:endParaRPr lang="en-US" altLang="en-US" dirty="0" smtClean="0"/>
-          </a:p>
-          <a:p>
-            <a:r>
-              <a:rPr lang="en-US" altLang="en-US" dirty="0" smtClean="0"/>
+            <a:endParaRPr lang="en-US" altLang="en-US" dirty="0"/>
+          </a:p>
+          <a:p>
+            <a:r>
+              <a:rPr lang="en-US" altLang="en-US" dirty="0"/>
               <a:t>If a device is lost or stolen, it may be necessary to perform a </a:t>
             </a:r>
             <a:r>
-              <a:rPr lang="en-US" altLang="en-US" b="1" dirty="0" smtClean="0"/>
+              <a:rPr lang="en-US" altLang="en-US" b="1" dirty="0"/>
               <a:t>remote wiping</a:t>
             </a:r>
             <a:r>
-              <a:rPr lang="en-US" altLang="en-US" dirty="0" smtClean="0"/>
+              <a:rPr lang="en-US" altLang="en-US" dirty="0"/>
               <a:t>, which erases sensitive data stored on the device</a:t>
             </a:r>
-            <a:endParaRPr lang="en-US" altLang="en-US" b="1" dirty="0" smtClean="0"/>
+            <a:endParaRPr lang="en-US" altLang="en-US" b="1" dirty="0"/>
           </a:p>
         </p:txBody>
       </p:sp>
@@ -38643,14 +38575,14 @@
           <a:ln/>
           <a:extLst>
             <a:ext uri="{909E8E84-426E-40dd-AFC4-6F175D3DCCD1}">
-              <a14:hiddenFill xmlns:a14="http://schemas.microsoft.com/office/drawing/2010/main">
+              <a14:hiddenFill xmlns:a14="http://schemas.microsoft.com/office/drawing/2010/main" xmlns="">
                 <a:solidFill>
                   <a:srgbClr val="FFFFFF"/>
                 </a:solidFill>
               </a14:hiddenFill>
             </a:ext>
             <a:ext uri="{91240B29-F687-4f45-9708-019B960494DF}">
-              <a14:hiddenLine xmlns:a14="http://schemas.microsoft.com/office/drawing/2010/main" w="9525">
+              <a14:hiddenLine xmlns:a14="http://schemas.microsoft.com/office/drawing/2010/main" xmlns="" w="9525">
                 <a:solidFill>
                   <a:srgbClr val="000000"/>
                 </a:solidFill>
@@ -38816,7 +38748,7 @@
   <p:timing>
     <p:tnLst>
       <p:par>
-        <p:cTn xmlns:p14="http://schemas.microsoft.com/office/powerpoint/2010/main" id="1" dur="indefinite" restart="never" nodeType="tmRoot">
+        <p:cTn id="1" dur="indefinite" restart="never" nodeType="tmRoot">
           <p:childTnLst>
             <p:seq concurrent="1" nextAc="seek">
               <p:cTn id="2" dur="indefinite" nodeType="mainSeq">
@@ -39173,7 +39105,7 @@
           <a:lstStyle/>
           <a:p>
             <a:r>
-              <a:rPr lang="en-US" altLang="en-US" smtClean="0"/>
+              <a:rPr lang="en-US" altLang="en-US"/>
               <a:t>Device Loss or Theft</a:t>
             </a:r>
           </a:p>
@@ -39194,14 +39126,14 @@
           <a:ln/>
           <a:extLst>
             <a:ext uri="{909E8E84-426E-40dd-AFC4-6F175D3DCCD1}">
-              <a14:hiddenFill xmlns:a14="http://schemas.microsoft.com/office/drawing/2010/main">
+              <a14:hiddenFill xmlns:a14="http://schemas.microsoft.com/office/drawing/2010/main" xmlns="">
                 <a:solidFill>
                   <a:srgbClr val="FFFFFF"/>
                 </a:solidFill>
               </a14:hiddenFill>
             </a:ext>
             <a:ext uri="{91240B29-F687-4f45-9708-019B960494DF}">
-              <a14:hiddenLine xmlns:a14="http://schemas.microsoft.com/office/drawing/2010/main" w="9525">
+              <a14:hiddenLine xmlns:a14="http://schemas.microsoft.com/office/drawing/2010/main" xmlns="" w="9525">
                 <a:solidFill>
                   <a:srgbClr val="000000"/>
                 </a:solidFill>
@@ -39388,13 +39320,6 @@
   <p:clrMapOvr>
     <a:masterClrMapping/>
   </p:clrMapOvr>
-  <p:timing>
-    <p:tnLst>
-      <p:par>
-        <p:cTn xmlns:p14="http://schemas.microsoft.com/office/powerpoint/2010/main" id="1" dur="indefinite" restart="never" nodeType="tmRoot"/>
-      </p:par>
-    </p:tnLst>
-  </p:timing>
 </p:sld>
 </file>
 
@@ -39431,7 +39356,7 @@
           <a:lstStyle/>
           <a:p>
             <a:r>
-              <a:rPr lang="en-US" altLang="en-US" smtClean="0"/>
+              <a:rPr lang="en-US" altLang="en-US"/>
               <a:t>Portable Computers</a:t>
             </a:r>
           </a:p>
@@ -39458,21 +39383,21 @@
           <a:lstStyle/>
           <a:p>
             <a:r>
-              <a:rPr lang="en-US" altLang="en-US" dirty="0" smtClean="0"/>
+              <a:rPr lang="en-US" altLang="en-US" dirty="0"/>
               <a:t>Notebook computers</a:t>
             </a:r>
           </a:p>
           <a:p>
             <a:pPr lvl="1"/>
             <a:r>
-              <a:rPr lang="en-US" altLang="en-US" dirty="0" smtClean="0"/>
+              <a:rPr lang="en-US" altLang="en-US" dirty="0"/>
               <a:t>Smaller version of a laptop computer</a:t>
             </a:r>
           </a:p>
           <a:p>
             <a:pPr lvl="1"/>
             <a:r>
-              <a:rPr lang="en-US" altLang="en-US" dirty="0" smtClean="0"/>
+              <a:rPr lang="en-US" altLang="en-US" dirty="0"/>
               <a:t>Typically lighter than laptops </a:t>
             </a:r>
           </a:p>
@@ -39480,38 +39405,34 @@
             <a:pPr lvl="1"/>
             <a:r>
               <a:rPr lang="en-US" altLang="en-US" dirty="0"/>
-              <a:t>S</a:t>
-            </a:r>
-            <a:r>
-              <a:rPr lang="en-US" altLang="en-US" dirty="0" smtClean="0"/>
-              <a:t>mall enough to fit inside a briefcase</a:t>
+              <a:t>Small enough to fit inside a briefcase</a:t>
             </a:r>
           </a:p>
           <a:p>
             <a:pPr lvl="1"/>
             <a:r>
-              <a:rPr lang="en-US" altLang="en-US" dirty="0" smtClean="0"/>
+              <a:rPr lang="en-US" altLang="en-US" dirty="0"/>
               <a:t>Include only basic, frequently used features</a:t>
             </a:r>
           </a:p>
           <a:p>
             <a:pPr lvl="1"/>
             <a:r>
-              <a:rPr lang="en-US" altLang="en-US" dirty="0" smtClean="0"/>
+              <a:rPr lang="en-US" altLang="en-US" dirty="0"/>
               <a:t>Limited number of hardware ports</a:t>
             </a:r>
           </a:p>
           <a:p>
             <a:pPr lvl="2"/>
             <a:r>
-              <a:rPr lang="en-US" altLang="en-US" dirty="0" smtClean="0"/>
+              <a:rPr lang="en-US" altLang="en-US" dirty="0"/>
               <a:t>Do not include optical drives</a:t>
             </a:r>
           </a:p>
           <a:p>
             <a:pPr lvl="1"/>
             <a:r>
-              <a:rPr lang="en-US" altLang="en-US" dirty="0" smtClean="0"/>
+              <a:rPr lang="en-US" altLang="en-US" dirty="0"/>
               <a:t>Often cannot be upgraded</a:t>
             </a:r>
           </a:p>
@@ -39532,14 +39453,14 @@
           <a:ln/>
           <a:extLst>
             <a:ext uri="{909E8E84-426E-40dd-AFC4-6F175D3DCCD1}">
-              <a14:hiddenFill xmlns:a14="http://schemas.microsoft.com/office/drawing/2010/main">
+              <a14:hiddenFill xmlns:a14="http://schemas.microsoft.com/office/drawing/2010/main" xmlns="">
                 <a:solidFill>
                   <a:srgbClr val="FFFFFF"/>
                 </a:solidFill>
               </a14:hiddenFill>
             </a:ext>
             <a:ext uri="{91240B29-F687-4f45-9708-019B960494DF}">
-              <a14:hiddenLine xmlns:a14="http://schemas.microsoft.com/office/drawing/2010/main" w="9525">
+              <a14:hiddenLine xmlns:a14="http://schemas.microsoft.com/office/drawing/2010/main" xmlns="" w="9525">
                 <a:solidFill>
                   <a:srgbClr val="000000"/>
                 </a:solidFill>
@@ -39705,7 +39626,7 @@
   <p:timing>
     <p:tnLst>
       <p:par>
-        <p:cTn xmlns:p14="http://schemas.microsoft.com/office/powerpoint/2010/main" id="1" dur="indefinite" restart="never" nodeType="tmRoot">
+        <p:cTn id="1" dur="indefinite" restart="never" nodeType="tmRoot">
           <p:childTnLst>
             <p:seq concurrent="1" nextAc="seek">
               <p:cTn id="2" dur="indefinite" nodeType="mainSeq">
@@ -40160,7 +40081,7 @@
           <a:lstStyle/>
           <a:p>
             <a:r>
-              <a:rPr lang="en-US" altLang="en-US" smtClean="0"/>
+              <a:rPr lang="en-US" altLang="en-US"/>
               <a:t>Mobile Device App Security</a:t>
             </a:r>
           </a:p>
@@ -40185,7 +40106,7 @@
               <a:defRPr/>
             </a:pPr>
             <a:r>
-              <a:rPr lang="en-US" dirty="0" smtClean="0"/>
+              <a:rPr lang="en-US" dirty="0"/>
               <a:t>Apps on the device should be secured also</a:t>
             </a:r>
           </a:p>
@@ -40194,7 +40115,7 @@
               <a:defRPr/>
             </a:pPr>
             <a:r>
-              <a:rPr lang="en-US" dirty="0" smtClean="0"/>
+              <a:rPr lang="en-US" dirty="0"/>
               <a:t>Apps can require that the user provide authentication (such as a passcode) before access is granted</a:t>
             </a:r>
           </a:p>
@@ -40203,7 +40124,7 @@
               <a:defRPr/>
             </a:pPr>
             <a:r>
-              <a:rPr lang="en-US" dirty="0" smtClean="0"/>
+              <a:rPr lang="en-US" dirty="0"/>
               <a:t>MDMs can support:</a:t>
             </a:r>
           </a:p>
@@ -40212,11 +40133,11 @@
               <a:defRPr/>
             </a:pPr>
             <a:r>
-              <a:rPr lang="en-US" b="1" dirty="0" smtClean="0"/>
+              <a:rPr lang="en-US" b="1" dirty="0"/>
               <a:t>Application whitelisting </a:t>
             </a:r>
             <a:r>
-              <a:rPr lang="en-US" dirty="0" smtClean="0"/>
+              <a:rPr lang="en-US" dirty="0"/>
               <a:t>- ensures that only preapproved apps can run on the device</a:t>
             </a:r>
           </a:p>
@@ -40225,11 +40146,11 @@
               <a:defRPr/>
             </a:pPr>
             <a:r>
-              <a:rPr lang="en-US" b="1" dirty="0" smtClean="0"/>
+              <a:rPr lang="en-US" b="1" dirty="0"/>
               <a:t>Geo-fencing</a:t>
             </a:r>
             <a:r>
-              <a:rPr lang="en-US" dirty="0" smtClean="0"/>
+              <a:rPr lang="en-US" dirty="0"/>
               <a:t> - uses the device’s GPS to define geographical boundaries where the app can be used</a:t>
             </a:r>
           </a:p>
@@ -40238,11 +40159,11 @@
               <a:defRPr/>
             </a:pPr>
             <a:r>
-              <a:rPr lang="en-US" b="1" dirty="0" smtClean="0"/>
+              <a:rPr lang="en-US" b="1" dirty="0"/>
               <a:t>Credential management </a:t>
             </a:r>
             <a:r>
-              <a:rPr lang="en-US" dirty="0" smtClean="0"/>
+              <a:rPr lang="en-US" dirty="0"/>
               <a:t>- stores authentication information</a:t>
             </a:r>
           </a:p>
@@ -40271,14 +40192,14 @@
           <a:ln/>
           <a:extLst>
             <a:ext uri="{909E8E84-426E-40dd-AFC4-6F175D3DCCD1}">
-              <a14:hiddenFill xmlns:a14="http://schemas.microsoft.com/office/drawing/2010/main">
+              <a14:hiddenFill xmlns:a14="http://schemas.microsoft.com/office/drawing/2010/main" xmlns="">
                 <a:solidFill>
                   <a:srgbClr val="FFFFFF"/>
                 </a:solidFill>
               </a14:hiddenFill>
             </a:ext>
             <a:ext uri="{91240B29-F687-4f45-9708-019B960494DF}">
-              <a14:hiddenLine xmlns:a14="http://schemas.microsoft.com/office/drawing/2010/main" w="9525">
+              <a14:hiddenLine xmlns:a14="http://schemas.microsoft.com/office/drawing/2010/main" xmlns="" w="9525">
                 <a:solidFill>
                   <a:srgbClr val="000000"/>
                 </a:solidFill>
@@ -40444,7 +40365,7 @@
   <p:timing>
     <p:tnLst>
       <p:par>
-        <p:cTn xmlns:p14="http://schemas.microsoft.com/office/powerpoint/2010/main" id="1" dur="indefinite" restart="never" nodeType="tmRoot">
+        <p:cTn id="1" dur="indefinite" restart="never" nodeType="tmRoot">
           <p:childTnLst>
             <p:seq concurrent="1" nextAc="seek">
               <p:cTn id="2" dur="indefinite" nodeType="mainSeq">
@@ -40801,7 +40722,7 @@
           <a:lstStyle/>
           <a:p>
             <a:r>
-              <a:rPr lang="en-US" altLang="en-US" smtClean="0"/>
+              <a:rPr lang="en-US" altLang="en-US"/>
               <a:t>BYOD Security</a:t>
             </a:r>
           </a:p>
@@ -40823,83 +40744,83 @@
           <a:lstStyle/>
           <a:p>
             <a:r>
-              <a:rPr lang="en-US" altLang="en-US" dirty="0" smtClean="0"/>
+              <a:rPr lang="en-US" altLang="en-US" dirty="0"/>
               <a:t>Benefits of </a:t>
             </a:r>
             <a:r>
-              <a:rPr lang="en-US" altLang="en-US" dirty="0" err="1" smtClean="0"/>
+              <a:rPr lang="en-US" altLang="en-US" dirty="0" err="1"/>
               <a:t>BYOD</a:t>
             </a:r>
             <a:r>
-              <a:rPr lang="en-US" altLang="en-US" dirty="0" smtClean="0"/>
+              <a:rPr lang="en-US" altLang="en-US" dirty="0"/>
               <a:t> for companies:</a:t>
             </a:r>
           </a:p>
           <a:p>
             <a:pPr lvl="1"/>
             <a:r>
-              <a:rPr lang="en-US" altLang="en-US" dirty="0" smtClean="0"/>
+              <a:rPr lang="en-US" altLang="en-US" dirty="0"/>
               <a:t>Management flexibility</a:t>
             </a:r>
           </a:p>
           <a:p>
             <a:pPr lvl="1"/>
             <a:r>
-              <a:rPr lang="en-US" altLang="en-US" dirty="0" smtClean="0"/>
+              <a:rPr lang="en-US" altLang="en-US" dirty="0"/>
               <a:t>Less oversight</a:t>
             </a:r>
           </a:p>
           <a:p>
             <a:pPr lvl="1"/>
             <a:r>
-              <a:rPr lang="en-US" altLang="en-US" dirty="0" smtClean="0"/>
+              <a:rPr lang="en-US" altLang="en-US" dirty="0"/>
               <a:t>Cost savings</a:t>
             </a:r>
           </a:p>
           <a:p>
             <a:pPr lvl="1"/>
             <a:r>
-              <a:rPr lang="en-US" altLang="en-US" dirty="0" smtClean="0"/>
+              <a:rPr lang="en-US" altLang="en-US" dirty="0"/>
               <a:t>Increased employee performance</a:t>
             </a:r>
           </a:p>
           <a:p>
             <a:pPr lvl="1"/>
             <a:r>
-              <a:rPr lang="en-US" altLang="en-US" dirty="0" smtClean="0"/>
+              <a:rPr lang="en-US" altLang="en-US" dirty="0"/>
               <a:t>Simplified IT infrastructure</a:t>
             </a:r>
           </a:p>
           <a:p>
             <a:pPr lvl="1"/>
             <a:r>
-              <a:rPr lang="en-US" altLang="en-US" dirty="0" smtClean="0"/>
+              <a:rPr lang="en-US" altLang="en-US" dirty="0"/>
               <a:t>Reduced internal service</a:t>
             </a:r>
           </a:p>
           <a:p>
             <a:r>
-              <a:rPr lang="en-US" altLang="en-US" dirty="0" err="1" smtClean="0"/>
+              <a:rPr lang="en-US" altLang="en-US" dirty="0" err="1"/>
               <a:t>MDMs</a:t>
             </a:r>
             <a:r>
-              <a:rPr lang="en-US" altLang="en-US" dirty="0" smtClean="0"/>
+              <a:rPr lang="en-US" altLang="en-US" dirty="0"/>
               <a:t> and </a:t>
             </a:r>
             <a:r>
-              <a:rPr lang="en-US" altLang="en-US" dirty="0" err="1" smtClean="0"/>
+              <a:rPr lang="en-US" altLang="en-US" dirty="0" err="1"/>
               <a:t>MAMs</a:t>
             </a:r>
             <a:r>
-              <a:rPr lang="en-US" altLang="en-US" dirty="0" smtClean="0"/>
+              <a:rPr lang="en-US" altLang="en-US" dirty="0"/>
               <a:t> are important in managing </a:t>
             </a:r>
             <a:r>
-              <a:rPr lang="en-US" altLang="en-US" dirty="0" err="1" smtClean="0"/>
+              <a:rPr lang="en-US" altLang="en-US" dirty="0" err="1"/>
               <a:t>BYOD</a:t>
             </a:r>
             <a:r>
-              <a:rPr lang="en-US" altLang="en-US" dirty="0" smtClean="0"/>
+              <a:rPr lang="en-US" altLang="en-US" dirty="0"/>
               <a:t> devices</a:t>
             </a:r>
           </a:p>
@@ -40920,14 +40841,14 @@
           <a:ln/>
           <a:extLst>
             <a:ext uri="{909E8E84-426E-40dd-AFC4-6F175D3DCCD1}">
-              <a14:hiddenFill xmlns:a14="http://schemas.microsoft.com/office/drawing/2010/main">
+              <a14:hiddenFill xmlns:a14="http://schemas.microsoft.com/office/drawing/2010/main" xmlns="">
                 <a:solidFill>
                   <a:srgbClr val="FFFFFF"/>
                 </a:solidFill>
               </a14:hiddenFill>
             </a:ext>
             <a:ext uri="{91240B29-F687-4f45-9708-019B960494DF}">
-              <a14:hiddenLine xmlns:a14="http://schemas.microsoft.com/office/drawing/2010/main" w="9525">
+              <a14:hiddenLine xmlns:a14="http://schemas.microsoft.com/office/drawing/2010/main" xmlns="" w="9525">
                 <a:solidFill>
                   <a:srgbClr val="000000"/>
                 </a:solidFill>
@@ -41093,7 +41014,7 @@
   <p:timing>
     <p:tnLst>
       <p:par>
-        <p:cTn xmlns:p14="http://schemas.microsoft.com/office/powerpoint/2010/main" id="1" dur="indefinite" restart="never" nodeType="tmRoot">
+        <p:cTn id="1" dur="indefinite" restart="never" nodeType="tmRoot">
           <p:childTnLst>
             <p:seq concurrent="1" nextAc="seek">
               <p:cTn id="2" dur="indefinite" nodeType="mainSeq">
@@ -41548,7 +41469,7 @@
           <a:lstStyle/>
           <a:p>
             <a:r>
-              <a:rPr lang="en-US" altLang="en-US" smtClean="0"/>
+              <a:rPr lang="en-US" altLang="en-US"/>
               <a:t>Portable Computers</a:t>
             </a:r>
           </a:p>
@@ -41569,14 +41490,14 @@
           <a:ln/>
           <a:extLst>
             <a:ext uri="{909E8E84-426E-40dd-AFC4-6F175D3DCCD1}">
-              <a14:hiddenFill xmlns:a14="http://schemas.microsoft.com/office/drawing/2010/main">
+              <a14:hiddenFill xmlns:a14="http://schemas.microsoft.com/office/drawing/2010/main" xmlns="">
                 <a:solidFill>
                   <a:srgbClr val="FFFFFF"/>
                 </a:solidFill>
               </a14:hiddenFill>
             </a:ext>
             <a:ext uri="{91240B29-F687-4f45-9708-019B960494DF}">
-              <a14:hiddenLine xmlns:a14="http://schemas.microsoft.com/office/drawing/2010/main" w="9525">
+              <a14:hiddenLine xmlns:a14="http://schemas.microsoft.com/office/drawing/2010/main" xmlns="" w="9525">
                 <a:solidFill>
                   <a:srgbClr val="000000"/>
                 </a:solidFill>
@@ -41763,13 +41684,6 @@
   <p:clrMapOvr>
     <a:masterClrMapping/>
   </p:clrMapOvr>
-  <p:timing>
-    <p:tnLst>
-      <p:par>
-        <p:cTn xmlns:p14="http://schemas.microsoft.com/office/powerpoint/2010/main" id="1" dur="indefinite" restart="never" nodeType="tmRoot"/>
-      </p:par>
-    </p:tnLst>
-  </p:timing>
 </p:sld>
 </file>
 
@@ -41806,7 +41720,7 @@
           <a:lstStyle/>
           <a:p>
             <a:r>
-              <a:rPr lang="en-US" altLang="en-US" smtClean="0"/>
+              <a:rPr lang="en-US" altLang="en-US"/>
               <a:t>Portable Computers</a:t>
             </a:r>
           </a:p>
@@ -41827,14 +41741,14 @@
           <a:ln/>
           <a:extLst>
             <a:ext uri="{909E8E84-426E-40dd-AFC4-6F175D3DCCD1}">
-              <a14:hiddenFill xmlns:a14="http://schemas.microsoft.com/office/drawing/2010/main">
+              <a14:hiddenFill xmlns:a14="http://schemas.microsoft.com/office/drawing/2010/main" xmlns="">
                 <a:solidFill>
                   <a:srgbClr val="FFFFFF"/>
                 </a:solidFill>
               </a14:hiddenFill>
             </a:ext>
             <a:ext uri="{91240B29-F687-4f45-9708-019B960494DF}">
-              <a14:hiddenLine xmlns:a14="http://schemas.microsoft.com/office/drawing/2010/main" w="9525">
+              <a14:hiddenLine xmlns:a14="http://schemas.microsoft.com/office/drawing/2010/main" xmlns="" w="9525">
                 <a:solidFill>
                   <a:srgbClr val="000000"/>
                 </a:solidFill>
@@ -42008,83 +41922,83 @@
           <a:lstStyle/>
           <a:p>
             <a:r>
-              <a:rPr lang="en-US" altLang="en-US" dirty="0" smtClean="0"/>
+              <a:rPr lang="en-US" altLang="en-US" dirty="0"/>
               <a:t>Subnotebook computers</a:t>
             </a:r>
           </a:p>
           <a:p>
             <a:pPr lvl="1"/>
             <a:r>
-              <a:rPr lang="en-US" altLang="en-US" dirty="0" smtClean="0"/>
+              <a:rPr lang="en-US" altLang="en-US" dirty="0"/>
               <a:t>Sometimes called an </a:t>
             </a:r>
             <a:r>
-              <a:rPr lang="en-US" altLang="en-US" i="1" dirty="0" err="1" smtClean="0"/>
+              <a:rPr lang="en-US" altLang="en-US" i="1" dirty="0" err="1"/>
               <a:t>ultrabook</a:t>
             </a:r>
             <a:r>
-              <a:rPr lang="en-US" altLang="en-US" dirty="0" smtClean="0"/>
+              <a:rPr lang="en-US" altLang="en-US" dirty="0"/>
               <a:t> (Intel/Windows) or </a:t>
             </a:r>
             <a:r>
-              <a:rPr lang="en-US" altLang="en-US" i="1" dirty="0" smtClean="0"/>
+              <a:rPr lang="en-US" altLang="en-US" i="1" dirty="0"/>
               <a:t>air</a:t>
             </a:r>
             <a:r>
-              <a:rPr lang="en-US" altLang="en-US" dirty="0" smtClean="0"/>
+              <a:rPr lang="en-US" altLang="en-US" dirty="0"/>
               <a:t> (Apple)</a:t>
             </a:r>
           </a:p>
           <a:p>
             <a:pPr lvl="1"/>
             <a:r>
-              <a:rPr lang="en-US" altLang="en-US" dirty="0" smtClean="0"/>
+              <a:rPr lang="en-US" altLang="en-US" dirty="0"/>
               <a:t>Smaller than notebooks </a:t>
             </a:r>
           </a:p>
           <a:p>
             <a:pPr lvl="2"/>
             <a:r>
-              <a:rPr lang="en-US" altLang="en-US" dirty="0" smtClean="0"/>
+              <a:rPr lang="en-US" altLang="en-US" dirty="0"/>
               <a:t>low-power processors </a:t>
             </a:r>
           </a:p>
           <a:p>
             <a:pPr lvl="2"/>
             <a:r>
-              <a:rPr lang="en-US" altLang="en-US" dirty="0" smtClean="0"/>
+              <a:rPr lang="en-US" altLang="en-US" dirty="0"/>
               <a:t>solid state drives (</a:t>
             </a:r>
             <a:r>
-              <a:rPr lang="en-US" altLang="en-US" dirty="0" err="1" smtClean="0"/>
+              <a:rPr lang="en-US" altLang="en-US" dirty="0" err="1"/>
               <a:t>SSDs</a:t>
             </a:r>
             <a:r>
-              <a:rPr lang="en-US" altLang="en-US" dirty="0" smtClean="0"/>
+              <a:rPr lang="en-US" altLang="en-US" dirty="0"/>
               <a:t>)</a:t>
             </a:r>
           </a:p>
           <a:p>
             <a:pPr lvl="1"/>
             <a:r>
-              <a:rPr lang="en-US" altLang="en-US" dirty="0" err="1" smtClean="0"/>
+              <a:rPr lang="en-US" altLang="en-US" dirty="0" err="1"/>
               <a:t>HDMI</a:t>
             </a:r>
             <a:r>
-              <a:rPr lang="en-US" altLang="en-US" dirty="0" smtClean="0"/>
+              <a:rPr lang="en-US" altLang="en-US" dirty="0"/>
               <a:t> port </a:t>
             </a:r>
           </a:p>
           <a:p>
             <a:pPr lvl="1"/>
             <a:r>
-              <a:rPr lang="en-US" altLang="en-US" dirty="0" smtClean="0"/>
+              <a:rPr lang="en-US" altLang="en-US" dirty="0"/>
               <a:t>limited number of USB hardware ports</a:t>
             </a:r>
           </a:p>
           <a:p>
             <a:pPr lvl="1"/>
-            <a:endParaRPr lang="en-US" altLang="en-US" dirty="0" smtClean="0"/>
+            <a:endParaRPr lang="en-US" altLang="en-US" dirty="0"/>
           </a:p>
         </p:txBody>
       </p:sp>
@@ -42096,7 +42010,7 @@
   <p:timing>
     <p:tnLst>
       <p:par>
-        <p:cTn xmlns:p14="http://schemas.microsoft.com/office/powerpoint/2010/main" id="1" dur="indefinite" restart="never" nodeType="tmRoot">
+        <p:cTn id="1" dur="indefinite" restart="never" nodeType="tmRoot">
           <p:childTnLst>
             <p:seq concurrent="1" nextAc="seek">
               <p:cTn id="2" dur="indefinite" nodeType="mainSeq">
@@ -42502,7 +42416,7 @@
           <a:lstStyle/>
           <a:p>
             <a:r>
-              <a:rPr lang="en-US" altLang="en-US" smtClean="0"/>
+              <a:rPr lang="en-US" altLang="en-US"/>
               <a:t>Portable Computers</a:t>
             </a:r>
           </a:p>
@@ -42523,14 +42437,14 @@
           <a:ln/>
           <a:extLst>
             <a:ext uri="{909E8E84-426E-40dd-AFC4-6F175D3DCCD1}">
-              <a14:hiddenFill xmlns:a14="http://schemas.microsoft.com/office/drawing/2010/main">
+              <a14:hiddenFill xmlns:a14="http://schemas.microsoft.com/office/drawing/2010/main" xmlns="">
                 <a:solidFill>
                   <a:srgbClr val="FFFFFF"/>
                 </a:solidFill>
               </a14:hiddenFill>
             </a:ext>
             <a:ext uri="{91240B29-F687-4f45-9708-019B960494DF}">
-              <a14:hiddenLine xmlns:a14="http://schemas.microsoft.com/office/drawing/2010/main" w="9525">
+              <a14:hiddenLine xmlns:a14="http://schemas.microsoft.com/office/drawing/2010/main" xmlns="" w="9525">
                 <a:solidFill>
                   <a:srgbClr val="000000"/>
                 </a:solidFill>
@@ -42704,49 +42618,49 @@
           <a:lstStyle/>
           <a:p>
             <a:r>
-              <a:rPr lang="en-US" altLang="en-US" dirty="0" smtClean="0"/>
+              <a:rPr lang="en-US" altLang="en-US" dirty="0"/>
               <a:t>Web-based computer</a:t>
             </a:r>
           </a:p>
           <a:p>
             <a:pPr lvl="1"/>
             <a:r>
-              <a:rPr lang="en-US" altLang="en-US" dirty="0" smtClean="0"/>
+              <a:rPr lang="en-US" altLang="en-US" dirty="0"/>
               <a:t>Contains a limited version of the Linux OS and a web browser </a:t>
             </a:r>
           </a:p>
           <a:p>
             <a:pPr lvl="1"/>
             <a:r>
-              <a:rPr lang="en-US" altLang="en-US" dirty="0" smtClean="0"/>
+              <a:rPr lang="en-US" altLang="en-US" dirty="0"/>
               <a:t>Has an integrated media player</a:t>
             </a:r>
           </a:p>
           <a:p>
             <a:pPr lvl="1"/>
             <a:r>
-              <a:rPr lang="en-US" altLang="en-US" dirty="0" smtClean="0"/>
+              <a:rPr lang="en-US" altLang="en-US" dirty="0"/>
               <a:t>Designed to be used primarily while connected to the Internet</a:t>
             </a:r>
           </a:p>
           <a:p>
             <a:pPr lvl="1"/>
             <a:r>
-              <a:rPr lang="en-US" altLang="en-US" dirty="0" smtClean="0"/>
+              <a:rPr lang="en-US" altLang="en-US" dirty="0"/>
               <a:t>No traditional applications can be installed</a:t>
             </a:r>
           </a:p>
           <a:p>
             <a:pPr lvl="1"/>
             <a:r>
-              <a:rPr lang="en-US" altLang="en-US" dirty="0" smtClean="0"/>
+              <a:rPr lang="en-US" altLang="en-US" dirty="0"/>
               <a:t>No user files stored locally</a:t>
             </a:r>
           </a:p>
           <a:p>
             <a:pPr lvl="1"/>
             <a:r>
-              <a:rPr lang="en-US" altLang="en-US" dirty="0" smtClean="0"/>
+              <a:rPr lang="en-US" altLang="en-US" dirty="0"/>
               <a:t>Accesses web apps and saves user files on the Internet</a:t>
             </a:r>
           </a:p>
@@ -42760,7 +42674,7 @@
   <p:timing>
     <p:tnLst>
       <p:par>
-        <p:cTn xmlns:p14="http://schemas.microsoft.com/office/powerpoint/2010/main" id="1" dur="indefinite" restart="never" nodeType="tmRoot">
+        <p:cTn id="1" dur="indefinite" restart="never" nodeType="tmRoot">
           <p:childTnLst>
             <p:seq concurrent="1" nextAc="seek">
               <p:cTn id="2" dur="indefinite" nodeType="mainSeq">
@@ -43166,7 +43080,7 @@
           <a:lstStyle/>
           <a:p>
             <a:r>
-              <a:rPr lang="en-US" altLang="en-US" smtClean="0"/>
+              <a:rPr lang="en-US" altLang="en-US"/>
               <a:t>Tablets</a:t>
             </a:r>
           </a:p>
@@ -43187,14 +43101,14 @@
           <a:ln/>
           <a:extLst>
             <a:ext uri="{909E8E84-426E-40dd-AFC4-6F175D3DCCD1}">
-              <a14:hiddenFill xmlns:a14="http://schemas.microsoft.com/office/drawing/2010/main">
+              <a14:hiddenFill xmlns:a14="http://schemas.microsoft.com/office/drawing/2010/main" xmlns="">
                 <a:solidFill>
                   <a:srgbClr val="FFFFFF"/>
                 </a:solidFill>
               </a14:hiddenFill>
             </a:ext>
             <a:ext uri="{91240B29-F687-4f45-9708-019B960494DF}">
-              <a14:hiddenLine xmlns:a14="http://schemas.microsoft.com/office/drawing/2010/main" w="9525">
+              <a14:hiddenLine xmlns:a14="http://schemas.microsoft.com/office/drawing/2010/main" xmlns="" w="9525">
                 <a:solidFill>
                   <a:srgbClr val="000000"/>
                 </a:solidFill>
@@ -43368,58 +43282,58 @@
           <a:lstStyle/>
           <a:p>
             <a:r>
-              <a:rPr lang="en-US" altLang="en-US" dirty="0" smtClean="0"/>
+              <a:rPr lang="en-US" altLang="en-US" dirty="0"/>
               <a:t>Tablets</a:t>
             </a:r>
           </a:p>
           <a:p>
             <a:pPr lvl="1"/>
             <a:r>
-              <a:rPr lang="en-US" altLang="en-US" dirty="0" smtClean="0"/>
+              <a:rPr lang="en-US" altLang="en-US" dirty="0"/>
               <a:t>Generally larger than smartphones and smaller than notebooks</a:t>
             </a:r>
           </a:p>
           <a:p>
             <a:pPr lvl="1"/>
             <a:r>
-              <a:rPr lang="en-US" altLang="en-US" dirty="0" smtClean="0"/>
+              <a:rPr lang="en-US" altLang="en-US" dirty="0"/>
               <a:t>Typically no built-in keyboard</a:t>
             </a:r>
           </a:p>
           <a:p>
             <a:pPr lvl="1"/>
             <a:r>
-              <a:rPr lang="en-US" altLang="en-US" dirty="0" smtClean="0"/>
+              <a:rPr lang="en-US" altLang="en-US" dirty="0"/>
               <a:t>Rely on a touch screen</a:t>
             </a:r>
           </a:p>
           <a:p>
             <a:pPr lvl="1"/>
             <a:r>
-              <a:rPr lang="en-US" altLang="en-US" dirty="0" smtClean="0"/>
+              <a:rPr lang="en-US" altLang="en-US" dirty="0"/>
               <a:t>Primary display device with limited user input</a:t>
             </a:r>
           </a:p>
           <a:p>
             <a:pPr lvl="1"/>
             <a:r>
-              <a:rPr lang="en-US" altLang="en-US" dirty="0" smtClean="0"/>
+              <a:rPr lang="en-US" altLang="en-US" dirty="0"/>
               <a:t>Most popular </a:t>
             </a:r>
             <a:r>
-              <a:rPr lang="en-US" altLang="en-US" dirty="0" err="1" smtClean="0"/>
+              <a:rPr lang="en-US" altLang="en-US" dirty="0" err="1"/>
               <a:t>OSs</a:t>
             </a:r>
             <a:r>
-              <a:rPr lang="en-US" altLang="en-US" dirty="0" smtClean="0"/>
+              <a:rPr lang="en-US" altLang="en-US" dirty="0"/>
               <a:t> for tablets are Apple </a:t>
             </a:r>
             <a:r>
-              <a:rPr lang="en-US" altLang="en-US" dirty="0" err="1" smtClean="0"/>
+              <a:rPr lang="en-US" altLang="en-US" dirty="0" err="1"/>
               <a:t>iOS</a:t>
             </a:r>
             <a:r>
-              <a:rPr lang="en-US" altLang="en-US" dirty="0" smtClean="0"/>
+              <a:rPr lang="en-US" altLang="en-US" dirty="0"/>
               <a:t>, Google Android, and Microsoft Windows</a:t>
             </a:r>
           </a:p>
@@ -43433,7 +43347,7 @@
   <p:timing>
     <p:tnLst>
       <p:par>
-        <p:cTn xmlns:p14="http://schemas.microsoft.com/office/powerpoint/2010/main" id="1" dur="indefinite" restart="never" nodeType="tmRoot">
+        <p:cTn id="1" dur="indefinite" restart="never" nodeType="tmRoot">
           <p:childTnLst>
             <p:seq concurrent="1" nextAc="seek">
               <p:cTn id="2" dur="indefinite" nodeType="mainSeq">
@@ -43790,7 +43704,7 @@
           <a:lstStyle/>
           <a:p>
             <a:r>
-              <a:rPr lang="en-US" altLang="en-US" smtClean="0"/>
+              <a:rPr lang="en-US" altLang="en-US"/>
               <a:t>Smartphones</a:t>
             </a:r>
           </a:p>
@@ -43812,42 +43726,42 @@
           <a:lstStyle/>
           <a:p>
             <a:r>
-              <a:rPr lang="en-US" altLang="en-US" dirty="0" smtClean="0"/>
+              <a:rPr lang="en-US" altLang="en-US" dirty="0"/>
               <a:t>Smartphone</a:t>
             </a:r>
           </a:p>
           <a:p>
             <a:pPr lvl="1"/>
             <a:r>
-              <a:rPr lang="en-US" altLang="en-US" dirty="0" smtClean="0"/>
+              <a:rPr lang="en-US" altLang="en-US" dirty="0"/>
               <a:t>Has all the tools that a feature phone has </a:t>
             </a:r>
           </a:p>
           <a:p>
             <a:pPr lvl="1"/>
             <a:r>
-              <a:rPr lang="en-US" altLang="en-US" dirty="0" smtClean="0"/>
+              <a:rPr lang="en-US" altLang="en-US" dirty="0"/>
               <a:t>Also includes an OS!</a:t>
             </a:r>
           </a:p>
           <a:p>
             <a:pPr lvl="2"/>
             <a:r>
-              <a:rPr lang="en-US" altLang="en-US" dirty="0" smtClean="0"/>
+              <a:rPr lang="en-US" altLang="en-US" dirty="0"/>
               <a:t>allows it to run apps and access the Internet</a:t>
             </a:r>
           </a:p>
           <a:p>
             <a:pPr lvl="1"/>
             <a:r>
-              <a:rPr lang="en-US" altLang="en-US" dirty="0" smtClean="0"/>
+              <a:rPr lang="en-US" altLang="en-US" dirty="0"/>
               <a:t>Considered handheld personal computers</a:t>
             </a:r>
           </a:p>
           <a:p>
             <a:pPr lvl="2"/>
             <a:r>
-              <a:rPr lang="en-US" altLang="en-US" dirty="0" smtClean="0"/>
+              <a:rPr lang="en-US" altLang="en-US" dirty="0"/>
               <a:t>Because of their ability to run apps</a:t>
             </a:r>
           </a:p>
@@ -43855,56 +43769,56 @@
             <a:pPr marL="914400" lvl="2" indent="0">
               <a:buNone/>
             </a:pPr>
-            <a:endParaRPr lang="en-US" altLang="en-US" dirty="0" smtClean="0"/>
+            <a:endParaRPr lang="en-US" altLang="en-US" dirty="0"/>
           </a:p>
           <a:p>
             <a:pPr lvl="1"/>
             <a:r>
-              <a:rPr lang="en-US" altLang="en-US" dirty="0" err="1" smtClean="0"/>
+              <a:rPr lang="en-US" altLang="en-US" dirty="0" err="1"/>
               <a:t>Vs</a:t>
             </a:r>
             <a:r>
-              <a:rPr lang="en-US" altLang="en-US" dirty="0" smtClean="0"/>
+              <a:rPr lang="en-US" altLang="en-US" dirty="0"/>
               <a:t> A </a:t>
             </a:r>
             <a:r>
-              <a:rPr lang="en-US" altLang="en-US" i="1" dirty="0" smtClean="0"/>
+              <a:rPr lang="en-US" altLang="en-US" i="1" dirty="0"/>
               <a:t>feature phone:</a:t>
             </a:r>
           </a:p>
           <a:p>
             <a:pPr lvl="2"/>
             <a:r>
-              <a:rPr lang="en-US" altLang="en-US" dirty="0" smtClean="0"/>
+              <a:rPr lang="en-US" altLang="en-US" dirty="0"/>
               <a:t>traditional cellular phone with limited features, </a:t>
             </a:r>
           </a:p>
           <a:p>
             <a:pPr lvl="3"/>
             <a:r>
-              <a:rPr lang="en-US" altLang="en-US" dirty="0" smtClean="0"/>
+              <a:rPr lang="en-US" altLang="en-US" dirty="0"/>
               <a:t>camera, MP3 music player, ability to send and receive </a:t>
             </a:r>
             <a:r>
-              <a:rPr lang="en-US" altLang="en-US" i="1" dirty="0" smtClean="0"/>
+              <a:rPr lang="en-US" altLang="en-US" i="1" dirty="0"/>
               <a:t>short message service (</a:t>
             </a:r>
             <a:r>
-              <a:rPr lang="en-US" altLang="en-US" i="1" dirty="0" err="1" smtClean="0"/>
+              <a:rPr lang="en-US" altLang="en-US" i="1" dirty="0" err="1"/>
               <a:t>SMS</a:t>
             </a:r>
             <a:r>
-              <a:rPr lang="en-US" altLang="en-US" i="1" dirty="0" smtClean="0"/>
+              <a:rPr lang="en-US" altLang="en-US" i="1" dirty="0"/>
               <a:t>)</a:t>
             </a:r>
             <a:r>
-              <a:rPr lang="en-US" altLang="en-US" dirty="0" smtClean="0"/>
+              <a:rPr lang="en-US" altLang="en-US" dirty="0"/>
               <a:t> text messages</a:t>
             </a:r>
           </a:p>
           <a:p>
             <a:pPr lvl="1"/>
-            <a:endParaRPr lang="en-US" altLang="en-US" dirty="0" smtClean="0"/>
+            <a:endParaRPr lang="en-US" altLang="en-US" dirty="0"/>
           </a:p>
         </p:txBody>
       </p:sp>
@@ -43923,14 +43837,14 @@
           <a:ln/>
           <a:extLst>
             <a:ext uri="{909E8E84-426E-40dd-AFC4-6F175D3DCCD1}">
-              <a14:hiddenFill xmlns:a14="http://schemas.microsoft.com/office/drawing/2010/main">
+              <a14:hiddenFill xmlns:a14="http://schemas.microsoft.com/office/drawing/2010/main" xmlns="">
                 <a:solidFill>
                   <a:srgbClr val="FFFFFF"/>
                 </a:solidFill>
               </a14:hiddenFill>
             </a:ext>
             <a:ext uri="{91240B29-F687-4f45-9708-019B960494DF}">
-              <a14:hiddenLine xmlns:a14="http://schemas.microsoft.com/office/drawing/2010/main" w="9525">
+              <a14:hiddenLine xmlns:a14="http://schemas.microsoft.com/office/drawing/2010/main" xmlns="" w="9525">
                 <a:solidFill>
                   <a:srgbClr val="000000"/>
                 </a:solidFill>
@@ -44096,7 +44010,7 @@
   <p:timing>
     <p:tnLst>
       <p:par>
-        <p:cTn xmlns:p14="http://schemas.microsoft.com/office/powerpoint/2010/main" id="1" dur="indefinite" restart="never" nodeType="tmRoot">
+        <p:cTn id="1" dur="indefinite" restart="never" nodeType="tmRoot">
           <p:childTnLst>
             <p:seq concurrent="1" nextAc="seek">
               <p:cTn id="2" dur="indefinite" nodeType="mainSeq">
